--- a/graphResults.pptx
+++ b/graphResults.pptx
@@ -14,6 +14,9 @@
     <p:sldId id="259" r:id="rId11"/>
     <p:sldId id="260" r:id="rId12"/>
     <p:sldId id="261" r:id="rId13"/>
+    <p:sldId id="262" r:id="rId14"/>
+    <p:sldId id="263" r:id="rId15"/>
+    <p:sldId id="264" r:id="rId16"/>
   </p:sldIdLst>
   <p:sldSz cx="13004800" cy="9753600"/>
   <p:notesSz cx="6858000" cy="9144000"/>
@@ -59,22 +62,22 @@
       <a:buFontTx/>
       <a:buNone/>
       <a:tabLst/>
-      <a:defRPr b="0" baseline="0" cap="none" i="0" spc="0" strike="noStrike" sz="3800" u="none" kumimoji="0" normalizeH="0">
+      <a:defRPr b="1" baseline="0" cap="none" i="0" spc="0" strike="noStrike" sz="2400" u="none" kumimoji="0" normalizeH="0">
         <a:ln>
           <a:noFill/>
         </a:ln>
         <a:solidFill>
-          <a:srgbClr val="FFFFFF"/>
+          <a:srgbClr val="000000"/>
         </a:solidFill>
         <a:effectLst/>
         <a:uFillTx/>
-        <a:latin typeface="+mn-lt"/>
-        <a:ea typeface="+mn-ea"/>
-        <a:cs typeface="+mn-cs"/>
-        <a:sym typeface="Helvetica Light"/>
+        <a:latin typeface="Helvetica Neue"/>
+        <a:ea typeface="Helvetica Neue"/>
+        <a:cs typeface="Helvetica Neue"/>
+        <a:sym typeface="Helvetica Neue"/>
       </a:defRPr>
     </a:lvl1pPr>
-    <a:lvl2pPr marL="0" marR="0" indent="0" algn="ctr" defTabSz="584200" rtl="0" fontAlgn="auto" latinLnBrk="0" hangingPunct="0">
+    <a:lvl2pPr marL="0" marR="0" indent="228600" algn="ctr" defTabSz="584200" rtl="0" fontAlgn="auto" latinLnBrk="0" hangingPunct="0">
       <a:lnSpc>
         <a:spcPct val="100000"/>
       </a:lnSpc>
@@ -89,22 +92,22 @@
       <a:buFontTx/>
       <a:buNone/>
       <a:tabLst/>
-      <a:defRPr b="0" baseline="0" cap="none" i="0" spc="0" strike="noStrike" sz="3800" u="none" kumimoji="0" normalizeH="0">
+      <a:defRPr b="1" baseline="0" cap="none" i="0" spc="0" strike="noStrike" sz="2400" u="none" kumimoji="0" normalizeH="0">
         <a:ln>
           <a:noFill/>
         </a:ln>
         <a:solidFill>
-          <a:srgbClr val="FFFFFF"/>
+          <a:srgbClr val="000000"/>
         </a:solidFill>
         <a:effectLst/>
         <a:uFillTx/>
-        <a:latin typeface="+mn-lt"/>
-        <a:ea typeface="+mn-ea"/>
-        <a:cs typeface="+mn-cs"/>
-        <a:sym typeface="Helvetica Light"/>
+        <a:latin typeface="Helvetica Neue"/>
+        <a:ea typeface="Helvetica Neue"/>
+        <a:cs typeface="Helvetica Neue"/>
+        <a:sym typeface="Helvetica Neue"/>
       </a:defRPr>
     </a:lvl2pPr>
-    <a:lvl3pPr marL="0" marR="0" indent="0" algn="ctr" defTabSz="584200" rtl="0" fontAlgn="auto" latinLnBrk="0" hangingPunct="0">
+    <a:lvl3pPr marL="0" marR="0" indent="457200" algn="ctr" defTabSz="584200" rtl="0" fontAlgn="auto" latinLnBrk="0" hangingPunct="0">
       <a:lnSpc>
         <a:spcPct val="100000"/>
       </a:lnSpc>
@@ -119,22 +122,22 @@
       <a:buFontTx/>
       <a:buNone/>
       <a:tabLst/>
-      <a:defRPr b="0" baseline="0" cap="none" i="0" spc="0" strike="noStrike" sz="3800" u="none" kumimoji="0" normalizeH="0">
+      <a:defRPr b="1" baseline="0" cap="none" i="0" spc="0" strike="noStrike" sz="2400" u="none" kumimoji="0" normalizeH="0">
         <a:ln>
           <a:noFill/>
         </a:ln>
         <a:solidFill>
-          <a:srgbClr val="FFFFFF"/>
+          <a:srgbClr val="000000"/>
         </a:solidFill>
         <a:effectLst/>
         <a:uFillTx/>
-        <a:latin typeface="+mn-lt"/>
-        <a:ea typeface="+mn-ea"/>
-        <a:cs typeface="+mn-cs"/>
-        <a:sym typeface="Helvetica Light"/>
+        <a:latin typeface="Helvetica Neue"/>
+        <a:ea typeface="Helvetica Neue"/>
+        <a:cs typeface="Helvetica Neue"/>
+        <a:sym typeface="Helvetica Neue"/>
       </a:defRPr>
     </a:lvl3pPr>
-    <a:lvl4pPr marL="0" marR="0" indent="0" algn="ctr" defTabSz="584200" rtl="0" fontAlgn="auto" latinLnBrk="0" hangingPunct="0">
+    <a:lvl4pPr marL="0" marR="0" indent="685800" algn="ctr" defTabSz="584200" rtl="0" fontAlgn="auto" latinLnBrk="0" hangingPunct="0">
       <a:lnSpc>
         <a:spcPct val="100000"/>
       </a:lnSpc>
@@ -149,22 +152,22 @@
       <a:buFontTx/>
       <a:buNone/>
       <a:tabLst/>
-      <a:defRPr b="0" baseline="0" cap="none" i="0" spc="0" strike="noStrike" sz="3800" u="none" kumimoji="0" normalizeH="0">
+      <a:defRPr b="1" baseline="0" cap="none" i="0" spc="0" strike="noStrike" sz="2400" u="none" kumimoji="0" normalizeH="0">
         <a:ln>
           <a:noFill/>
         </a:ln>
         <a:solidFill>
-          <a:srgbClr val="FFFFFF"/>
+          <a:srgbClr val="000000"/>
         </a:solidFill>
         <a:effectLst/>
         <a:uFillTx/>
-        <a:latin typeface="+mn-lt"/>
-        <a:ea typeface="+mn-ea"/>
-        <a:cs typeface="+mn-cs"/>
-        <a:sym typeface="Helvetica Light"/>
+        <a:latin typeface="Helvetica Neue"/>
+        <a:ea typeface="Helvetica Neue"/>
+        <a:cs typeface="Helvetica Neue"/>
+        <a:sym typeface="Helvetica Neue"/>
       </a:defRPr>
     </a:lvl4pPr>
-    <a:lvl5pPr marL="0" marR="0" indent="0" algn="ctr" defTabSz="584200" rtl="0" fontAlgn="auto" latinLnBrk="0" hangingPunct="0">
+    <a:lvl5pPr marL="0" marR="0" indent="914400" algn="ctr" defTabSz="584200" rtl="0" fontAlgn="auto" latinLnBrk="0" hangingPunct="0">
       <a:lnSpc>
         <a:spcPct val="100000"/>
       </a:lnSpc>
@@ -179,22 +182,22 @@
       <a:buFontTx/>
       <a:buNone/>
       <a:tabLst/>
-      <a:defRPr b="0" baseline="0" cap="none" i="0" spc="0" strike="noStrike" sz="3800" u="none" kumimoji="0" normalizeH="0">
+      <a:defRPr b="1" baseline="0" cap="none" i="0" spc="0" strike="noStrike" sz="2400" u="none" kumimoji="0" normalizeH="0">
         <a:ln>
           <a:noFill/>
         </a:ln>
         <a:solidFill>
-          <a:srgbClr val="FFFFFF"/>
+          <a:srgbClr val="000000"/>
         </a:solidFill>
         <a:effectLst/>
         <a:uFillTx/>
-        <a:latin typeface="+mn-lt"/>
-        <a:ea typeface="+mn-ea"/>
-        <a:cs typeface="+mn-cs"/>
-        <a:sym typeface="Helvetica Light"/>
+        <a:latin typeface="Helvetica Neue"/>
+        <a:ea typeface="Helvetica Neue"/>
+        <a:cs typeface="Helvetica Neue"/>
+        <a:sym typeface="Helvetica Neue"/>
       </a:defRPr>
     </a:lvl5pPr>
-    <a:lvl6pPr marL="0" marR="0" indent="0" algn="ctr" defTabSz="584200" rtl="0" fontAlgn="auto" latinLnBrk="0" hangingPunct="0">
+    <a:lvl6pPr marL="0" marR="0" indent="1143000" algn="ctr" defTabSz="584200" rtl="0" fontAlgn="auto" latinLnBrk="0" hangingPunct="0">
       <a:lnSpc>
         <a:spcPct val="100000"/>
       </a:lnSpc>
@@ -209,22 +212,22 @@
       <a:buFontTx/>
       <a:buNone/>
       <a:tabLst/>
-      <a:defRPr b="0" baseline="0" cap="none" i="0" spc="0" strike="noStrike" sz="3800" u="none" kumimoji="0" normalizeH="0">
+      <a:defRPr b="1" baseline="0" cap="none" i="0" spc="0" strike="noStrike" sz="2400" u="none" kumimoji="0" normalizeH="0">
         <a:ln>
           <a:noFill/>
         </a:ln>
         <a:solidFill>
-          <a:srgbClr val="FFFFFF"/>
+          <a:srgbClr val="000000"/>
         </a:solidFill>
         <a:effectLst/>
         <a:uFillTx/>
-        <a:latin typeface="+mn-lt"/>
-        <a:ea typeface="+mn-ea"/>
-        <a:cs typeface="+mn-cs"/>
-        <a:sym typeface="Helvetica Light"/>
+        <a:latin typeface="Helvetica Neue"/>
+        <a:ea typeface="Helvetica Neue"/>
+        <a:cs typeface="Helvetica Neue"/>
+        <a:sym typeface="Helvetica Neue"/>
       </a:defRPr>
     </a:lvl6pPr>
-    <a:lvl7pPr marL="0" marR="0" indent="0" algn="ctr" defTabSz="584200" rtl="0" fontAlgn="auto" latinLnBrk="0" hangingPunct="0">
+    <a:lvl7pPr marL="0" marR="0" indent="1371600" algn="ctr" defTabSz="584200" rtl="0" fontAlgn="auto" latinLnBrk="0" hangingPunct="0">
       <a:lnSpc>
         <a:spcPct val="100000"/>
       </a:lnSpc>
@@ -239,22 +242,22 @@
       <a:buFontTx/>
       <a:buNone/>
       <a:tabLst/>
-      <a:defRPr b="0" baseline="0" cap="none" i="0" spc="0" strike="noStrike" sz="3800" u="none" kumimoji="0" normalizeH="0">
+      <a:defRPr b="1" baseline="0" cap="none" i="0" spc="0" strike="noStrike" sz="2400" u="none" kumimoji="0" normalizeH="0">
         <a:ln>
           <a:noFill/>
         </a:ln>
         <a:solidFill>
-          <a:srgbClr val="FFFFFF"/>
+          <a:srgbClr val="000000"/>
         </a:solidFill>
         <a:effectLst/>
         <a:uFillTx/>
-        <a:latin typeface="+mn-lt"/>
-        <a:ea typeface="+mn-ea"/>
-        <a:cs typeface="+mn-cs"/>
-        <a:sym typeface="Helvetica Light"/>
+        <a:latin typeface="Helvetica Neue"/>
+        <a:ea typeface="Helvetica Neue"/>
+        <a:cs typeface="Helvetica Neue"/>
+        <a:sym typeface="Helvetica Neue"/>
       </a:defRPr>
     </a:lvl7pPr>
-    <a:lvl8pPr marL="0" marR="0" indent="0" algn="ctr" defTabSz="584200" rtl="0" fontAlgn="auto" latinLnBrk="0" hangingPunct="0">
+    <a:lvl8pPr marL="0" marR="0" indent="1600200" algn="ctr" defTabSz="584200" rtl="0" fontAlgn="auto" latinLnBrk="0" hangingPunct="0">
       <a:lnSpc>
         <a:spcPct val="100000"/>
       </a:lnSpc>
@@ -269,22 +272,22 @@
       <a:buFontTx/>
       <a:buNone/>
       <a:tabLst/>
-      <a:defRPr b="0" baseline="0" cap="none" i="0" spc="0" strike="noStrike" sz="3800" u="none" kumimoji="0" normalizeH="0">
+      <a:defRPr b="1" baseline="0" cap="none" i="0" spc="0" strike="noStrike" sz="2400" u="none" kumimoji="0" normalizeH="0">
         <a:ln>
           <a:noFill/>
         </a:ln>
         <a:solidFill>
-          <a:srgbClr val="FFFFFF"/>
+          <a:srgbClr val="000000"/>
         </a:solidFill>
         <a:effectLst/>
         <a:uFillTx/>
-        <a:latin typeface="+mn-lt"/>
-        <a:ea typeface="+mn-ea"/>
-        <a:cs typeface="+mn-cs"/>
-        <a:sym typeface="Helvetica Light"/>
+        <a:latin typeface="Helvetica Neue"/>
+        <a:ea typeface="Helvetica Neue"/>
+        <a:cs typeface="Helvetica Neue"/>
+        <a:sym typeface="Helvetica Neue"/>
       </a:defRPr>
     </a:lvl8pPr>
-    <a:lvl9pPr marL="0" marR="0" indent="0" algn="ctr" defTabSz="584200" rtl="0" fontAlgn="auto" latinLnBrk="0" hangingPunct="0">
+    <a:lvl9pPr marL="0" marR="0" indent="1828800" algn="ctr" defTabSz="584200" rtl="0" fontAlgn="auto" latinLnBrk="0" hangingPunct="0">
       <a:lnSpc>
         <a:spcPct val="100000"/>
       </a:lnSpc>
@@ -299,19 +302,19 @@
       <a:buFontTx/>
       <a:buNone/>
       <a:tabLst/>
-      <a:defRPr b="0" baseline="0" cap="none" i="0" spc="0" strike="noStrike" sz="3800" u="none" kumimoji="0" normalizeH="0">
+      <a:defRPr b="1" baseline="0" cap="none" i="0" spc="0" strike="noStrike" sz="2400" u="none" kumimoji="0" normalizeH="0">
         <a:ln>
           <a:noFill/>
         </a:ln>
         <a:solidFill>
-          <a:srgbClr val="FFFFFF"/>
+          <a:srgbClr val="000000"/>
         </a:solidFill>
         <a:effectLst/>
         <a:uFillTx/>
-        <a:latin typeface="+mn-lt"/>
-        <a:ea typeface="+mn-ea"/>
-        <a:cs typeface="+mn-cs"/>
-        <a:sym typeface="Helvetica Light"/>
+        <a:latin typeface="Helvetica Neue"/>
+        <a:ea typeface="Helvetica Neue"/>
+        <a:cs typeface="Helvetica Neue"/>
+        <a:sym typeface="Helvetica Neue"/>
       </a:defRPr>
     </a:lvl9pPr>
   </p:defaultTextStyle>
@@ -320,3497 +323,6 @@
 
 <file path=ppt/commentAuthors.xml><?xml version="1.0" encoding="utf-8"?>
 <p:cmAuthorLst xmlns:a="http://schemas.openxmlformats.org/drawingml/2006/main" xmlns:r="http://schemas.openxmlformats.org/officeDocument/2006/relationships" xmlns:p="http://schemas.openxmlformats.org/presentationml/2006/main" xmlns:m="http://schemas.openxmlformats.org/officeDocument/2006/math" xmlns:a14="http://schemas.microsoft.com/office/drawing/2010/main"/>
-</file>
-
-<file path=ppt/charts/chart1.xml><?xml version="1.0" encoding="utf-8"?>
-<c:chartSpace xmlns:c="http://schemas.openxmlformats.org/drawingml/2006/chart" xmlns:a="http://schemas.openxmlformats.org/drawingml/2006/main" xmlns:r="http://schemas.openxmlformats.org/officeDocument/2006/relationships">
-  <c:date1904 val="1"/>
-  <c:roundedCorners val="0"/>
-  <c:chart>
-    <c:autoTitleDeleted val="1"/>
-    <c:plotArea>
-      <c:layout>
-        <c:manualLayout>
-          <c:layoutTarget val="inner"/>
-          <c:xMode val="edge"/>
-          <c:yMode val="edge"/>
-          <c:x val="0.0536457"/>
-          <c:y val="0.0379568"/>
-          <c:w val="0.941354"/>
-          <c:h val="0.826483"/>
-        </c:manualLayout>
-      </c:layout>
-      <c:barChart>
-        <c:barDir val="col"/>
-        <c:grouping val="clustered"/>
-        <c:varyColors val="0"/>
-        <c:ser>
-          <c:idx val="0"/>
-          <c:order val="0"/>
-          <c:tx>
-            <c:strRef>
-              <c:f>Sheet1!$B$1</c:f>
-              <c:strCache>
-                <c:ptCount val="1"/>
-                <c:pt idx="0">
-                  <c:v>Precision</c:v>
-                </c:pt>
-              </c:strCache>
-            </c:strRef>
-          </c:tx>
-          <c:spPr>
-            <a:solidFill>
-              <a:srgbClr val="4472C4"/>
-            </a:solidFill>
-            <a:ln w="12700" cap="flat">
-              <a:noFill/>
-              <a:miter lim="400000"/>
-            </a:ln>
-            <a:effectLst/>
-          </c:spPr>
-          <c:invertIfNegative val="0"/>
-          <c:dLbls>
-            <c:numFmt formatCode="General" sourceLinked="0"/>
-            <c:txPr>
-              <a:bodyPr/>
-              <a:lstStyle/>
-              <a:p>
-                <a:pPr>
-                  <a:defRPr b="0" i="0" strike="noStrike" sz="1600" u="none">
-                    <a:solidFill>
-                      <a:srgbClr val="000000"/>
-                    </a:solidFill>
-                    <a:latin typeface="Calibri"/>
-                  </a:defRPr>
-                </a:pPr>
-              </a:p>
-            </c:txPr>
-            <c:dLblPos val="outEnd"/>
-            <c:showLegendKey val="0"/>
-            <c:showVal val="0"/>
-            <c:showCatName val="0"/>
-            <c:showSerName val="0"/>
-            <c:showPercent val="0"/>
-            <c:showBubbleSize val="0"/>
-            <c:showLeaderLines val="0"/>
-          </c:dLbls>
-          <c:cat>
-            <c:strRef>
-              <c:f>Sheet1!$A$2:$A$4</c:f>
-              <c:strCache>
-                <c:ptCount val="3"/>
-                <c:pt idx="0">
-                  <c:v>Cora</c:v>
-                </c:pt>
-                <c:pt idx="1">
-                  <c:v>Citeseer</c:v>
-                </c:pt>
-                <c:pt idx="2">
-                  <c:v>ToyPPI</c:v>
-                </c:pt>
-              </c:strCache>
-            </c:strRef>
-          </c:cat>
-          <c:val>
-            <c:numRef>
-              <c:f>Sheet1!$B$2:$B$4</c:f>
-              <c:numCache>
-                <c:ptCount val="3"/>
-                <c:pt idx="0">
-                  <c:v>0.731340</c:v>
-                </c:pt>
-                <c:pt idx="1">
-                  <c:v>0.830510</c:v>
-                </c:pt>
-                <c:pt idx="2">
-                  <c:v>0.909090</c:v>
-                </c:pt>
-              </c:numCache>
-            </c:numRef>
-          </c:val>
-        </c:ser>
-        <c:ser>
-          <c:idx val="1"/>
-          <c:order val="1"/>
-          <c:tx>
-            <c:strRef>
-              <c:f>Sheet1!$C$1</c:f>
-              <c:strCache>
-                <c:ptCount val="1"/>
-                <c:pt idx="0">
-                  <c:v>Recall</c:v>
-                </c:pt>
-              </c:strCache>
-            </c:strRef>
-          </c:tx>
-          <c:spPr>
-            <a:solidFill>
-              <a:srgbClr val="ED7D31"/>
-            </a:solidFill>
-            <a:ln w="12700" cap="flat">
-              <a:noFill/>
-              <a:miter lim="400000"/>
-            </a:ln>
-            <a:effectLst/>
-          </c:spPr>
-          <c:invertIfNegative val="0"/>
-          <c:dLbls>
-            <c:numFmt formatCode="General" sourceLinked="0"/>
-            <c:txPr>
-              <a:bodyPr/>
-              <a:lstStyle/>
-              <a:p>
-                <a:pPr>
-                  <a:defRPr b="0" i="0" strike="noStrike" sz="1600" u="none">
-                    <a:solidFill>
-                      <a:srgbClr val="000000"/>
-                    </a:solidFill>
-                    <a:latin typeface="Calibri"/>
-                  </a:defRPr>
-                </a:pPr>
-              </a:p>
-            </c:txPr>
-            <c:dLblPos val="outEnd"/>
-            <c:showLegendKey val="0"/>
-            <c:showVal val="0"/>
-            <c:showCatName val="0"/>
-            <c:showSerName val="0"/>
-            <c:showPercent val="0"/>
-            <c:showBubbleSize val="0"/>
-            <c:showLeaderLines val="0"/>
-          </c:dLbls>
-          <c:cat>
-            <c:strRef>
-              <c:f>Sheet1!$A$2:$A$4</c:f>
-              <c:strCache>
-                <c:ptCount val="3"/>
-                <c:pt idx="0">
-                  <c:v>Cora</c:v>
-                </c:pt>
-                <c:pt idx="1">
-                  <c:v>Citeseer</c:v>
-                </c:pt>
-                <c:pt idx="2">
-                  <c:v>ToyPPI</c:v>
-                </c:pt>
-              </c:strCache>
-            </c:strRef>
-          </c:cat>
-          <c:val>
-            <c:numRef>
-              <c:f>Sheet1!$C$2:$C$4</c:f>
-              <c:numCache>
-                <c:ptCount val="3"/>
-                <c:pt idx="0">
-                  <c:v>1.000000</c:v>
-                </c:pt>
-                <c:pt idx="1">
-                  <c:v>1.000000</c:v>
-                </c:pt>
-                <c:pt idx="2">
-                  <c:v>0.400000</c:v>
-                </c:pt>
-              </c:numCache>
-            </c:numRef>
-          </c:val>
-        </c:ser>
-        <c:gapWidth val="219"/>
-        <c:overlap val="0"/>
-        <c:axId val="2094734552"/>
-        <c:axId val="2094734553"/>
-      </c:barChart>
-      <c:catAx>
-        <c:axId val="2094734552"/>
-        <c:scaling>
-          <c:orientation val="minMax"/>
-        </c:scaling>
-        <c:delete val="0"/>
-        <c:axPos val="b"/>
-        <c:numFmt formatCode="General" sourceLinked="0"/>
-        <c:majorTickMark val="out"/>
-        <c:minorTickMark val="none"/>
-        <c:tickLblPos val="low"/>
-        <c:spPr>
-          <a:ln w="12700" cap="flat">
-            <a:solidFill>
-              <a:srgbClr val="D9D9D9"/>
-            </a:solidFill>
-            <a:prstDash val="solid"/>
-            <a:round/>
-          </a:ln>
-        </c:spPr>
-        <c:txPr>
-          <a:bodyPr rot="0"/>
-          <a:lstStyle/>
-          <a:p>
-            <a:pPr>
-              <a:defRPr b="0" i="0" strike="noStrike" sz="1600" u="none">
-                <a:solidFill>
-                  <a:srgbClr val="595959"/>
-                </a:solidFill>
-                <a:latin typeface="Calibri"/>
-              </a:defRPr>
-            </a:pPr>
-          </a:p>
-        </c:txPr>
-        <c:crossAx val="2094734553"/>
-        <c:crosses val="autoZero"/>
-        <c:auto val="1"/>
-        <c:lblAlgn val="ctr"/>
-        <c:noMultiLvlLbl val="1"/>
-      </c:catAx>
-      <c:valAx>
-        <c:axId val="2094734553"/>
-        <c:scaling>
-          <c:orientation val="minMax"/>
-        </c:scaling>
-        <c:delete val="0"/>
-        <c:axPos val="l"/>
-        <c:majorGridlines>
-          <c:spPr>
-            <a:ln w="12700" cap="flat">
-              <a:solidFill>
-                <a:srgbClr val="D9D9D9"/>
-              </a:solidFill>
-              <a:prstDash val="solid"/>
-              <a:round/>
-            </a:ln>
-          </c:spPr>
-        </c:majorGridlines>
-        <c:numFmt formatCode="General" sourceLinked="0"/>
-        <c:majorTickMark val="none"/>
-        <c:minorTickMark val="none"/>
-        <c:tickLblPos val="nextTo"/>
-        <c:spPr>
-          <a:ln w="12700" cap="flat">
-            <a:solidFill>
-              <a:srgbClr val="D9D9D9"/>
-            </a:solidFill>
-            <a:prstDash val="solid"/>
-            <a:round/>
-          </a:ln>
-        </c:spPr>
-        <c:txPr>
-          <a:bodyPr rot="0"/>
-          <a:lstStyle/>
-          <a:p>
-            <a:pPr>
-              <a:defRPr b="0" i="0" strike="noStrike" sz="1600" u="none">
-                <a:solidFill>
-                  <a:srgbClr val="595959"/>
-                </a:solidFill>
-                <a:latin typeface="Calibri"/>
-              </a:defRPr>
-            </a:pPr>
-          </a:p>
-        </c:txPr>
-        <c:crossAx val="2094734552"/>
-        <c:crosses val="autoZero"/>
-        <c:crossBetween val="between"/>
-        <c:majorUnit val="0.25"/>
-        <c:minorUnit val="0.125"/>
-      </c:valAx>
-      <c:spPr>
-        <a:noFill/>
-        <a:ln w="12700" cap="flat">
-          <a:noFill/>
-          <a:miter lim="400000"/>
-        </a:ln>
-        <a:effectLst/>
-      </c:spPr>
-    </c:plotArea>
-    <c:legend>
-      <c:legendPos val="b"/>
-      <c:layout>
-        <c:manualLayout>
-          <c:xMode val="edge"/>
-          <c:yMode val="edge"/>
-          <c:x val="0.472852"/>
-          <c:y val="0.911586"/>
-          <c:w val="0.126594"/>
-          <c:h val="0.0884136"/>
-        </c:manualLayout>
-      </c:layout>
-      <c:overlay val="1"/>
-      <c:spPr>
-        <a:noFill/>
-        <a:ln w="12700" cap="flat">
-          <a:noFill/>
-          <a:miter lim="400000"/>
-        </a:ln>
-        <a:effectLst/>
-      </c:spPr>
-      <c:txPr>
-        <a:bodyPr rot="0"/>
-        <a:lstStyle/>
-        <a:p>
-          <a:pPr>
-            <a:defRPr b="0" i="0" strike="noStrike" sz="1600" u="none">
-              <a:solidFill>
-                <a:srgbClr val="595959"/>
-              </a:solidFill>
-              <a:latin typeface="Calibri"/>
-            </a:defRPr>
-          </a:pPr>
-        </a:p>
-      </c:txPr>
-    </c:legend>
-    <c:plotVisOnly val="1"/>
-    <c:dispBlanksAs val="gap"/>
-  </c:chart>
-  <c:spPr>
-    <a:solidFill>
-      <a:srgbClr val="FFFFFF"/>
-    </a:solidFill>
-    <a:ln w="12700" cap="flat">
-      <a:solidFill>
-        <a:srgbClr val="D9D9D9"/>
-      </a:solidFill>
-      <a:prstDash val="solid"/>
-      <a:round/>
-    </a:ln>
-    <a:effectLst/>
-  </c:spPr>
-  <c:externalData r:id="rId1">
-    <c:autoUpdate val="0"/>
-  </c:externalData>
-</c:chartSpace>
-</file>
-
-<file path=ppt/charts/chart2.xml><?xml version="1.0" encoding="utf-8"?>
-<c:chartSpace xmlns:c="http://schemas.openxmlformats.org/drawingml/2006/chart" xmlns:a="http://schemas.openxmlformats.org/drawingml/2006/main" xmlns:r="http://schemas.openxmlformats.org/officeDocument/2006/relationships">
-  <c:date1904 val="1"/>
-  <c:roundedCorners val="0"/>
-  <c:chart>
-    <c:autoTitleDeleted val="1"/>
-    <c:plotArea>
-      <c:layout>
-        <c:manualLayout>
-          <c:layoutTarget val="inner"/>
-          <c:xMode val="edge"/>
-          <c:yMode val="edge"/>
-          <c:x val="0.0530055"/>
-          <c:y val="0.037769"/>
-          <c:w val="0.941777"/>
-          <c:h val="0.865049"/>
-        </c:manualLayout>
-      </c:layout>
-      <c:lineChart>
-        <c:grouping val="standard"/>
-        <c:varyColors val="0"/>
-        <c:ser>
-          <c:idx val="0"/>
-          <c:order val="0"/>
-          <c:tx>
-            <c:strRef>
-              <c:f>Sheet1!$B$1</c:f>
-              <c:strCache>
-                <c:ptCount val="1"/>
-                <c:pt idx="0">
-                  <c:v>Cora 20%</c:v>
-                </c:pt>
-              </c:strCache>
-            </c:strRef>
-          </c:tx>
-          <c:spPr>
-            <a:solidFill>
-              <a:srgbClr val="4472C4"/>
-            </a:solidFill>
-            <a:ln w="28575" cap="rnd">
-              <a:solidFill>
-                <a:srgbClr val="4472C4"/>
-              </a:solidFill>
-              <a:prstDash val="solid"/>
-              <a:round/>
-            </a:ln>
-            <a:effectLst/>
-          </c:spPr>
-          <c:marker>
-            <c:symbol val="circle"/>
-            <c:size val="4"/>
-            <c:spPr>
-              <a:solidFill>
-                <a:srgbClr val="4472C4"/>
-              </a:solidFill>
-              <a:ln w="9525" cap="flat">
-                <a:solidFill>
-                  <a:srgbClr val="4472C4"/>
-                </a:solidFill>
-                <a:prstDash val="solid"/>
-                <a:miter lim="800000"/>
-              </a:ln>
-              <a:effectLst/>
-            </c:spPr>
-          </c:marker>
-          <c:dLbls>
-            <c:numFmt formatCode="General" sourceLinked="0"/>
-            <c:txPr>
-              <a:bodyPr/>
-              <a:lstStyle/>
-              <a:p>
-                <a:pPr>
-                  <a:defRPr b="0" i="0" strike="noStrike" sz="1600" u="none">
-                    <a:solidFill>
-                      <a:srgbClr val="000000"/>
-                    </a:solidFill>
-                    <a:latin typeface="Calibri"/>
-                  </a:defRPr>
-                </a:pPr>
-              </a:p>
-            </c:txPr>
-            <c:dLblPos val="t"/>
-            <c:showLegendKey val="0"/>
-            <c:showVal val="0"/>
-            <c:showCatName val="0"/>
-            <c:showSerName val="0"/>
-            <c:showPercent val="0"/>
-            <c:showBubbleSize val="0"/>
-            <c:showLeaderLines val="0"/>
-          </c:dLbls>
-          <c:cat>
-            <c:strRef>
-              <c:f>Sheet1!$A$2:$A$4</c:f>
-              <c:strCache>
-                <c:ptCount val="3"/>
-                <c:pt idx="0">
-                  <c:v>1% attr</c:v>
-                </c:pt>
-                <c:pt idx="1">
-                  <c:v>2% attr</c:v>
-                </c:pt>
-                <c:pt idx="2">
-                  <c:v>4% attr</c:v>
-                </c:pt>
-              </c:strCache>
-            </c:strRef>
-          </c:cat>
-          <c:val>
-            <c:numRef>
-              <c:f>Sheet1!$B$2:$B$4</c:f>
-              <c:numCache>
-                <c:ptCount val="2"/>
-                <c:pt idx="0">
-                  <c:v>0.643840</c:v>
-                </c:pt>
-                <c:pt idx="1">
-                  <c:v>0.961170</c:v>
-                </c:pt>
-              </c:numCache>
-            </c:numRef>
-          </c:val>
-          <c:smooth val="0"/>
-        </c:ser>
-        <c:ser>
-          <c:idx val="1"/>
-          <c:order val="1"/>
-          <c:tx>
-            <c:strRef>
-              <c:f>Sheet1!$C$1</c:f>
-              <c:strCache>
-                <c:ptCount val="1"/>
-                <c:pt idx="0">
-                  <c:v>Cora 10%</c:v>
-                </c:pt>
-              </c:strCache>
-            </c:strRef>
-          </c:tx>
-          <c:spPr>
-            <a:solidFill>
-              <a:srgbClr val="ED7D31"/>
-            </a:solidFill>
-            <a:ln w="28575" cap="rnd">
-              <a:solidFill>
-                <a:srgbClr val="ED7D31"/>
-              </a:solidFill>
-              <a:prstDash val="solid"/>
-              <a:round/>
-            </a:ln>
-            <a:effectLst/>
-          </c:spPr>
-          <c:marker>
-            <c:symbol val="circle"/>
-            <c:size val="4"/>
-            <c:spPr>
-              <a:solidFill>
-                <a:srgbClr val="ED7D31"/>
-              </a:solidFill>
-              <a:ln w="9525" cap="flat">
-                <a:solidFill>
-                  <a:srgbClr val="ED7D31"/>
-                </a:solidFill>
-                <a:prstDash val="solid"/>
-                <a:miter lim="800000"/>
-              </a:ln>
-              <a:effectLst/>
-            </c:spPr>
-          </c:marker>
-          <c:dLbls>
-            <c:numFmt formatCode="General" sourceLinked="0"/>
-            <c:txPr>
-              <a:bodyPr/>
-              <a:lstStyle/>
-              <a:p>
-                <a:pPr>
-                  <a:defRPr b="0" i="0" strike="noStrike" sz="1600" u="none">
-                    <a:solidFill>
-                      <a:srgbClr val="000000"/>
-                    </a:solidFill>
-                    <a:latin typeface="Calibri"/>
-                  </a:defRPr>
-                </a:pPr>
-              </a:p>
-            </c:txPr>
-            <c:dLblPos val="t"/>
-            <c:showLegendKey val="0"/>
-            <c:showVal val="0"/>
-            <c:showCatName val="0"/>
-            <c:showSerName val="0"/>
-            <c:showPercent val="0"/>
-            <c:showBubbleSize val="0"/>
-            <c:showLeaderLines val="0"/>
-          </c:dLbls>
-          <c:cat>
-            <c:strRef>
-              <c:f>Sheet1!$A$2:$A$4</c:f>
-              <c:strCache>
-                <c:ptCount val="3"/>
-                <c:pt idx="0">
-                  <c:v>1% attr</c:v>
-                </c:pt>
-                <c:pt idx="1">
-                  <c:v>2% attr</c:v>
-                </c:pt>
-                <c:pt idx="2">
-                  <c:v>4% attr</c:v>
-                </c:pt>
-              </c:strCache>
-            </c:strRef>
-          </c:cat>
-          <c:val>
-            <c:numRef>
-              <c:f>Sheet1!$C$2:$C$4</c:f>
-              <c:numCache>
-                <c:ptCount val="2"/>
-                <c:pt idx="0">
-                  <c:v>0.462500</c:v>
-                </c:pt>
-                <c:pt idx="1">
-                  <c:v>0.731340</c:v>
-                </c:pt>
-              </c:numCache>
-            </c:numRef>
-          </c:val>
-          <c:smooth val="0"/>
-        </c:ser>
-        <c:ser>
-          <c:idx val="2"/>
-          <c:order val="2"/>
-          <c:tx>
-            <c:strRef>
-              <c:f>Sheet1!$D$1</c:f>
-              <c:strCache>
-                <c:ptCount val="1"/>
-                <c:pt idx="0">
-                  <c:v>Cite. 20%</c:v>
-                </c:pt>
-              </c:strCache>
-            </c:strRef>
-          </c:tx>
-          <c:spPr>
-            <a:solidFill>
-              <a:srgbClr val="A5A5A5"/>
-            </a:solidFill>
-            <a:ln w="28575" cap="rnd">
-              <a:solidFill>
-                <a:srgbClr val="A5A5A5"/>
-              </a:solidFill>
-              <a:prstDash val="solid"/>
-              <a:round/>
-            </a:ln>
-            <a:effectLst/>
-          </c:spPr>
-          <c:marker>
-            <c:symbol val="circle"/>
-            <c:size val="4"/>
-            <c:spPr>
-              <a:solidFill>
-                <a:srgbClr val="A5A5A5"/>
-              </a:solidFill>
-              <a:ln w="9525" cap="flat">
-                <a:solidFill>
-                  <a:srgbClr val="A5A5A5"/>
-                </a:solidFill>
-                <a:prstDash val="solid"/>
-                <a:miter lim="800000"/>
-              </a:ln>
-              <a:effectLst/>
-            </c:spPr>
-          </c:marker>
-          <c:dLbls>
-            <c:numFmt formatCode="General" sourceLinked="0"/>
-            <c:txPr>
-              <a:bodyPr/>
-              <a:lstStyle/>
-              <a:p>
-                <a:pPr>
-                  <a:defRPr b="0" i="0" strike="noStrike" sz="1600" u="none">
-                    <a:solidFill>
-                      <a:srgbClr val="000000"/>
-                    </a:solidFill>
-                    <a:latin typeface="Calibri"/>
-                  </a:defRPr>
-                </a:pPr>
-              </a:p>
-            </c:txPr>
-            <c:dLblPos val="t"/>
-            <c:showLegendKey val="0"/>
-            <c:showVal val="0"/>
-            <c:showCatName val="0"/>
-            <c:showSerName val="0"/>
-            <c:showPercent val="0"/>
-            <c:showBubbleSize val="0"/>
-            <c:showLeaderLines val="0"/>
-          </c:dLbls>
-          <c:cat>
-            <c:strRef>
-              <c:f>Sheet1!$A$2:$A$4</c:f>
-              <c:strCache>
-                <c:ptCount val="3"/>
-                <c:pt idx="0">
-                  <c:v>1% attr</c:v>
-                </c:pt>
-                <c:pt idx="1">
-                  <c:v>2% attr</c:v>
-                </c:pt>
-                <c:pt idx="2">
-                  <c:v>4% attr</c:v>
-                </c:pt>
-              </c:strCache>
-            </c:strRef>
-          </c:cat>
-          <c:val>
-            <c:numRef>
-              <c:f>Sheet1!$D$2:$D$4</c:f>
-              <c:numCache>
-                <c:ptCount val="2"/>
-                <c:pt idx="0">
-                  <c:v>0.779530</c:v>
-                </c:pt>
-                <c:pt idx="1">
-                  <c:v>0.980200</c:v>
-                </c:pt>
-              </c:numCache>
-            </c:numRef>
-          </c:val>
-          <c:smooth val="0"/>
-        </c:ser>
-        <c:ser>
-          <c:idx val="3"/>
-          <c:order val="3"/>
-          <c:tx>
-            <c:strRef>
-              <c:f>Sheet1!$E$1</c:f>
-              <c:strCache>
-                <c:ptCount val="1"/>
-                <c:pt idx="0">
-                  <c:v>Cite.10%</c:v>
-                </c:pt>
-              </c:strCache>
-            </c:strRef>
-          </c:tx>
-          <c:spPr>
-            <a:solidFill>
-              <a:srgbClr val="FFC000"/>
-            </a:solidFill>
-            <a:ln w="28575" cap="rnd">
-              <a:solidFill>
-                <a:srgbClr val="FFC000"/>
-              </a:solidFill>
-              <a:prstDash val="solid"/>
-              <a:round/>
-            </a:ln>
-            <a:effectLst/>
-          </c:spPr>
-          <c:marker>
-            <c:symbol val="circle"/>
-            <c:size val="4"/>
-            <c:spPr>
-              <a:solidFill>
-                <a:srgbClr val="FFC000"/>
-              </a:solidFill>
-              <a:ln w="9525" cap="flat">
-                <a:solidFill>
-                  <a:srgbClr val="FFC000"/>
-                </a:solidFill>
-                <a:prstDash val="solid"/>
-                <a:miter lim="800000"/>
-              </a:ln>
-              <a:effectLst/>
-            </c:spPr>
-          </c:marker>
-          <c:dLbls>
-            <c:numFmt formatCode="General" sourceLinked="0"/>
-            <c:txPr>
-              <a:bodyPr/>
-              <a:lstStyle/>
-              <a:p>
-                <a:pPr>
-                  <a:defRPr b="0" i="0" strike="noStrike" sz="1600" u="none">
-                    <a:solidFill>
-                      <a:srgbClr val="000000"/>
-                    </a:solidFill>
-                    <a:latin typeface="Calibri"/>
-                  </a:defRPr>
-                </a:pPr>
-              </a:p>
-            </c:txPr>
-            <c:dLblPos val="t"/>
-            <c:showLegendKey val="0"/>
-            <c:showVal val="0"/>
-            <c:showCatName val="0"/>
-            <c:showSerName val="0"/>
-            <c:showPercent val="0"/>
-            <c:showBubbleSize val="0"/>
-            <c:showLeaderLines val="0"/>
-          </c:dLbls>
-          <c:cat>
-            <c:strRef>
-              <c:f>Sheet1!$A$2:$A$4</c:f>
-              <c:strCache>
-                <c:ptCount val="3"/>
-                <c:pt idx="0">
-                  <c:v>1% attr</c:v>
-                </c:pt>
-                <c:pt idx="1">
-                  <c:v>2% attr</c:v>
-                </c:pt>
-                <c:pt idx="2">
-                  <c:v>4% attr</c:v>
-                </c:pt>
-              </c:strCache>
-            </c:strRef>
-          </c:cat>
-          <c:val>
-            <c:numRef>
-              <c:f>Sheet1!$E$2:$E$4</c:f>
-              <c:numCache>
-                <c:ptCount val="2"/>
-                <c:pt idx="0">
-                  <c:v>0.490000</c:v>
-                </c:pt>
-                <c:pt idx="1">
-                  <c:v>0.830510</c:v>
-                </c:pt>
-              </c:numCache>
-            </c:numRef>
-          </c:val>
-          <c:smooth val="0"/>
-        </c:ser>
-        <c:ser>
-          <c:idx val="4"/>
-          <c:order val="4"/>
-          <c:tx>
-            <c:strRef>
-              <c:f>Sheet1!$F$1</c:f>
-              <c:strCache>
-                <c:ptCount val="1"/>
-                <c:pt idx="0">
-                  <c:v>Toy 20%</c:v>
-                </c:pt>
-              </c:strCache>
-            </c:strRef>
-          </c:tx>
-          <c:spPr>
-            <a:solidFill>
-              <a:srgbClr val="5B9BD5"/>
-            </a:solidFill>
-            <a:ln w="28575" cap="rnd">
-              <a:solidFill>
-                <a:srgbClr val="5B9BD5"/>
-              </a:solidFill>
-              <a:prstDash val="solid"/>
-              <a:round/>
-            </a:ln>
-            <a:effectLst/>
-          </c:spPr>
-          <c:marker>
-            <c:symbol val="circle"/>
-            <c:size val="4"/>
-            <c:spPr>
-              <a:solidFill>
-                <a:srgbClr val="5B9BD5"/>
-              </a:solidFill>
-              <a:ln w="9525" cap="flat">
-                <a:solidFill>
-                  <a:srgbClr val="5B9BD5"/>
-                </a:solidFill>
-                <a:prstDash val="solid"/>
-                <a:miter lim="800000"/>
-              </a:ln>
-              <a:effectLst/>
-            </c:spPr>
-          </c:marker>
-          <c:dLbls>
-            <c:numFmt formatCode="General" sourceLinked="0"/>
-            <c:txPr>
-              <a:bodyPr/>
-              <a:lstStyle/>
-              <a:p>
-                <a:pPr>
-                  <a:defRPr b="0" i="0" strike="noStrike" sz="1600" u="none">
-                    <a:solidFill>
-                      <a:srgbClr val="000000"/>
-                    </a:solidFill>
-                    <a:latin typeface="Calibri"/>
-                  </a:defRPr>
-                </a:pPr>
-              </a:p>
-            </c:txPr>
-            <c:dLblPos val="t"/>
-            <c:showLegendKey val="0"/>
-            <c:showVal val="0"/>
-            <c:showCatName val="0"/>
-            <c:showSerName val="0"/>
-            <c:showPercent val="0"/>
-            <c:showBubbleSize val="0"/>
-            <c:showLeaderLines val="0"/>
-          </c:dLbls>
-          <c:cat>
-            <c:strRef>
-              <c:f>Sheet1!$A$2:$A$4</c:f>
-              <c:strCache>
-                <c:ptCount val="3"/>
-                <c:pt idx="0">
-                  <c:v>1% attr</c:v>
-                </c:pt>
-                <c:pt idx="1">
-                  <c:v>2% attr</c:v>
-                </c:pt>
-                <c:pt idx="2">
-                  <c:v>4% attr</c:v>
-                </c:pt>
-              </c:strCache>
-            </c:strRef>
-          </c:cat>
-          <c:val>
-            <c:numRef>
-              <c:f>Sheet1!$F$2:$F$4</c:f>
-              <c:numCache>
-                <c:ptCount val="2"/>
-                <c:pt idx="1">
-                  <c:v>0.702130</c:v>
-                </c:pt>
-                <c:pt idx="2">
-                  <c:v>0.838710</c:v>
-                </c:pt>
-              </c:numCache>
-            </c:numRef>
-          </c:val>
-          <c:smooth val="0"/>
-        </c:ser>
-        <c:ser>
-          <c:idx val="5"/>
-          <c:order val="5"/>
-          <c:tx>
-            <c:strRef>
-              <c:f>Sheet1!$G$1</c:f>
-              <c:strCache>
-                <c:ptCount val="1"/>
-                <c:pt idx="0">
-                  <c:v>Toy 10%</c:v>
-                </c:pt>
-              </c:strCache>
-            </c:strRef>
-          </c:tx>
-          <c:spPr>
-            <a:solidFill>
-              <a:srgbClr val="70AD47"/>
-            </a:solidFill>
-            <a:ln w="28575" cap="rnd">
-              <a:solidFill>
-                <a:srgbClr val="70AD47"/>
-              </a:solidFill>
-              <a:prstDash val="solid"/>
-              <a:round/>
-            </a:ln>
-            <a:effectLst/>
-          </c:spPr>
-          <c:marker>
-            <c:symbol val="circle"/>
-            <c:size val="4"/>
-            <c:spPr>
-              <a:solidFill>
-                <a:srgbClr val="70AD47"/>
-              </a:solidFill>
-              <a:ln w="9525" cap="flat">
-                <a:solidFill>
-                  <a:srgbClr val="70AD47"/>
-                </a:solidFill>
-                <a:prstDash val="solid"/>
-                <a:miter lim="800000"/>
-              </a:ln>
-              <a:effectLst/>
-            </c:spPr>
-          </c:marker>
-          <c:dLbls>
-            <c:numFmt formatCode="General" sourceLinked="0"/>
-            <c:txPr>
-              <a:bodyPr/>
-              <a:lstStyle/>
-              <a:p>
-                <a:pPr>
-                  <a:defRPr b="0" i="0" strike="noStrike" sz="1600" u="none">
-                    <a:solidFill>
-                      <a:srgbClr val="000000"/>
-                    </a:solidFill>
-                    <a:latin typeface="Calibri"/>
-                  </a:defRPr>
-                </a:pPr>
-              </a:p>
-            </c:txPr>
-            <c:dLblPos val="t"/>
-            <c:showLegendKey val="0"/>
-            <c:showVal val="0"/>
-            <c:showCatName val="0"/>
-            <c:showSerName val="0"/>
-            <c:showPercent val="0"/>
-            <c:showBubbleSize val="0"/>
-            <c:showLeaderLines val="0"/>
-          </c:dLbls>
-          <c:cat>
-            <c:strRef>
-              <c:f>Sheet1!$A$2:$A$4</c:f>
-              <c:strCache>
-                <c:ptCount val="3"/>
-                <c:pt idx="0">
-                  <c:v>1% attr</c:v>
-                </c:pt>
-                <c:pt idx="1">
-                  <c:v>2% attr</c:v>
-                </c:pt>
-                <c:pt idx="2">
-                  <c:v>4% attr</c:v>
-                </c:pt>
-              </c:strCache>
-            </c:strRef>
-          </c:cat>
-          <c:val>
-            <c:numRef>
-              <c:f>Sheet1!$G$2:$G$4</c:f>
-              <c:numCache>
-                <c:ptCount val="2"/>
-                <c:pt idx="1">
-                  <c:v>0.909090</c:v>
-                </c:pt>
-                <c:pt idx="2">
-                  <c:v>0.900000</c:v>
-                </c:pt>
-              </c:numCache>
-            </c:numRef>
-          </c:val>
-          <c:smooth val="0"/>
-        </c:ser>
-        <c:marker val="1"/>
-        <c:axId val="2094734552"/>
-        <c:axId val="2094734553"/>
-      </c:lineChart>
-      <c:catAx>
-        <c:axId val="2094734552"/>
-        <c:scaling>
-          <c:orientation val="minMax"/>
-        </c:scaling>
-        <c:delete val="0"/>
-        <c:axPos val="b"/>
-        <c:numFmt formatCode="General" sourceLinked="0"/>
-        <c:majorTickMark val="none"/>
-        <c:minorTickMark val="none"/>
-        <c:tickLblPos val="low"/>
-        <c:spPr>
-          <a:ln w="12700" cap="flat">
-            <a:solidFill>
-              <a:srgbClr val="D9D9D9"/>
-            </a:solidFill>
-            <a:prstDash val="solid"/>
-            <a:round/>
-          </a:ln>
-        </c:spPr>
-        <c:txPr>
-          <a:bodyPr rot="0"/>
-          <a:lstStyle/>
-          <a:p>
-            <a:pPr>
-              <a:defRPr b="0" i="0" strike="noStrike" sz="1600" u="none">
-                <a:solidFill>
-                  <a:srgbClr val="595959"/>
-                </a:solidFill>
-                <a:latin typeface="Calibri"/>
-              </a:defRPr>
-            </a:pPr>
-          </a:p>
-        </c:txPr>
-        <c:crossAx val="2094734553"/>
-        <c:crosses val="autoZero"/>
-        <c:auto val="1"/>
-        <c:lblAlgn val="ctr"/>
-        <c:noMultiLvlLbl val="1"/>
-      </c:catAx>
-      <c:valAx>
-        <c:axId val="2094734553"/>
-        <c:scaling>
-          <c:orientation val="minMax"/>
-        </c:scaling>
-        <c:delete val="0"/>
-        <c:axPos val="l"/>
-        <c:majorGridlines>
-          <c:spPr>
-            <a:ln w="12700" cap="flat">
-              <a:solidFill>
-                <a:srgbClr val="D9D9D9"/>
-              </a:solidFill>
-              <a:prstDash val="solid"/>
-              <a:round/>
-            </a:ln>
-          </c:spPr>
-        </c:majorGridlines>
-        <c:numFmt formatCode="General" sourceLinked="0"/>
-        <c:majorTickMark val="none"/>
-        <c:minorTickMark val="none"/>
-        <c:tickLblPos val="nextTo"/>
-        <c:spPr>
-          <a:ln w="12700" cap="flat">
-            <a:noFill/>
-            <a:prstDash val="solid"/>
-            <a:round/>
-          </a:ln>
-        </c:spPr>
-        <c:txPr>
-          <a:bodyPr rot="0"/>
-          <a:lstStyle/>
-          <a:p>
-            <a:pPr>
-              <a:defRPr b="0" i="0" strike="noStrike" sz="1600" u="none">
-                <a:solidFill>
-                  <a:srgbClr val="595959"/>
-                </a:solidFill>
-                <a:latin typeface="Calibri"/>
-              </a:defRPr>
-            </a:pPr>
-          </a:p>
-        </c:txPr>
-        <c:crossAx val="2094734552"/>
-        <c:crosses val="autoZero"/>
-        <c:crossBetween val="between"/>
-        <c:majorUnit val="0.25"/>
-        <c:minorUnit val="0.125"/>
-      </c:valAx>
-      <c:spPr>
-        <a:noFill/>
-        <a:ln w="12700" cap="flat">
-          <a:noFill/>
-          <a:miter lim="400000"/>
-        </a:ln>
-        <a:effectLst/>
-      </c:spPr>
-    </c:plotArea>
-    <c:legend>
-      <c:legendPos val="b"/>
-      <c:layout>
-        <c:manualLayout>
-          <c:xMode val="edge"/>
-          <c:yMode val="edge"/>
-          <c:x val="0.0658366"/>
-          <c:y val="0.949731"/>
-          <c:w val="0.934163"/>
-          <c:h val="0.050269"/>
-        </c:manualLayout>
-      </c:layout>
-      <c:overlay val="1"/>
-      <c:spPr>
-        <a:noFill/>
-        <a:ln w="12700" cap="flat">
-          <a:noFill/>
-          <a:miter lim="400000"/>
-        </a:ln>
-        <a:effectLst/>
-      </c:spPr>
-      <c:txPr>
-        <a:bodyPr rot="0"/>
-        <a:lstStyle/>
-        <a:p>
-          <a:pPr>
-            <a:defRPr b="0" i="0" strike="noStrike" sz="1600" u="none">
-              <a:solidFill>
-                <a:srgbClr val="595959"/>
-              </a:solidFill>
-              <a:latin typeface="Calibri"/>
-            </a:defRPr>
-          </a:pPr>
-        </a:p>
-      </c:txPr>
-    </c:legend>
-    <c:plotVisOnly val="1"/>
-    <c:dispBlanksAs val="gap"/>
-  </c:chart>
-  <c:spPr>
-    <a:solidFill>
-      <a:srgbClr val="FFFFFF"/>
-    </a:solidFill>
-    <a:ln w="12700" cap="flat">
-      <a:solidFill>
-        <a:srgbClr val="D9D9D9"/>
-      </a:solidFill>
-      <a:prstDash val="solid"/>
-      <a:round/>
-    </a:ln>
-    <a:effectLst/>
-  </c:spPr>
-  <c:externalData r:id="rId1">
-    <c:autoUpdate val="0"/>
-  </c:externalData>
-</c:chartSpace>
-</file>
-
-<file path=ppt/charts/chart3.xml><?xml version="1.0" encoding="utf-8"?>
-<c:chartSpace xmlns:c="http://schemas.openxmlformats.org/drawingml/2006/chart" xmlns:a="http://schemas.openxmlformats.org/drawingml/2006/main" xmlns:r="http://schemas.openxmlformats.org/officeDocument/2006/relationships">
-  <c:date1904 val="1"/>
-  <c:roundedCorners val="0"/>
-  <c:chart>
-    <c:autoTitleDeleted val="1"/>
-    <c:plotArea>
-      <c:layout>
-        <c:manualLayout>
-          <c:layoutTarget val="inner"/>
-          <c:xMode val="edge"/>
-          <c:yMode val="edge"/>
-          <c:x val="0.0530838"/>
-          <c:y val="0.0379284"/>
-          <c:w val="0.935484"/>
-          <c:h val="0.864532"/>
-        </c:manualLayout>
-      </c:layout>
-      <c:lineChart>
-        <c:grouping val="standard"/>
-        <c:varyColors val="0"/>
-        <c:ser>
-          <c:idx val="0"/>
-          <c:order val="0"/>
-          <c:tx>
-            <c:strRef>
-              <c:f>Sheet1!$B$1</c:f>
-              <c:strCache>
-                <c:ptCount val="1"/>
-                <c:pt idx="0">
-                  <c:v>Cora 20%</c:v>
-                </c:pt>
-              </c:strCache>
-            </c:strRef>
-          </c:tx>
-          <c:spPr>
-            <a:solidFill>
-              <a:srgbClr val="4472C4"/>
-            </a:solidFill>
-            <a:ln w="28575" cap="rnd">
-              <a:solidFill>
-                <a:srgbClr val="4472C4"/>
-              </a:solidFill>
-              <a:prstDash val="solid"/>
-              <a:round/>
-            </a:ln>
-            <a:effectLst/>
-          </c:spPr>
-          <c:marker>
-            <c:symbol val="circle"/>
-            <c:size val="4"/>
-            <c:spPr>
-              <a:solidFill>
-                <a:srgbClr val="4472C4"/>
-              </a:solidFill>
-              <a:ln w="9525" cap="flat">
-                <a:solidFill>
-                  <a:srgbClr val="4472C4"/>
-                </a:solidFill>
-                <a:prstDash val="solid"/>
-                <a:miter lim="800000"/>
-              </a:ln>
-              <a:effectLst/>
-            </c:spPr>
-          </c:marker>
-          <c:dLbls>
-            <c:numFmt formatCode="General" sourceLinked="0"/>
-            <c:txPr>
-              <a:bodyPr/>
-              <a:lstStyle/>
-              <a:p>
-                <a:pPr>
-                  <a:defRPr b="0" i="0" strike="noStrike" sz="1000" u="none">
-                    <a:solidFill>
-                      <a:srgbClr val="000000"/>
-                    </a:solidFill>
-                    <a:latin typeface="Calibri"/>
-                  </a:defRPr>
-                </a:pPr>
-              </a:p>
-            </c:txPr>
-            <c:dLblPos val="t"/>
-            <c:showLegendKey val="0"/>
-            <c:showVal val="0"/>
-            <c:showCatName val="0"/>
-            <c:showSerName val="0"/>
-            <c:showPercent val="0"/>
-            <c:showBubbleSize val="0"/>
-            <c:showLeaderLines val="0"/>
-          </c:dLbls>
-          <c:cat>
-            <c:strRef>
-              <c:f>Sheet1!$A$2:$A$4</c:f>
-              <c:strCache>
-                <c:ptCount val="3"/>
-                <c:pt idx="0">
-                  <c:v>1% attr</c:v>
-                </c:pt>
-                <c:pt idx="1">
-                  <c:v>2% attr</c:v>
-                </c:pt>
-                <c:pt idx="2">
-                  <c:v>4% attr</c:v>
-                </c:pt>
-              </c:strCache>
-            </c:strRef>
-          </c:cat>
-          <c:val>
-            <c:numRef>
-              <c:f>Sheet1!$B$2:$B$4</c:f>
-              <c:numCache>
-                <c:ptCount val="2"/>
-                <c:pt idx="0">
-                  <c:v>0.949490</c:v>
-                </c:pt>
-                <c:pt idx="1">
-                  <c:v>1.000000</c:v>
-                </c:pt>
-              </c:numCache>
-            </c:numRef>
-          </c:val>
-          <c:smooth val="0"/>
-        </c:ser>
-        <c:ser>
-          <c:idx val="1"/>
-          <c:order val="1"/>
-          <c:tx>
-            <c:strRef>
-              <c:f>Sheet1!$C$1</c:f>
-              <c:strCache>
-                <c:ptCount val="1"/>
-                <c:pt idx="0">
-                  <c:v>Cora 10%</c:v>
-                </c:pt>
-              </c:strCache>
-            </c:strRef>
-          </c:tx>
-          <c:spPr>
-            <a:solidFill>
-              <a:srgbClr val="ED7D31"/>
-            </a:solidFill>
-            <a:ln w="28575" cap="rnd">
-              <a:solidFill>
-                <a:srgbClr val="ED7D31"/>
-              </a:solidFill>
-              <a:prstDash val="solid"/>
-              <a:round/>
-            </a:ln>
-            <a:effectLst/>
-          </c:spPr>
-          <c:marker>
-            <c:symbol val="circle"/>
-            <c:size val="4"/>
-            <c:spPr>
-              <a:solidFill>
-                <a:srgbClr val="ED7D31"/>
-              </a:solidFill>
-              <a:ln w="9525" cap="flat">
-                <a:solidFill>
-                  <a:srgbClr val="ED7D31"/>
-                </a:solidFill>
-                <a:prstDash val="solid"/>
-                <a:miter lim="800000"/>
-              </a:ln>
-              <a:effectLst/>
-            </c:spPr>
-          </c:marker>
-          <c:dLbls>
-            <c:numFmt formatCode="General" sourceLinked="0"/>
-            <c:txPr>
-              <a:bodyPr/>
-              <a:lstStyle/>
-              <a:p>
-                <a:pPr>
-                  <a:defRPr b="0" i="0" strike="noStrike" sz="1000" u="none">
-                    <a:solidFill>
-                      <a:srgbClr val="000000"/>
-                    </a:solidFill>
-                    <a:latin typeface="Calibri"/>
-                  </a:defRPr>
-                </a:pPr>
-              </a:p>
-            </c:txPr>
-            <c:dLblPos val="t"/>
-            <c:showLegendKey val="0"/>
-            <c:showVal val="0"/>
-            <c:showCatName val="0"/>
-            <c:showSerName val="0"/>
-            <c:showPercent val="0"/>
-            <c:showBubbleSize val="0"/>
-            <c:showLeaderLines val="0"/>
-          </c:dLbls>
-          <c:cat>
-            <c:strRef>
-              <c:f>Sheet1!$A$2:$A$4</c:f>
-              <c:strCache>
-                <c:ptCount val="3"/>
-                <c:pt idx="0">
-                  <c:v>1% attr</c:v>
-                </c:pt>
-                <c:pt idx="1">
-                  <c:v>2% attr</c:v>
-                </c:pt>
-                <c:pt idx="2">
-                  <c:v>4% attr</c:v>
-                </c:pt>
-              </c:strCache>
-            </c:strRef>
-          </c:cat>
-          <c:val>
-            <c:numRef>
-              <c:f>Sheet1!$C$2:$C$4</c:f>
-              <c:numCache>
-                <c:ptCount val="2"/>
-                <c:pt idx="0">
-                  <c:v>0.755100</c:v>
-                </c:pt>
-                <c:pt idx="1">
-                  <c:v>1.000000</c:v>
-                </c:pt>
-              </c:numCache>
-            </c:numRef>
-          </c:val>
-          <c:smooth val="0"/>
-        </c:ser>
-        <c:ser>
-          <c:idx val="2"/>
-          <c:order val="2"/>
-          <c:tx>
-            <c:strRef>
-              <c:f>Sheet1!$D$1</c:f>
-              <c:strCache>
-                <c:ptCount val="1"/>
-                <c:pt idx="0">
-                  <c:v>Cite. 20%</c:v>
-                </c:pt>
-              </c:strCache>
-            </c:strRef>
-          </c:tx>
-          <c:spPr>
-            <a:solidFill>
-              <a:srgbClr val="A5A5A5"/>
-            </a:solidFill>
-            <a:ln w="28575" cap="rnd">
-              <a:solidFill>
-                <a:srgbClr val="A5A5A5"/>
-              </a:solidFill>
-              <a:prstDash val="solid"/>
-              <a:round/>
-            </a:ln>
-            <a:effectLst/>
-          </c:spPr>
-          <c:marker>
-            <c:symbol val="circle"/>
-            <c:size val="4"/>
-            <c:spPr>
-              <a:solidFill>
-                <a:srgbClr val="A5A5A5"/>
-              </a:solidFill>
-              <a:ln w="9525" cap="flat">
-                <a:solidFill>
-                  <a:srgbClr val="A5A5A5"/>
-                </a:solidFill>
-                <a:prstDash val="solid"/>
-                <a:miter lim="800000"/>
-              </a:ln>
-              <a:effectLst/>
-            </c:spPr>
-          </c:marker>
-          <c:dLbls>
-            <c:numFmt formatCode="General" sourceLinked="0"/>
-            <c:txPr>
-              <a:bodyPr/>
-              <a:lstStyle/>
-              <a:p>
-                <a:pPr>
-                  <a:defRPr b="0" i="0" strike="noStrike" sz="1000" u="none">
-                    <a:solidFill>
-                      <a:srgbClr val="000000"/>
-                    </a:solidFill>
-                    <a:latin typeface="Calibri"/>
-                  </a:defRPr>
-                </a:pPr>
-              </a:p>
-            </c:txPr>
-            <c:dLblPos val="t"/>
-            <c:showLegendKey val="0"/>
-            <c:showVal val="0"/>
-            <c:showCatName val="0"/>
-            <c:showSerName val="0"/>
-            <c:showPercent val="0"/>
-            <c:showBubbleSize val="0"/>
-            <c:showLeaderLines val="0"/>
-          </c:dLbls>
-          <c:cat>
-            <c:strRef>
-              <c:f>Sheet1!$A$2:$A$4</c:f>
-              <c:strCache>
-                <c:ptCount val="3"/>
-                <c:pt idx="0">
-                  <c:v>1% attr</c:v>
-                </c:pt>
-                <c:pt idx="1">
-                  <c:v>2% attr</c:v>
-                </c:pt>
-                <c:pt idx="2">
-                  <c:v>4% attr</c:v>
-                </c:pt>
-              </c:strCache>
-            </c:strRef>
-          </c:cat>
-          <c:val>
-            <c:numRef>
-              <c:f>Sheet1!$D$2:$D$4</c:f>
-              <c:numCache>
-                <c:ptCount val="2"/>
-                <c:pt idx="0">
-                  <c:v>1.000000</c:v>
-                </c:pt>
-                <c:pt idx="1">
-                  <c:v>1.000000</c:v>
-                </c:pt>
-              </c:numCache>
-            </c:numRef>
-          </c:val>
-          <c:smooth val="0"/>
-        </c:ser>
-        <c:ser>
-          <c:idx val="3"/>
-          <c:order val="3"/>
-          <c:tx>
-            <c:strRef>
-              <c:f>Sheet1!$E$1</c:f>
-              <c:strCache>
-                <c:ptCount val="1"/>
-                <c:pt idx="0">
-                  <c:v>Cite.10%</c:v>
-                </c:pt>
-              </c:strCache>
-            </c:strRef>
-          </c:tx>
-          <c:spPr>
-            <a:solidFill>
-              <a:srgbClr val="FFC000"/>
-            </a:solidFill>
-            <a:ln w="28575" cap="rnd">
-              <a:solidFill>
-                <a:srgbClr val="FFC000"/>
-              </a:solidFill>
-              <a:prstDash val="solid"/>
-              <a:round/>
-            </a:ln>
-            <a:effectLst/>
-          </c:spPr>
-          <c:marker>
-            <c:symbol val="circle"/>
-            <c:size val="4"/>
-            <c:spPr>
-              <a:solidFill>
-                <a:srgbClr val="FFC000"/>
-              </a:solidFill>
-              <a:ln w="9525" cap="flat">
-                <a:solidFill>
-                  <a:srgbClr val="FFC000"/>
-                </a:solidFill>
-                <a:prstDash val="solid"/>
-                <a:miter lim="800000"/>
-              </a:ln>
-              <a:effectLst/>
-            </c:spPr>
-          </c:marker>
-          <c:dLbls>
-            <c:numFmt formatCode="General" sourceLinked="0"/>
-            <c:txPr>
-              <a:bodyPr/>
-              <a:lstStyle/>
-              <a:p>
-                <a:pPr>
-                  <a:defRPr b="0" i="0" strike="noStrike" sz="1000" u="none">
-                    <a:solidFill>
-                      <a:srgbClr val="000000"/>
-                    </a:solidFill>
-                    <a:latin typeface="Calibri"/>
-                  </a:defRPr>
-                </a:pPr>
-              </a:p>
-            </c:txPr>
-            <c:dLblPos val="t"/>
-            <c:showLegendKey val="0"/>
-            <c:showVal val="0"/>
-            <c:showCatName val="0"/>
-            <c:showSerName val="0"/>
-            <c:showPercent val="0"/>
-            <c:showBubbleSize val="0"/>
-            <c:showLeaderLines val="0"/>
-          </c:dLbls>
-          <c:cat>
-            <c:strRef>
-              <c:f>Sheet1!$A$2:$A$4</c:f>
-              <c:strCache>
-                <c:ptCount val="3"/>
-                <c:pt idx="0">
-                  <c:v>1% attr</c:v>
-                </c:pt>
-                <c:pt idx="1">
-                  <c:v>2% attr</c:v>
-                </c:pt>
-                <c:pt idx="2">
-                  <c:v>4% attr</c:v>
-                </c:pt>
-              </c:strCache>
-            </c:strRef>
-          </c:cat>
-          <c:val>
-            <c:numRef>
-              <c:f>Sheet1!$E$2:$E$4</c:f>
-              <c:numCache>
-                <c:ptCount val="2"/>
-                <c:pt idx="0">
-                  <c:v>1.000000</c:v>
-                </c:pt>
-                <c:pt idx="1">
-                  <c:v>1.000000</c:v>
-                </c:pt>
-              </c:numCache>
-            </c:numRef>
-          </c:val>
-          <c:smooth val="0"/>
-        </c:ser>
-        <c:ser>
-          <c:idx val="4"/>
-          <c:order val="4"/>
-          <c:tx>
-            <c:strRef>
-              <c:f>Sheet1!$F$1</c:f>
-              <c:strCache>
-                <c:ptCount val="1"/>
-                <c:pt idx="0">
-                  <c:v>Toy 20%</c:v>
-                </c:pt>
-              </c:strCache>
-            </c:strRef>
-          </c:tx>
-          <c:spPr>
-            <a:solidFill>
-              <a:srgbClr val="5B9BD5"/>
-            </a:solidFill>
-            <a:ln w="28575" cap="rnd">
-              <a:solidFill>
-                <a:srgbClr val="5B9BD5"/>
-              </a:solidFill>
-              <a:prstDash val="solid"/>
-              <a:round/>
-            </a:ln>
-            <a:effectLst/>
-          </c:spPr>
-          <c:marker>
-            <c:symbol val="circle"/>
-            <c:size val="4"/>
-            <c:spPr>
-              <a:solidFill>
-                <a:srgbClr val="5B9BD5"/>
-              </a:solidFill>
-              <a:ln w="9525" cap="flat">
-                <a:solidFill>
-                  <a:srgbClr val="5B9BD5"/>
-                </a:solidFill>
-                <a:prstDash val="solid"/>
-                <a:miter lim="800000"/>
-              </a:ln>
-              <a:effectLst/>
-            </c:spPr>
-          </c:marker>
-          <c:dLbls>
-            <c:numFmt formatCode="General" sourceLinked="0"/>
-            <c:txPr>
-              <a:bodyPr/>
-              <a:lstStyle/>
-              <a:p>
-                <a:pPr>
-                  <a:defRPr b="0" i="0" strike="noStrike" sz="1000" u="none">
-                    <a:solidFill>
-                      <a:srgbClr val="000000"/>
-                    </a:solidFill>
-                    <a:latin typeface="Calibri"/>
-                  </a:defRPr>
-                </a:pPr>
-              </a:p>
-            </c:txPr>
-            <c:dLblPos val="t"/>
-            <c:showLegendKey val="0"/>
-            <c:showVal val="0"/>
-            <c:showCatName val="0"/>
-            <c:showSerName val="0"/>
-            <c:showPercent val="0"/>
-            <c:showBubbleSize val="0"/>
-            <c:showLeaderLines val="0"/>
-          </c:dLbls>
-          <c:cat>
-            <c:strRef>
-              <c:f>Sheet1!$A$2:$A$4</c:f>
-              <c:strCache>
-                <c:ptCount val="3"/>
-                <c:pt idx="0">
-                  <c:v>1% attr</c:v>
-                </c:pt>
-                <c:pt idx="1">
-                  <c:v>2% attr</c:v>
-                </c:pt>
-                <c:pt idx="2">
-                  <c:v>4% attr</c:v>
-                </c:pt>
-              </c:strCache>
-            </c:strRef>
-          </c:cat>
-          <c:val>
-            <c:numRef>
-              <c:f>Sheet1!$F$2:$F$4</c:f>
-              <c:numCache>
-                <c:ptCount val="2"/>
-                <c:pt idx="1">
-                  <c:v>0.330000</c:v>
-                </c:pt>
-                <c:pt idx="2">
-                  <c:v>0.780000</c:v>
-                </c:pt>
-              </c:numCache>
-            </c:numRef>
-          </c:val>
-          <c:smooth val="0"/>
-        </c:ser>
-        <c:ser>
-          <c:idx val="5"/>
-          <c:order val="5"/>
-          <c:tx>
-            <c:strRef>
-              <c:f>Sheet1!$G$1</c:f>
-              <c:strCache>
-                <c:ptCount val="1"/>
-                <c:pt idx="0">
-                  <c:v>Toy 10%</c:v>
-                </c:pt>
-              </c:strCache>
-            </c:strRef>
-          </c:tx>
-          <c:spPr>
-            <a:solidFill>
-              <a:srgbClr val="70AD47"/>
-            </a:solidFill>
-            <a:ln w="28575" cap="rnd">
-              <a:solidFill>
-                <a:srgbClr val="70AD47"/>
-              </a:solidFill>
-              <a:prstDash val="solid"/>
-              <a:round/>
-            </a:ln>
-            <a:effectLst/>
-          </c:spPr>
-          <c:marker>
-            <c:symbol val="circle"/>
-            <c:size val="4"/>
-            <c:spPr>
-              <a:solidFill>
-                <a:srgbClr val="70AD47"/>
-              </a:solidFill>
-              <a:ln w="9525" cap="flat">
-                <a:solidFill>
-                  <a:srgbClr val="70AD47"/>
-                </a:solidFill>
-                <a:prstDash val="solid"/>
-                <a:miter lim="800000"/>
-              </a:ln>
-              <a:effectLst/>
-            </c:spPr>
-          </c:marker>
-          <c:dLbls>
-            <c:numFmt formatCode="General" sourceLinked="0"/>
-            <c:txPr>
-              <a:bodyPr/>
-              <a:lstStyle/>
-              <a:p>
-                <a:pPr>
-                  <a:defRPr b="0" i="0" strike="noStrike" sz="1000" u="none">
-                    <a:solidFill>
-                      <a:srgbClr val="000000"/>
-                    </a:solidFill>
-                    <a:latin typeface="Calibri"/>
-                  </a:defRPr>
-                </a:pPr>
-              </a:p>
-            </c:txPr>
-            <c:dLblPos val="t"/>
-            <c:showLegendKey val="0"/>
-            <c:showVal val="0"/>
-            <c:showCatName val="0"/>
-            <c:showSerName val="0"/>
-            <c:showPercent val="0"/>
-            <c:showBubbleSize val="0"/>
-            <c:showLeaderLines val="0"/>
-          </c:dLbls>
-          <c:cat>
-            <c:strRef>
-              <c:f>Sheet1!$A$2:$A$4</c:f>
-              <c:strCache>
-                <c:ptCount val="3"/>
-                <c:pt idx="0">
-                  <c:v>1% attr</c:v>
-                </c:pt>
-                <c:pt idx="1">
-                  <c:v>2% attr</c:v>
-                </c:pt>
-                <c:pt idx="2">
-                  <c:v>4% attr</c:v>
-                </c:pt>
-              </c:strCache>
-            </c:strRef>
-          </c:cat>
-          <c:val>
-            <c:numRef>
-              <c:f>Sheet1!$G$2:$G$4</c:f>
-              <c:numCache>
-                <c:ptCount val="2"/>
-                <c:pt idx="1">
-                  <c:v>0.400000</c:v>
-                </c:pt>
-                <c:pt idx="2">
-                  <c:v>0.720000</c:v>
-                </c:pt>
-              </c:numCache>
-            </c:numRef>
-          </c:val>
-          <c:smooth val="0"/>
-        </c:ser>
-        <c:marker val="1"/>
-        <c:axId val="2094734552"/>
-        <c:axId val="2094734553"/>
-      </c:lineChart>
-      <c:catAx>
-        <c:axId val="2094734552"/>
-        <c:scaling>
-          <c:orientation val="minMax"/>
-        </c:scaling>
-        <c:delete val="0"/>
-        <c:axPos val="b"/>
-        <c:numFmt formatCode="General" sourceLinked="0"/>
-        <c:majorTickMark val="none"/>
-        <c:minorTickMark val="none"/>
-        <c:tickLblPos val="low"/>
-        <c:spPr>
-          <a:ln w="12700" cap="flat">
-            <a:solidFill>
-              <a:srgbClr val="D9D9D9"/>
-            </a:solidFill>
-            <a:prstDash val="solid"/>
-            <a:round/>
-          </a:ln>
-        </c:spPr>
-        <c:txPr>
-          <a:bodyPr rot="0"/>
-          <a:lstStyle/>
-          <a:p>
-            <a:pPr>
-              <a:defRPr b="0" i="0" strike="noStrike" sz="1600" u="none">
-                <a:solidFill>
-                  <a:srgbClr val="595959"/>
-                </a:solidFill>
-                <a:latin typeface="Calibri"/>
-              </a:defRPr>
-            </a:pPr>
-          </a:p>
-        </c:txPr>
-        <c:crossAx val="2094734553"/>
-        <c:crosses val="autoZero"/>
-        <c:auto val="1"/>
-        <c:lblAlgn val="ctr"/>
-        <c:noMultiLvlLbl val="1"/>
-      </c:catAx>
-      <c:valAx>
-        <c:axId val="2094734553"/>
-        <c:scaling>
-          <c:orientation val="minMax"/>
-        </c:scaling>
-        <c:delete val="0"/>
-        <c:axPos val="l"/>
-        <c:majorGridlines>
-          <c:spPr>
-            <a:ln w="12700" cap="flat">
-              <a:solidFill>
-                <a:srgbClr val="D9D9D9"/>
-              </a:solidFill>
-              <a:prstDash val="solid"/>
-              <a:round/>
-            </a:ln>
-          </c:spPr>
-        </c:majorGridlines>
-        <c:numFmt formatCode="General" sourceLinked="0"/>
-        <c:majorTickMark val="none"/>
-        <c:minorTickMark val="none"/>
-        <c:tickLblPos val="nextTo"/>
-        <c:spPr>
-          <a:ln w="12700" cap="flat">
-            <a:noFill/>
-            <a:prstDash val="solid"/>
-            <a:round/>
-          </a:ln>
-        </c:spPr>
-        <c:txPr>
-          <a:bodyPr rot="0"/>
-          <a:lstStyle/>
-          <a:p>
-            <a:pPr>
-              <a:defRPr b="0" i="0" strike="noStrike" sz="1600" u="none">
-                <a:solidFill>
-                  <a:srgbClr val="595959"/>
-                </a:solidFill>
-                <a:latin typeface="Calibri"/>
-              </a:defRPr>
-            </a:pPr>
-          </a:p>
-        </c:txPr>
-        <c:crossAx val="2094734552"/>
-        <c:crosses val="autoZero"/>
-        <c:crossBetween val="between"/>
-        <c:majorUnit val="0.25"/>
-        <c:minorUnit val="0.125"/>
-      </c:valAx>
-      <c:spPr>
-        <a:noFill/>
-        <a:ln w="12700" cap="flat">
-          <a:noFill/>
-          <a:miter lim="400000"/>
-        </a:ln>
-        <a:effectLst/>
-      </c:spPr>
-    </c:plotArea>
-    <c:legend>
-      <c:legendPos val="b"/>
-      <c:layout>
-        <c:manualLayout>
-          <c:xMode val="edge"/>
-          <c:yMode val="edge"/>
-          <c:x val="0.0599731"/>
-          <c:y val="0.949572"/>
-          <c:w val="0.940027"/>
-          <c:h val="0.0504284"/>
-        </c:manualLayout>
-      </c:layout>
-      <c:overlay val="1"/>
-      <c:spPr>
-        <a:noFill/>
-        <a:ln w="12700" cap="flat">
-          <a:noFill/>
-          <a:miter lim="400000"/>
-        </a:ln>
-        <a:effectLst/>
-      </c:spPr>
-      <c:txPr>
-        <a:bodyPr rot="0"/>
-        <a:lstStyle/>
-        <a:p>
-          <a:pPr>
-            <a:defRPr b="0" i="0" strike="noStrike" sz="1600" u="none">
-              <a:solidFill>
-                <a:srgbClr val="595959"/>
-              </a:solidFill>
-              <a:latin typeface="Calibri"/>
-            </a:defRPr>
-          </a:pPr>
-        </a:p>
-      </c:txPr>
-    </c:legend>
-    <c:plotVisOnly val="1"/>
-    <c:dispBlanksAs val="gap"/>
-  </c:chart>
-  <c:spPr>
-    <a:solidFill>
-      <a:srgbClr val="FFFFFF"/>
-    </a:solidFill>
-    <a:ln w="12700" cap="flat">
-      <a:solidFill>
-        <a:srgbClr val="D9D9D9"/>
-      </a:solidFill>
-      <a:prstDash val="solid"/>
-      <a:round/>
-    </a:ln>
-    <a:effectLst/>
-  </c:spPr>
-  <c:externalData r:id="rId1">
-    <c:autoUpdate val="0"/>
-  </c:externalData>
-</c:chartSpace>
-</file>
-
-<file path=ppt/charts/chart4.xml><?xml version="1.0" encoding="utf-8"?>
-<c:chartSpace xmlns:c="http://schemas.openxmlformats.org/drawingml/2006/chart" xmlns:a="http://schemas.openxmlformats.org/drawingml/2006/main" xmlns:r="http://schemas.openxmlformats.org/officeDocument/2006/relationships">
-  <c:date1904 val="1"/>
-  <c:roundedCorners val="0"/>
-  <c:chart>
-    <c:autoTitleDeleted val="1"/>
-    <c:plotArea>
-      <c:layout>
-        <c:manualLayout>
-          <c:layoutTarget val="inner"/>
-          <c:xMode val="edge"/>
-          <c:yMode val="edge"/>
-          <c:x val="0.0531211"/>
-          <c:y val="0.0377646"/>
-          <c:w val="0.93228"/>
-          <c:h val="0.865063"/>
-        </c:manualLayout>
-      </c:layout>
-      <c:lineChart>
-        <c:grouping val="standard"/>
-        <c:varyColors val="0"/>
-        <c:ser>
-          <c:idx val="0"/>
-          <c:order val="0"/>
-          <c:tx>
-            <c:strRef>
-              <c:f>Sheet1!$B$1</c:f>
-              <c:strCache>
-                <c:ptCount val="1"/>
-                <c:pt idx="0">
-                  <c:v>Cora 1%</c:v>
-                </c:pt>
-              </c:strCache>
-            </c:strRef>
-          </c:tx>
-          <c:spPr>
-            <a:solidFill>
-              <a:srgbClr val="4472C4"/>
-            </a:solidFill>
-            <a:ln w="28575" cap="rnd">
-              <a:solidFill>
-                <a:srgbClr val="4472C4"/>
-              </a:solidFill>
-              <a:prstDash val="solid"/>
-              <a:round/>
-            </a:ln>
-            <a:effectLst/>
-          </c:spPr>
-          <c:marker>
-            <c:symbol val="circle"/>
-            <c:size val="4"/>
-            <c:spPr>
-              <a:solidFill>
-                <a:srgbClr val="4472C4"/>
-              </a:solidFill>
-              <a:ln w="9525" cap="flat">
-                <a:solidFill>
-                  <a:srgbClr val="4472C4"/>
-                </a:solidFill>
-                <a:prstDash val="solid"/>
-                <a:miter lim="800000"/>
-              </a:ln>
-              <a:effectLst/>
-            </c:spPr>
-          </c:marker>
-          <c:dLbls>
-            <c:numFmt formatCode="General" sourceLinked="0"/>
-            <c:txPr>
-              <a:bodyPr/>
-              <a:lstStyle/>
-              <a:p>
-                <a:pPr>
-                  <a:defRPr b="0" i="0" strike="noStrike" sz="1000" u="none">
-                    <a:solidFill>
-                      <a:srgbClr val="000000"/>
-                    </a:solidFill>
-                    <a:latin typeface="Calibri"/>
-                  </a:defRPr>
-                </a:pPr>
-              </a:p>
-            </c:txPr>
-            <c:dLblPos val="t"/>
-            <c:showLegendKey val="0"/>
-            <c:showVal val="0"/>
-            <c:showCatName val="0"/>
-            <c:showSerName val="0"/>
-            <c:showPercent val="0"/>
-            <c:showBubbleSize val="0"/>
-            <c:showLeaderLines val="0"/>
-          </c:dLbls>
-          <c:cat>
-            <c:strRef>
-              <c:f>Sheet1!$A$2:$A$3</c:f>
-              <c:strCache>
-                <c:ptCount val="2"/>
-                <c:pt idx="0">
-                  <c:v>10% node</c:v>
-                </c:pt>
-                <c:pt idx="1">
-                  <c:v>20% node</c:v>
-                </c:pt>
-              </c:strCache>
-            </c:strRef>
-          </c:cat>
-          <c:val>
-            <c:numRef>
-              <c:f>Sheet1!$B$2:$B$3</c:f>
-              <c:numCache>
-                <c:ptCount val="2"/>
-                <c:pt idx="0">
-                  <c:v>0.462500</c:v>
-                </c:pt>
-                <c:pt idx="1">
-                  <c:v>0.643840</c:v>
-                </c:pt>
-              </c:numCache>
-            </c:numRef>
-          </c:val>
-          <c:smooth val="0"/>
-        </c:ser>
-        <c:ser>
-          <c:idx val="1"/>
-          <c:order val="1"/>
-          <c:tx>
-            <c:strRef>
-              <c:f>Sheet1!$C$1</c:f>
-              <c:strCache>
-                <c:ptCount val="1"/>
-                <c:pt idx="0">
-                  <c:v>Cora 2%</c:v>
-                </c:pt>
-              </c:strCache>
-            </c:strRef>
-          </c:tx>
-          <c:spPr>
-            <a:solidFill>
-              <a:srgbClr val="ED7D31"/>
-            </a:solidFill>
-            <a:ln w="28575" cap="rnd">
-              <a:solidFill>
-                <a:srgbClr val="ED7D31"/>
-              </a:solidFill>
-              <a:prstDash val="solid"/>
-              <a:round/>
-            </a:ln>
-            <a:effectLst/>
-          </c:spPr>
-          <c:marker>
-            <c:symbol val="circle"/>
-            <c:size val="4"/>
-            <c:spPr>
-              <a:solidFill>
-                <a:srgbClr val="ED7D31"/>
-              </a:solidFill>
-              <a:ln w="9525" cap="flat">
-                <a:solidFill>
-                  <a:srgbClr val="ED7D31"/>
-                </a:solidFill>
-                <a:prstDash val="solid"/>
-                <a:miter lim="800000"/>
-              </a:ln>
-              <a:effectLst/>
-            </c:spPr>
-          </c:marker>
-          <c:dLbls>
-            <c:numFmt formatCode="General" sourceLinked="0"/>
-            <c:txPr>
-              <a:bodyPr/>
-              <a:lstStyle/>
-              <a:p>
-                <a:pPr>
-                  <a:defRPr b="0" i="0" strike="noStrike" sz="1000" u="none">
-                    <a:solidFill>
-                      <a:srgbClr val="000000"/>
-                    </a:solidFill>
-                    <a:latin typeface="Calibri"/>
-                  </a:defRPr>
-                </a:pPr>
-              </a:p>
-            </c:txPr>
-            <c:dLblPos val="t"/>
-            <c:showLegendKey val="0"/>
-            <c:showVal val="0"/>
-            <c:showCatName val="0"/>
-            <c:showSerName val="0"/>
-            <c:showPercent val="0"/>
-            <c:showBubbleSize val="0"/>
-            <c:showLeaderLines val="0"/>
-          </c:dLbls>
-          <c:cat>
-            <c:strRef>
-              <c:f>Sheet1!$A$2:$A$3</c:f>
-              <c:strCache>
-                <c:ptCount val="2"/>
-                <c:pt idx="0">
-                  <c:v>10% node</c:v>
-                </c:pt>
-                <c:pt idx="1">
-                  <c:v>20% node</c:v>
-                </c:pt>
-              </c:strCache>
-            </c:strRef>
-          </c:cat>
-          <c:val>
-            <c:numRef>
-              <c:f>Sheet1!$C$2:$C$3</c:f>
-              <c:numCache>
-                <c:ptCount val="2"/>
-                <c:pt idx="0">
-                  <c:v>0.731340</c:v>
-                </c:pt>
-                <c:pt idx="1">
-                  <c:v>0.961170</c:v>
-                </c:pt>
-              </c:numCache>
-            </c:numRef>
-          </c:val>
-          <c:smooth val="0"/>
-        </c:ser>
-        <c:ser>
-          <c:idx val="2"/>
-          <c:order val="2"/>
-          <c:tx>
-            <c:strRef>
-              <c:f>Sheet1!$D$1</c:f>
-              <c:strCache>
-                <c:ptCount val="1"/>
-                <c:pt idx="0">
-                  <c:v>Cite. 1%</c:v>
-                </c:pt>
-              </c:strCache>
-            </c:strRef>
-          </c:tx>
-          <c:spPr>
-            <a:solidFill>
-              <a:srgbClr val="A5A5A5"/>
-            </a:solidFill>
-            <a:ln w="28575" cap="rnd">
-              <a:solidFill>
-                <a:srgbClr val="A5A5A5"/>
-              </a:solidFill>
-              <a:prstDash val="solid"/>
-              <a:round/>
-            </a:ln>
-            <a:effectLst/>
-          </c:spPr>
-          <c:marker>
-            <c:symbol val="circle"/>
-            <c:size val="4"/>
-            <c:spPr>
-              <a:solidFill>
-                <a:srgbClr val="A5A5A5"/>
-              </a:solidFill>
-              <a:ln w="9525" cap="flat">
-                <a:solidFill>
-                  <a:srgbClr val="A5A5A5"/>
-                </a:solidFill>
-                <a:prstDash val="solid"/>
-                <a:miter lim="800000"/>
-              </a:ln>
-              <a:effectLst/>
-            </c:spPr>
-          </c:marker>
-          <c:dLbls>
-            <c:numFmt formatCode="General" sourceLinked="0"/>
-            <c:txPr>
-              <a:bodyPr/>
-              <a:lstStyle/>
-              <a:p>
-                <a:pPr>
-                  <a:defRPr b="0" i="0" strike="noStrike" sz="1000" u="none">
-                    <a:solidFill>
-                      <a:srgbClr val="000000"/>
-                    </a:solidFill>
-                    <a:latin typeface="Calibri"/>
-                  </a:defRPr>
-                </a:pPr>
-              </a:p>
-            </c:txPr>
-            <c:dLblPos val="t"/>
-            <c:showLegendKey val="0"/>
-            <c:showVal val="0"/>
-            <c:showCatName val="0"/>
-            <c:showSerName val="0"/>
-            <c:showPercent val="0"/>
-            <c:showBubbleSize val="0"/>
-            <c:showLeaderLines val="0"/>
-          </c:dLbls>
-          <c:cat>
-            <c:strRef>
-              <c:f>Sheet1!$A$2:$A$3</c:f>
-              <c:strCache>
-                <c:ptCount val="2"/>
-                <c:pt idx="0">
-                  <c:v>10% node</c:v>
-                </c:pt>
-                <c:pt idx="1">
-                  <c:v>20% node</c:v>
-                </c:pt>
-              </c:strCache>
-            </c:strRef>
-          </c:cat>
-          <c:val>
-            <c:numRef>
-              <c:f>Sheet1!$D$2:$D$3</c:f>
-              <c:numCache>
-                <c:ptCount val="2"/>
-                <c:pt idx="0">
-                  <c:v>0.490000</c:v>
-                </c:pt>
-                <c:pt idx="1">
-                  <c:v>0.779530</c:v>
-                </c:pt>
-              </c:numCache>
-            </c:numRef>
-          </c:val>
-          <c:smooth val="0"/>
-        </c:ser>
-        <c:ser>
-          <c:idx val="3"/>
-          <c:order val="3"/>
-          <c:tx>
-            <c:strRef>
-              <c:f>Sheet1!$E$1</c:f>
-              <c:strCache>
-                <c:ptCount val="1"/>
-                <c:pt idx="0">
-                  <c:v>Cite. 2%</c:v>
-                </c:pt>
-              </c:strCache>
-            </c:strRef>
-          </c:tx>
-          <c:spPr>
-            <a:solidFill>
-              <a:srgbClr val="FFC000"/>
-            </a:solidFill>
-            <a:ln w="28575" cap="rnd">
-              <a:solidFill>
-                <a:srgbClr val="FFC000"/>
-              </a:solidFill>
-              <a:prstDash val="solid"/>
-              <a:round/>
-            </a:ln>
-            <a:effectLst/>
-          </c:spPr>
-          <c:marker>
-            <c:symbol val="circle"/>
-            <c:size val="4"/>
-            <c:spPr>
-              <a:solidFill>
-                <a:srgbClr val="FFC000"/>
-              </a:solidFill>
-              <a:ln w="9525" cap="flat">
-                <a:solidFill>
-                  <a:srgbClr val="FFC000"/>
-                </a:solidFill>
-                <a:prstDash val="solid"/>
-                <a:miter lim="800000"/>
-              </a:ln>
-              <a:effectLst/>
-            </c:spPr>
-          </c:marker>
-          <c:dLbls>
-            <c:numFmt formatCode="General" sourceLinked="0"/>
-            <c:txPr>
-              <a:bodyPr/>
-              <a:lstStyle/>
-              <a:p>
-                <a:pPr>
-                  <a:defRPr b="0" i="0" strike="noStrike" sz="1000" u="none">
-                    <a:solidFill>
-                      <a:srgbClr val="000000"/>
-                    </a:solidFill>
-                    <a:latin typeface="Calibri"/>
-                  </a:defRPr>
-                </a:pPr>
-              </a:p>
-            </c:txPr>
-            <c:dLblPos val="t"/>
-            <c:showLegendKey val="0"/>
-            <c:showVal val="0"/>
-            <c:showCatName val="0"/>
-            <c:showSerName val="0"/>
-            <c:showPercent val="0"/>
-            <c:showBubbleSize val="0"/>
-            <c:showLeaderLines val="0"/>
-          </c:dLbls>
-          <c:cat>
-            <c:strRef>
-              <c:f>Sheet1!$A$2:$A$3</c:f>
-              <c:strCache>
-                <c:ptCount val="2"/>
-                <c:pt idx="0">
-                  <c:v>10% node</c:v>
-                </c:pt>
-                <c:pt idx="1">
-                  <c:v>20% node</c:v>
-                </c:pt>
-              </c:strCache>
-            </c:strRef>
-          </c:cat>
-          <c:val>
-            <c:numRef>
-              <c:f>Sheet1!$E$2:$E$3</c:f>
-              <c:numCache>
-                <c:ptCount val="2"/>
-                <c:pt idx="0">
-                  <c:v>0.830510</c:v>
-                </c:pt>
-                <c:pt idx="1">
-                  <c:v>0.980200</c:v>
-                </c:pt>
-              </c:numCache>
-            </c:numRef>
-          </c:val>
-          <c:smooth val="0"/>
-        </c:ser>
-        <c:ser>
-          <c:idx val="4"/>
-          <c:order val="4"/>
-          <c:tx>
-            <c:strRef>
-              <c:f>Sheet1!$F$1</c:f>
-              <c:strCache>
-                <c:ptCount val="1"/>
-                <c:pt idx="0">
-                  <c:v>Toy 2%</c:v>
-                </c:pt>
-              </c:strCache>
-            </c:strRef>
-          </c:tx>
-          <c:spPr>
-            <a:solidFill>
-              <a:srgbClr val="5B9BD5"/>
-            </a:solidFill>
-            <a:ln w="28575" cap="rnd">
-              <a:solidFill>
-                <a:srgbClr val="5B9BD5"/>
-              </a:solidFill>
-              <a:prstDash val="solid"/>
-              <a:round/>
-            </a:ln>
-            <a:effectLst/>
-          </c:spPr>
-          <c:marker>
-            <c:symbol val="circle"/>
-            <c:size val="4"/>
-            <c:spPr>
-              <a:solidFill>
-                <a:srgbClr val="5B9BD5"/>
-              </a:solidFill>
-              <a:ln w="9525" cap="flat">
-                <a:solidFill>
-                  <a:srgbClr val="5B9BD5"/>
-                </a:solidFill>
-                <a:prstDash val="solid"/>
-                <a:miter lim="800000"/>
-              </a:ln>
-              <a:effectLst/>
-            </c:spPr>
-          </c:marker>
-          <c:dLbls>
-            <c:numFmt formatCode="General" sourceLinked="0"/>
-            <c:txPr>
-              <a:bodyPr/>
-              <a:lstStyle/>
-              <a:p>
-                <a:pPr>
-                  <a:defRPr b="0" i="0" strike="noStrike" sz="1000" u="none">
-                    <a:solidFill>
-                      <a:srgbClr val="000000"/>
-                    </a:solidFill>
-                    <a:latin typeface="Calibri"/>
-                  </a:defRPr>
-                </a:pPr>
-              </a:p>
-            </c:txPr>
-            <c:dLblPos val="t"/>
-            <c:showLegendKey val="0"/>
-            <c:showVal val="0"/>
-            <c:showCatName val="0"/>
-            <c:showSerName val="0"/>
-            <c:showPercent val="0"/>
-            <c:showBubbleSize val="0"/>
-            <c:showLeaderLines val="0"/>
-          </c:dLbls>
-          <c:cat>
-            <c:strRef>
-              <c:f>Sheet1!$A$2:$A$3</c:f>
-              <c:strCache>
-                <c:ptCount val="2"/>
-                <c:pt idx="0">
-                  <c:v>10% node</c:v>
-                </c:pt>
-                <c:pt idx="1">
-                  <c:v>20% node</c:v>
-                </c:pt>
-              </c:strCache>
-            </c:strRef>
-          </c:cat>
-          <c:val>
-            <c:numRef>
-              <c:f>Sheet1!$F$2:$F$3</c:f>
-              <c:numCache>
-                <c:ptCount val="2"/>
-                <c:pt idx="0">
-                  <c:v>0.909090</c:v>
-                </c:pt>
-                <c:pt idx="1">
-                  <c:v>0.702130</c:v>
-                </c:pt>
-              </c:numCache>
-            </c:numRef>
-          </c:val>
-          <c:smooth val="0"/>
-        </c:ser>
-        <c:ser>
-          <c:idx val="5"/>
-          <c:order val="5"/>
-          <c:tx>
-            <c:strRef>
-              <c:f>Sheet1!$G$1</c:f>
-              <c:strCache>
-                <c:ptCount val="1"/>
-                <c:pt idx="0">
-                  <c:v>Toy 4%</c:v>
-                </c:pt>
-              </c:strCache>
-            </c:strRef>
-          </c:tx>
-          <c:spPr>
-            <a:solidFill>
-              <a:srgbClr val="70AD47"/>
-            </a:solidFill>
-            <a:ln w="28575" cap="rnd">
-              <a:solidFill>
-                <a:srgbClr val="70AD47"/>
-              </a:solidFill>
-              <a:prstDash val="solid"/>
-              <a:round/>
-            </a:ln>
-            <a:effectLst/>
-          </c:spPr>
-          <c:marker>
-            <c:symbol val="circle"/>
-            <c:size val="4"/>
-            <c:spPr>
-              <a:solidFill>
-                <a:srgbClr val="70AD47"/>
-              </a:solidFill>
-              <a:ln w="9525" cap="flat">
-                <a:solidFill>
-                  <a:srgbClr val="70AD47"/>
-                </a:solidFill>
-                <a:prstDash val="solid"/>
-                <a:miter lim="800000"/>
-              </a:ln>
-              <a:effectLst/>
-            </c:spPr>
-          </c:marker>
-          <c:dLbls>
-            <c:numFmt formatCode="General" sourceLinked="0"/>
-            <c:txPr>
-              <a:bodyPr/>
-              <a:lstStyle/>
-              <a:p>
-                <a:pPr>
-                  <a:defRPr b="0" i="0" strike="noStrike" sz="1000" u="none">
-                    <a:solidFill>
-                      <a:srgbClr val="000000"/>
-                    </a:solidFill>
-                    <a:latin typeface="Calibri"/>
-                  </a:defRPr>
-                </a:pPr>
-              </a:p>
-            </c:txPr>
-            <c:dLblPos val="t"/>
-            <c:showLegendKey val="0"/>
-            <c:showVal val="0"/>
-            <c:showCatName val="0"/>
-            <c:showSerName val="0"/>
-            <c:showPercent val="0"/>
-            <c:showBubbleSize val="0"/>
-            <c:showLeaderLines val="0"/>
-          </c:dLbls>
-          <c:cat>
-            <c:strRef>
-              <c:f>Sheet1!$A$2:$A$3</c:f>
-              <c:strCache>
-                <c:ptCount val="2"/>
-                <c:pt idx="0">
-                  <c:v>10% node</c:v>
-                </c:pt>
-                <c:pt idx="1">
-                  <c:v>20% node</c:v>
-                </c:pt>
-              </c:strCache>
-            </c:strRef>
-          </c:cat>
-          <c:val>
-            <c:numRef>
-              <c:f>Sheet1!$G$2:$G$3</c:f>
-              <c:numCache>
-                <c:ptCount val="2"/>
-                <c:pt idx="0">
-                  <c:v>0.900000</c:v>
-                </c:pt>
-                <c:pt idx="1">
-                  <c:v>0.838710</c:v>
-                </c:pt>
-              </c:numCache>
-            </c:numRef>
-          </c:val>
-          <c:smooth val="0"/>
-        </c:ser>
-        <c:marker val="1"/>
-        <c:axId val="2094734552"/>
-        <c:axId val="2094734553"/>
-      </c:lineChart>
-      <c:catAx>
-        <c:axId val="2094734552"/>
-        <c:scaling>
-          <c:orientation val="minMax"/>
-        </c:scaling>
-        <c:delete val="0"/>
-        <c:axPos val="b"/>
-        <c:numFmt formatCode="General" sourceLinked="0"/>
-        <c:majorTickMark val="none"/>
-        <c:minorTickMark val="none"/>
-        <c:tickLblPos val="low"/>
-        <c:spPr>
-          <a:ln w="12700" cap="flat">
-            <a:solidFill>
-              <a:srgbClr val="D9D9D9"/>
-            </a:solidFill>
-            <a:prstDash val="solid"/>
-            <a:round/>
-          </a:ln>
-        </c:spPr>
-        <c:txPr>
-          <a:bodyPr rot="0"/>
-          <a:lstStyle/>
-          <a:p>
-            <a:pPr>
-              <a:defRPr b="0" i="0" strike="noStrike" sz="1600" u="none">
-                <a:solidFill>
-                  <a:srgbClr val="595959"/>
-                </a:solidFill>
-                <a:latin typeface="Calibri"/>
-              </a:defRPr>
-            </a:pPr>
-          </a:p>
-        </c:txPr>
-        <c:crossAx val="2094734553"/>
-        <c:crosses val="autoZero"/>
-        <c:auto val="1"/>
-        <c:lblAlgn val="ctr"/>
-        <c:noMultiLvlLbl val="1"/>
-      </c:catAx>
-      <c:valAx>
-        <c:axId val="2094734553"/>
-        <c:scaling>
-          <c:orientation val="minMax"/>
-        </c:scaling>
-        <c:delete val="0"/>
-        <c:axPos val="l"/>
-        <c:majorGridlines>
-          <c:spPr>
-            <a:ln w="12700" cap="flat">
-              <a:solidFill>
-                <a:srgbClr val="D9D9D9"/>
-              </a:solidFill>
-              <a:prstDash val="solid"/>
-              <a:round/>
-            </a:ln>
-          </c:spPr>
-        </c:majorGridlines>
-        <c:numFmt formatCode="General" sourceLinked="0"/>
-        <c:majorTickMark val="none"/>
-        <c:minorTickMark val="none"/>
-        <c:tickLblPos val="nextTo"/>
-        <c:spPr>
-          <a:ln w="12700" cap="flat">
-            <a:noFill/>
-            <a:prstDash val="solid"/>
-            <a:round/>
-          </a:ln>
-        </c:spPr>
-        <c:txPr>
-          <a:bodyPr rot="0"/>
-          <a:lstStyle/>
-          <a:p>
-            <a:pPr>
-              <a:defRPr b="0" i="0" strike="noStrike" sz="1600" u="none">
-                <a:solidFill>
-                  <a:srgbClr val="595959"/>
-                </a:solidFill>
-                <a:latin typeface="Calibri"/>
-              </a:defRPr>
-            </a:pPr>
-          </a:p>
-        </c:txPr>
-        <c:crossAx val="2094734552"/>
-        <c:crosses val="autoZero"/>
-        <c:crossBetween val="between"/>
-        <c:majorUnit val="0.25"/>
-        <c:minorUnit val="0.125"/>
-      </c:valAx>
-      <c:spPr>
-        <a:noFill/>
-        <a:ln w="12700" cap="flat">
-          <a:noFill/>
-          <a:miter lim="400000"/>
-        </a:ln>
-        <a:effectLst/>
-      </c:spPr>
-    </c:plotArea>
-    <c:legend>
-      <c:legendPos val="b"/>
-      <c:layout>
-        <c:manualLayout>
-          <c:xMode val="edge"/>
-          <c:yMode val="edge"/>
-          <c:x val="0.0560192"/>
-          <c:y val="0.949735"/>
-          <c:w val="0.943981"/>
-          <c:h val="0.0502646"/>
-        </c:manualLayout>
-      </c:layout>
-      <c:overlay val="1"/>
-      <c:spPr>
-        <a:noFill/>
-        <a:ln w="12700" cap="flat">
-          <a:noFill/>
-          <a:miter lim="400000"/>
-        </a:ln>
-        <a:effectLst/>
-      </c:spPr>
-      <c:txPr>
-        <a:bodyPr rot="0"/>
-        <a:lstStyle/>
-        <a:p>
-          <a:pPr>
-            <a:defRPr b="0" i="0" strike="noStrike" sz="1600" u="none">
-              <a:solidFill>
-                <a:srgbClr val="595959"/>
-              </a:solidFill>
-              <a:latin typeface="Calibri"/>
-            </a:defRPr>
-          </a:pPr>
-        </a:p>
-      </c:txPr>
-    </c:legend>
-    <c:plotVisOnly val="1"/>
-    <c:dispBlanksAs val="gap"/>
-  </c:chart>
-  <c:spPr>
-    <a:solidFill>
-      <a:srgbClr val="FFFFFF"/>
-    </a:solidFill>
-    <a:ln w="12700" cap="flat">
-      <a:solidFill>
-        <a:srgbClr val="D9D9D9"/>
-      </a:solidFill>
-      <a:prstDash val="solid"/>
-      <a:round/>
-    </a:ln>
-    <a:effectLst/>
-  </c:spPr>
-  <c:externalData r:id="rId1">
-    <c:autoUpdate val="0"/>
-  </c:externalData>
-</c:chartSpace>
-</file>
-
-<file path=ppt/charts/chart5.xml><?xml version="1.0" encoding="utf-8"?>
-<c:chartSpace xmlns:c="http://schemas.openxmlformats.org/drawingml/2006/chart" xmlns:a="http://schemas.openxmlformats.org/drawingml/2006/main" xmlns:r="http://schemas.openxmlformats.org/officeDocument/2006/relationships">
-  <c:date1904 val="1"/>
-  <c:roundedCorners val="0"/>
-  <c:chart>
-    <c:autoTitleDeleted val="1"/>
-    <c:plotArea>
-      <c:layout>
-        <c:manualLayout>
-          <c:layoutTarget val="inner"/>
-          <c:xMode val="edge"/>
-          <c:yMode val="edge"/>
-          <c:x val="0.0530289"/>
-          <c:y val="0.0377635"/>
-          <c:w val="0.932375"/>
-          <c:h val="0.865067"/>
-        </c:manualLayout>
-      </c:layout>
-      <c:lineChart>
-        <c:grouping val="standard"/>
-        <c:varyColors val="0"/>
-        <c:ser>
-          <c:idx val="0"/>
-          <c:order val="0"/>
-          <c:tx>
-            <c:strRef>
-              <c:f>Sheet1!$B$1</c:f>
-              <c:strCache>
-                <c:ptCount val="1"/>
-                <c:pt idx="0">
-                  <c:v>Cora 1%</c:v>
-                </c:pt>
-              </c:strCache>
-            </c:strRef>
-          </c:tx>
-          <c:spPr>
-            <a:solidFill>
-              <a:srgbClr val="4472C4"/>
-            </a:solidFill>
-            <a:ln w="28575" cap="rnd">
-              <a:solidFill>
-                <a:srgbClr val="4472C4"/>
-              </a:solidFill>
-              <a:prstDash val="solid"/>
-              <a:round/>
-            </a:ln>
-            <a:effectLst/>
-          </c:spPr>
-          <c:marker>
-            <c:symbol val="circle"/>
-            <c:size val="4"/>
-            <c:spPr>
-              <a:solidFill>
-                <a:srgbClr val="4472C4"/>
-              </a:solidFill>
-              <a:ln w="9525" cap="flat">
-                <a:solidFill>
-                  <a:srgbClr val="4472C4"/>
-                </a:solidFill>
-                <a:prstDash val="solid"/>
-                <a:miter lim="800000"/>
-              </a:ln>
-              <a:effectLst/>
-            </c:spPr>
-          </c:marker>
-          <c:dLbls>
-            <c:numFmt formatCode="General" sourceLinked="0"/>
-            <c:txPr>
-              <a:bodyPr/>
-              <a:lstStyle/>
-              <a:p>
-                <a:pPr>
-                  <a:defRPr b="0" i="0" strike="noStrike" sz="1000" u="none">
-                    <a:solidFill>
-                      <a:srgbClr val="000000"/>
-                    </a:solidFill>
-                    <a:latin typeface="Calibri"/>
-                  </a:defRPr>
-                </a:pPr>
-              </a:p>
-            </c:txPr>
-            <c:dLblPos val="t"/>
-            <c:showLegendKey val="0"/>
-            <c:showVal val="0"/>
-            <c:showCatName val="0"/>
-            <c:showSerName val="0"/>
-            <c:showPercent val="0"/>
-            <c:showBubbleSize val="0"/>
-            <c:showLeaderLines val="0"/>
-          </c:dLbls>
-          <c:cat>
-            <c:strRef>
-              <c:f>Sheet1!$A$2:$A$3</c:f>
-              <c:strCache>
-                <c:ptCount val="2"/>
-                <c:pt idx="0">
-                  <c:v>10% node</c:v>
-                </c:pt>
-                <c:pt idx="1">
-                  <c:v>20% node</c:v>
-                </c:pt>
-              </c:strCache>
-            </c:strRef>
-          </c:cat>
-          <c:val>
-            <c:numRef>
-              <c:f>Sheet1!$B$2:$B$3</c:f>
-              <c:numCache>
-                <c:ptCount val="2"/>
-                <c:pt idx="0">
-                  <c:v>0.755100</c:v>
-                </c:pt>
-                <c:pt idx="1">
-                  <c:v>0.949490</c:v>
-                </c:pt>
-              </c:numCache>
-            </c:numRef>
-          </c:val>
-          <c:smooth val="0"/>
-        </c:ser>
-        <c:ser>
-          <c:idx val="1"/>
-          <c:order val="1"/>
-          <c:tx>
-            <c:strRef>
-              <c:f>Sheet1!$C$1</c:f>
-              <c:strCache>
-                <c:ptCount val="1"/>
-                <c:pt idx="0">
-                  <c:v>Cora 2%</c:v>
-                </c:pt>
-              </c:strCache>
-            </c:strRef>
-          </c:tx>
-          <c:spPr>
-            <a:solidFill>
-              <a:srgbClr val="ED7D31"/>
-            </a:solidFill>
-            <a:ln w="28575" cap="rnd">
-              <a:solidFill>
-                <a:srgbClr val="ED7D31"/>
-              </a:solidFill>
-              <a:prstDash val="solid"/>
-              <a:round/>
-            </a:ln>
-            <a:effectLst/>
-          </c:spPr>
-          <c:marker>
-            <c:symbol val="circle"/>
-            <c:size val="4"/>
-            <c:spPr>
-              <a:solidFill>
-                <a:srgbClr val="ED7D31"/>
-              </a:solidFill>
-              <a:ln w="9525" cap="flat">
-                <a:solidFill>
-                  <a:srgbClr val="ED7D31"/>
-                </a:solidFill>
-                <a:prstDash val="solid"/>
-                <a:miter lim="800000"/>
-              </a:ln>
-              <a:effectLst/>
-            </c:spPr>
-          </c:marker>
-          <c:dLbls>
-            <c:numFmt formatCode="General" sourceLinked="0"/>
-            <c:txPr>
-              <a:bodyPr/>
-              <a:lstStyle/>
-              <a:p>
-                <a:pPr>
-                  <a:defRPr b="0" i="0" strike="noStrike" sz="1000" u="none">
-                    <a:solidFill>
-                      <a:srgbClr val="000000"/>
-                    </a:solidFill>
-                    <a:latin typeface="Calibri"/>
-                  </a:defRPr>
-                </a:pPr>
-              </a:p>
-            </c:txPr>
-            <c:dLblPos val="t"/>
-            <c:showLegendKey val="0"/>
-            <c:showVal val="0"/>
-            <c:showCatName val="0"/>
-            <c:showSerName val="0"/>
-            <c:showPercent val="0"/>
-            <c:showBubbleSize val="0"/>
-            <c:showLeaderLines val="0"/>
-          </c:dLbls>
-          <c:cat>
-            <c:strRef>
-              <c:f>Sheet1!$A$2:$A$3</c:f>
-              <c:strCache>
-                <c:ptCount val="2"/>
-                <c:pt idx="0">
-                  <c:v>10% node</c:v>
-                </c:pt>
-                <c:pt idx="1">
-                  <c:v>20% node</c:v>
-                </c:pt>
-              </c:strCache>
-            </c:strRef>
-          </c:cat>
-          <c:val>
-            <c:numRef>
-              <c:f>Sheet1!$C$2:$C$3</c:f>
-              <c:numCache>
-                <c:ptCount val="2"/>
-                <c:pt idx="0">
-                  <c:v>1.000000</c:v>
-                </c:pt>
-                <c:pt idx="1">
-                  <c:v>1.000000</c:v>
-                </c:pt>
-              </c:numCache>
-            </c:numRef>
-          </c:val>
-          <c:smooth val="0"/>
-        </c:ser>
-        <c:ser>
-          <c:idx val="2"/>
-          <c:order val="2"/>
-          <c:tx>
-            <c:strRef>
-              <c:f>Sheet1!$D$1</c:f>
-              <c:strCache>
-                <c:ptCount val="1"/>
-                <c:pt idx="0">
-                  <c:v>Cite. 1%</c:v>
-                </c:pt>
-              </c:strCache>
-            </c:strRef>
-          </c:tx>
-          <c:spPr>
-            <a:solidFill>
-              <a:srgbClr val="A5A5A5"/>
-            </a:solidFill>
-            <a:ln w="28575" cap="rnd">
-              <a:solidFill>
-                <a:srgbClr val="A5A5A5"/>
-              </a:solidFill>
-              <a:prstDash val="solid"/>
-              <a:round/>
-            </a:ln>
-            <a:effectLst/>
-          </c:spPr>
-          <c:marker>
-            <c:symbol val="circle"/>
-            <c:size val="4"/>
-            <c:spPr>
-              <a:solidFill>
-                <a:srgbClr val="A5A5A5"/>
-              </a:solidFill>
-              <a:ln w="9525" cap="flat">
-                <a:solidFill>
-                  <a:srgbClr val="A5A5A5"/>
-                </a:solidFill>
-                <a:prstDash val="solid"/>
-                <a:miter lim="800000"/>
-              </a:ln>
-              <a:effectLst/>
-            </c:spPr>
-          </c:marker>
-          <c:dLbls>
-            <c:numFmt formatCode="General" sourceLinked="0"/>
-            <c:txPr>
-              <a:bodyPr/>
-              <a:lstStyle/>
-              <a:p>
-                <a:pPr>
-                  <a:defRPr b="0" i="0" strike="noStrike" sz="1000" u="none">
-                    <a:solidFill>
-                      <a:srgbClr val="000000"/>
-                    </a:solidFill>
-                    <a:latin typeface="Calibri"/>
-                  </a:defRPr>
-                </a:pPr>
-              </a:p>
-            </c:txPr>
-            <c:dLblPos val="t"/>
-            <c:showLegendKey val="0"/>
-            <c:showVal val="0"/>
-            <c:showCatName val="0"/>
-            <c:showSerName val="0"/>
-            <c:showPercent val="0"/>
-            <c:showBubbleSize val="0"/>
-            <c:showLeaderLines val="0"/>
-          </c:dLbls>
-          <c:cat>
-            <c:strRef>
-              <c:f>Sheet1!$A$2:$A$3</c:f>
-              <c:strCache>
-                <c:ptCount val="2"/>
-                <c:pt idx="0">
-                  <c:v>10% node</c:v>
-                </c:pt>
-                <c:pt idx="1">
-                  <c:v>20% node</c:v>
-                </c:pt>
-              </c:strCache>
-            </c:strRef>
-          </c:cat>
-          <c:val>
-            <c:numRef>
-              <c:f>Sheet1!$D$2:$D$3</c:f>
-              <c:numCache>
-                <c:ptCount val="2"/>
-                <c:pt idx="0">
-                  <c:v>1.000000</c:v>
-                </c:pt>
-                <c:pt idx="1">
-                  <c:v>1.000000</c:v>
-                </c:pt>
-              </c:numCache>
-            </c:numRef>
-          </c:val>
-          <c:smooth val="0"/>
-        </c:ser>
-        <c:ser>
-          <c:idx val="3"/>
-          <c:order val="3"/>
-          <c:tx>
-            <c:strRef>
-              <c:f>Sheet1!$E$1</c:f>
-              <c:strCache>
-                <c:ptCount val="1"/>
-                <c:pt idx="0">
-                  <c:v>Cite. 2%</c:v>
-                </c:pt>
-              </c:strCache>
-            </c:strRef>
-          </c:tx>
-          <c:spPr>
-            <a:solidFill>
-              <a:srgbClr val="FFC000"/>
-            </a:solidFill>
-            <a:ln w="28575" cap="rnd">
-              <a:solidFill>
-                <a:srgbClr val="FFC000"/>
-              </a:solidFill>
-              <a:prstDash val="solid"/>
-              <a:round/>
-            </a:ln>
-            <a:effectLst/>
-          </c:spPr>
-          <c:marker>
-            <c:symbol val="circle"/>
-            <c:size val="4"/>
-            <c:spPr>
-              <a:solidFill>
-                <a:srgbClr val="FFC000"/>
-              </a:solidFill>
-              <a:ln w="9525" cap="flat">
-                <a:solidFill>
-                  <a:srgbClr val="FFC000"/>
-                </a:solidFill>
-                <a:prstDash val="solid"/>
-                <a:miter lim="800000"/>
-              </a:ln>
-              <a:effectLst/>
-            </c:spPr>
-          </c:marker>
-          <c:dLbls>
-            <c:numFmt formatCode="General" sourceLinked="0"/>
-            <c:txPr>
-              <a:bodyPr/>
-              <a:lstStyle/>
-              <a:p>
-                <a:pPr>
-                  <a:defRPr b="0" i="0" strike="noStrike" sz="1000" u="none">
-                    <a:solidFill>
-                      <a:srgbClr val="000000"/>
-                    </a:solidFill>
-                    <a:latin typeface="Calibri"/>
-                  </a:defRPr>
-                </a:pPr>
-              </a:p>
-            </c:txPr>
-            <c:dLblPos val="t"/>
-            <c:showLegendKey val="0"/>
-            <c:showVal val="0"/>
-            <c:showCatName val="0"/>
-            <c:showSerName val="0"/>
-            <c:showPercent val="0"/>
-            <c:showBubbleSize val="0"/>
-            <c:showLeaderLines val="0"/>
-          </c:dLbls>
-          <c:cat>
-            <c:strRef>
-              <c:f>Sheet1!$A$2:$A$3</c:f>
-              <c:strCache>
-                <c:ptCount val="2"/>
-                <c:pt idx="0">
-                  <c:v>10% node</c:v>
-                </c:pt>
-                <c:pt idx="1">
-                  <c:v>20% node</c:v>
-                </c:pt>
-              </c:strCache>
-            </c:strRef>
-          </c:cat>
-          <c:val>
-            <c:numRef>
-              <c:f>Sheet1!$E$2:$E$3</c:f>
-              <c:numCache>
-                <c:ptCount val="2"/>
-                <c:pt idx="0">
-                  <c:v>1.000000</c:v>
-                </c:pt>
-                <c:pt idx="1">
-                  <c:v>1.000000</c:v>
-                </c:pt>
-              </c:numCache>
-            </c:numRef>
-          </c:val>
-          <c:smooth val="0"/>
-        </c:ser>
-        <c:ser>
-          <c:idx val="4"/>
-          <c:order val="4"/>
-          <c:tx>
-            <c:strRef>
-              <c:f>Sheet1!$F$1</c:f>
-              <c:strCache>
-                <c:ptCount val="1"/>
-                <c:pt idx="0">
-                  <c:v>Toy 2%</c:v>
-                </c:pt>
-              </c:strCache>
-            </c:strRef>
-          </c:tx>
-          <c:spPr>
-            <a:solidFill>
-              <a:srgbClr val="5B9BD5"/>
-            </a:solidFill>
-            <a:ln w="28575" cap="rnd">
-              <a:solidFill>
-                <a:srgbClr val="5B9BD5"/>
-              </a:solidFill>
-              <a:prstDash val="solid"/>
-              <a:round/>
-            </a:ln>
-            <a:effectLst/>
-          </c:spPr>
-          <c:marker>
-            <c:symbol val="circle"/>
-            <c:size val="4"/>
-            <c:spPr>
-              <a:solidFill>
-                <a:srgbClr val="5B9BD5"/>
-              </a:solidFill>
-              <a:ln w="9525" cap="flat">
-                <a:solidFill>
-                  <a:srgbClr val="5B9BD5"/>
-                </a:solidFill>
-                <a:prstDash val="solid"/>
-                <a:miter lim="800000"/>
-              </a:ln>
-              <a:effectLst/>
-            </c:spPr>
-          </c:marker>
-          <c:dLbls>
-            <c:numFmt formatCode="General" sourceLinked="0"/>
-            <c:txPr>
-              <a:bodyPr/>
-              <a:lstStyle/>
-              <a:p>
-                <a:pPr>
-                  <a:defRPr b="0" i="0" strike="noStrike" sz="1000" u="none">
-                    <a:solidFill>
-                      <a:srgbClr val="000000"/>
-                    </a:solidFill>
-                    <a:latin typeface="Calibri"/>
-                  </a:defRPr>
-                </a:pPr>
-              </a:p>
-            </c:txPr>
-            <c:dLblPos val="t"/>
-            <c:showLegendKey val="0"/>
-            <c:showVal val="0"/>
-            <c:showCatName val="0"/>
-            <c:showSerName val="0"/>
-            <c:showPercent val="0"/>
-            <c:showBubbleSize val="0"/>
-            <c:showLeaderLines val="0"/>
-          </c:dLbls>
-          <c:cat>
-            <c:strRef>
-              <c:f>Sheet1!$A$2:$A$3</c:f>
-              <c:strCache>
-                <c:ptCount val="2"/>
-                <c:pt idx="0">
-                  <c:v>10% node</c:v>
-                </c:pt>
-                <c:pt idx="1">
-                  <c:v>20% node</c:v>
-                </c:pt>
-              </c:strCache>
-            </c:strRef>
-          </c:cat>
-          <c:val>
-            <c:numRef>
-              <c:f>Sheet1!$F$2:$F$3</c:f>
-              <c:numCache>
-                <c:ptCount val="2"/>
-                <c:pt idx="0">
-                  <c:v>0.400000</c:v>
-                </c:pt>
-                <c:pt idx="1">
-                  <c:v>0.330000</c:v>
-                </c:pt>
-              </c:numCache>
-            </c:numRef>
-          </c:val>
-          <c:smooth val="0"/>
-        </c:ser>
-        <c:ser>
-          <c:idx val="5"/>
-          <c:order val="5"/>
-          <c:tx>
-            <c:strRef>
-              <c:f>Sheet1!$G$1</c:f>
-              <c:strCache>
-                <c:ptCount val="1"/>
-                <c:pt idx="0">
-                  <c:v>Toy 4%</c:v>
-                </c:pt>
-              </c:strCache>
-            </c:strRef>
-          </c:tx>
-          <c:spPr>
-            <a:solidFill>
-              <a:srgbClr val="70AD47"/>
-            </a:solidFill>
-            <a:ln w="28575" cap="rnd">
-              <a:solidFill>
-                <a:srgbClr val="70AD47"/>
-              </a:solidFill>
-              <a:prstDash val="solid"/>
-              <a:round/>
-            </a:ln>
-            <a:effectLst/>
-          </c:spPr>
-          <c:marker>
-            <c:symbol val="circle"/>
-            <c:size val="4"/>
-            <c:spPr>
-              <a:solidFill>
-                <a:srgbClr val="70AD47"/>
-              </a:solidFill>
-              <a:ln w="9525" cap="flat">
-                <a:solidFill>
-                  <a:srgbClr val="70AD47"/>
-                </a:solidFill>
-                <a:prstDash val="solid"/>
-                <a:miter lim="800000"/>
-              </a:ln>
-              <a:effectLst/>
-            </c:spPr>
-          </c:marker>
-          <c:dLbls>
-            <c:numFmt formatCode="General" sourceLinked="0"/>
-            <c:txPr>
-              <a:bodyPr/>
-              <a:lstStyle/>
-              <a:p>
-                <a:pPr>
-                  <a:defRPr b="0" i="0" strike="noStrike" sz="1000" u="none">
-                    <a:solidFill>
-                      <a:srgbClr val="000000"/>
-                    </a:solidFill>
-                    <a:latin typeface="Calibri"/>
-                  </a:defRPr>
-                </a:pPr>
-              </a:p>
-            </c:txPr>
-            <c:dLblPos val="t"/>
-            <c:showLegendKey val="0"/>
-            <c:showVal val="0"/>
-            <c:showCatName val="0"/>
-            <c:showSerName val="0"/>
-            <c:showPercent val="0"/>
-            <c:showBubbleSize val="0"/>
-            <c:showLeaderLines val="0"/>
-          </c:dLbls>
-          <c:cat>
-            <c:strRef>
-              <c:f>Sheet1!$A$2:$A$3</c:f>
-              <c:strCache>
-                <c:ptCount val="2"/>
-                <c:pt idx="0">
-                  <c:v>10% node</c:v>
-                </c:pt>
-                <c:pt idx="1">
-                  <c:v>20% node</c:v>
-                </c:pt>
-              </c:strCache>
-            </c:strRef>
-          </c:cat>
-          <c:val>
-            <c:numRef>
-              <c:f>Sheet1!$G$2:$G$3</c:f>
-              <c:numCache>
-                <c:ptCount val="2"/>
-                <c:pt idx="0">
-                  <c:v>0.720000</c:v>
-                </c:pt>
-                <c:pt idx="1">
-                  <c:v>0.780000</c:v>
-                </c:pt>
-              </c:numCache>
-            </c:numRef>
-          </c:val>
-          <c:smooth val="0"/>
-        </c:ser>
-        <c:marker val="1"/>
-        <c:axId val="2094734552"/>
-        <c:axId val="2094734553"/>
-      </c:lineChart>
-      <c:catAx>
-        <c:axId val="2094734552"/>
-        <c:scaling>
-          <c:orientation val="minMax"/>
-        </c:scaling>
-        <c:delete val="0"/>
-        <c:axPos val="b"/>
-        <c:numFmt formatCode="General" sourceLinked="0"/>
-        <c:majorTickMark val="none"/>
-        <c:minorTickMark val="none"/>
-        <c:tickLblPos val="low"/>
-        <c:spPr>
-          <a:ln w="12700" cap="flat">
-            <a:solidFill>
-              <a:srgbClr val="D9D9D9"/>
-            </a:solidFill>
-            <a:prstDash val="solid"/>
-            <a:round/>
-          </a:ln>
-        </c:spPr>
-        <c:txPr>
-          <a:bodyPr rot="0"/>
-          <a:lstStyle/>
-          <a:p>
-            <a:pPr>
-              <a:defRPr b="0" i="0" strike="noStrike" sz="1600" u="none">
-                <a:solidFill>
-                  <a:srgbClr val="595959"/>
-                </a:solidFill>
-                <a:latin typeface="Calibri"/>
-              </a:defRPr>
-            </a:pPr>
-          </a:p>
-        </c:txPr>
-        <c:crossAx val="2094734553"/>
-        <c:crosses val="autoZero"/>
-        <c:auto val="1"/>
-        <c:lblAlgn val="ctr"/>
-        <c:noMultiLvlLbl val="1"/>
-      </c:catAx>
-      <c:valAx>
-        <c:axId val="2094734553"/>
-        <c:scaling>
-          <c:orientation val="minMax"/>
-        </c:scaling>
-        <c:delete val="0"/>
-        <c:axPos val="l"/>
-        <c:majorGridlines>
-          <c:spPr>
-            <a:ln w="12700" cap="flat">
-              <a:solidFill>
-                <a:srgbClr val="D9D9D9"/>
-              </a:solidFill>
-              <a:prstDash val="solid"/>
-              <a:round/>
-            </a:ln>
-          </c:spPr>
-        </c:majorGridlines>
-        <c:numFmt formatCode="General" sourceLinked="0"/>
-        <c:majorTickMark val="none"/>
-        <c:minorTickMark val="none"/>
-        <c:tickLblPos val="nextTo"/>
-        <c:spPr>
-          <a:ln w="12700" cap="flat">
-            <a:noFill/>
-            <a:prstDash val="solid"/>
-            <a:round/>
-          </a:ln>
-        </c:spPr>
-        <c:txPr>
-          <a:bodyPr rot="0"/>
-          <a:lstStyle/>
-          <a:p>
-            <a:pPr>
-              <a:defRPr b="0" i="0" strike="noStrike" sz="1600" u="none">
-                <a:solidFill>
-                  <a:srgbClr val="595959"/>
-                </a:solidFill>
-                <a:latin typeface="Calibri"/>
-              </a:defRPr>
-            </a:pPr>
-          </a:p>
-        </c:txPr>
-        <c:crossAx val="2094734552"/>
-        <c:crosses val="autoZero"/>
-        <c:crossBetween val="between"/>
-        <c:majorUnit val="0.25"/>
-        <c:minorUnit val="0.125"/>
-      </c:valAx>
-      <c:spPr>
-        <a:noFill/>
-        <a:ln w="12700" cap="flat">
-          <a:noFill/>
-          <a:miter lim="400000"/>
-        </a:ln>
-        <a:effectLst/>
-      </c:spPr>
-    </c:plotArea>
-    <c:legend>
-      <c:legendPos val="b"/>
-      <c:layout>
-        <c:manualLayout>
-          <c:xMode val="edge"/>
-          <c:yMode val="edge"/>
-          <c:x val="0.056007"/>
-          <c:y val="0.949737"/>
-          <c:w val="0.943993"/>
-          <c:h val="0.0502635"/>
-        </c:manualLayout>
-      </c:layout>
-      <c:overlay val="1"/>
-      <c:spPr>
-        <a:noFill/>
-        <a:ln w="12700" cap="flat">
-          <a:noFill/>
-          <a:miter lim="400000"/>
-        </a:ln>
-        <a:effectLst/>
-      </c:spPr>
-      <c:txPr>
-        <a:bodyPr rot="0"/>
-        <a:lstStyle/>
-        <a:p>
-          <a:pPr>
-            <a:defRPr b="0" i="0" strike="noStrike" sz="1600" u="none">
-              <a:solidFill>
-                <a:srgbClr val="595959"/>
-              </a:solidFill>
-              <a:latin typeface="Calibri"/>
-            </a:defRPr>
-          </a:pPr>
-        </a:p>
-      </c:txPr>
-    </c:legend>
-    <c:plotVisOnly val="1"/>
-    <c:dispBlanksAs val="gap"/>
-  </c:chart>
-  <c:spPr>
-    <a:solidFill>
-      <a:srgbClr val="FFFFFF"/>
-    </a:solidFill>
-    <a:ln w="12700" cap="flat">
-      <a:solidFill>
-        <a:srgbClr val="D9D9D9"/>
-      </a:solidFill>
-      <a:prstDash val="solid"/>
-      <a:round/>
-    </a:ln>
-    <a:effectLst/>
-  </c:spPr>
-  <c:externalData r:id="rId1">
-    <c:autoUpdate val="0"/>
-  </c:externalData>
-</c:chartSpace>
 </file>
 
 <file path=ppt/notesMasters/notesMaster1.xml><?xml version="1.0" encoding="utf-8"?>
@@ -4042,7 +554,7 @@
         </p:nvSpPr>
         <p:spPr>
           <a:xfrm>
-            <a:off x="1270000" y="5029200"/>
+            <a:off x="1270000" y="5041900"/>
             <a:ext cx="10464800" cy="1130300"/>
           </a:xfrm>
           <a:prstGeom prst="rect">
@@ -4058,7 +570,7 @@
               </a:spcBef>
               <a:buSzTx/>
               <a:buNone/>
-              <a:defRPr sz="3200"/>
+              <a:defRPr sz="3700"/>
             </a:lvl1pPr>
             <a:lvl2pPr marL="0" indent="0" algn="ctr">
               <a:spcBef>
@@ -4066,7 +578,7 @@
               </a:spcBef>
               <a:buSzTx/>
               <a:buNone/>
-              <a:defRPr sz="3200"/>
+              <a:defRPr sz="3700"/>
             </a:lvl2pPr>
             <a:lvl3pPr marL="0" indent="0" algn="ctr">
               <a:spcBef>
@@ -4074,7 +586,7 @@
               </a:spcBef>
               <a:buSzTx/>
               <a:buNone/>
-              <a:defRPr sz="3200"/>
+              <a:defRPr sz="3700"/>
             </a:lvl3pPr>
             <a:lvl4pPr marL="0" indent="0" algn="ctr">
               <a:spcBef>
@@ -4082,7 +594,7 @@
               </a:spcBef>
               <a:buSzTx/>
               <a:buNone/>
-              <a:defRPr sz="3200"/>
+              <a:defRPr sz="3700"/>
             </a:lvl4pPr>
             <a:lvl5pPr marL="0" indent="0" algn="ctr">
               <a:spcBef>
@@ -4090,7 +602,7 @@
               </a:spcBef>
               <a:buSzTx/>
               <a:buNone/>
-              <a:defRPr sz="3200"/>
+              <a:defRPr sz="3700"/>
             </a:lvl5pPr>
           </a:lstStyle>
           <a:p>
@@ -4134,17 +646,22 @@
           </p:nvPr>
         </p:nvSpPr>
         <p:spPr>
-          <a:xfrm>
-            <a:off x="6311798" y="9245600"/>
-            <a:ext cx="368504" cy="381000"/>
-          </a:xfrm>
           <a:prstGeom prst="rect">
             <a:avLst/>
           </a:prstGeom>
         </p:spPr>
         <p:txBody>
-          <a:bodyPr anchor="t"/>
-          <a:lstStyle/>
+          <a:bodyPr/>
+          <a:lstStyle>
+            <a:lvl1pPr>
+              <a:defRPr>
+                <a:latin typeface="Helvetica Neue Thin"/>
+                <a:ea typeface="Helvetica Neue Thin"/>
+                <a:cs typeface="Helvetica Neue Thin"/>
+                <a:sym typeface="Helvetica Neue Thin"/>
+              </a:defRPr>
+            </a:lvl1pPr>
+          </a:lstStyle>
           <a:p>
             <a:pPr/>
             <a:fld id="{86CB4B4D-7CA3-9044-876B-883B54F8677D}" type="slidenum"/>
@@ -4188,7 +705,7 @@
         <p:spPr>
           <a:xfrm>
             <a:off x="1270000" y="6362700"/>
-            <a:ext cx="10464800" cy="533400"/>
+            <a:ext cx="10464800" cy="461366"/>
           </a:xfrm>
           <a:prstGeom prst="rect">
             <a:avLst/>
@@ -4205,12 +722,7 @@
               </a:spcBef>
               <a:buSzTx/>
               <a:buNone/>
-              <a:defRPr b="1" sz="2800">
-                <a:latin typeface="Helvetica"/>
-                <a:ea typeface="Helvetica"/>
-                <a:cs typeface="Helvetica"/>
-                <a:sym typeface="Helvetica"/>
-              </a:defRPr>
+              <a:defRPr i="1" sz="2400"/>
             </a:lvl1pPr>
           </a:lstStyle>
           <a:p>
@@ -4231,8 +743,8 @@
         </p:nvSpPr>
         <p:spPr>
           <a:xfrm>
-            <a:off x="1270000" y="4254500"/>
-            <a:ext cx="10464800" cy="711200"/>
+            <a:off x="1270000" y="4267112"/>
+            <a:ext cx="10464800" cy="609776"/>
           </a:xfrm>
           <a:prstGeom prst="rect">
             <a:avLst/>
@@ -4245,17 +757,22 @@
           <a:lstStyle>
             <a:lvl1pPr marL="0" indent="0" algn="ctr">
               <a:spcBef>
-                <a:spcPts val="2400"/>
+                <a:spcPts val="0"/>
               </a:spcBef>
               <a:buSzTx/>
               <a:buNone/>
-              <a:defRPr sz="4000"/>
+              <a:defRPr sz="3400">
+                <a:latin typeface="+mn-lt"/>
+                <a:ea typeface="+mn-ea"/>
+                <a:cs typeface="+mn-cs"/>
+                <a:sym typeface="Helvetica Neue Medium"/>
+              </a:defRPr>
             </a:lvl1pPr>
           </a:lstStyle>
           <a:p>
             <a:pPr/>
             <a:r>
-              <a:t>“Type a quote here.”</a:t>
+              <a:t>“Type a quote here.” </a:t>
             </a:r>
           </a:p>
         </p:txBody>
@@ -4269,16 +786,12 @@
           </p:nvPr>
         </p:nvSpPr>
         <p:spPr>
-          <a:xfrm>
-            <a:off x="6311798" y="9245600"/>
-            <a:ext cx="368504" cy="381000"/>
-          </a:xfrm>
           <a:prstGeom prst="rect">
             <a:avLst/>
           </a:prstGeom>
         </p:spPr>
         <p:txBody>
-          <a:bodyPr anchor="t"/>
+          <a:bodyPr/>
           <a:lstStyle/>
           <a:p>
             <a:pPr/>
@@ -4322,8 +835,8 @@
         </p:nvSpPr>
         <p:spPr>
           <a:xfrm>
-            <a:off x="0" y="0"/>
-            <a:ext cx="13004800" cy="9753600"/>
+            <a:off x="-949853" y="0"/>
+            <a:ext cx="14904506" cy="9944100"/>
           </a:xfrm>
           <a:prstGeom prst="rect">
             <a:avLst/>
@@ -4348,16 +861,12 @@
           </p:nvPr>
         </p:nvSpPr>
         <p:spPr>
-          <a:xfrm>
-            <a:off x="6311798" y="9245600"/>
-            <a:ext cx="368504" cy="381000"/>
-          </a:xfrm>
           <a:prstGeom prst="rect">
             <a:avLst/>
           </a:prstGeom>
         </p:spPr>
         <p:txBody>
-          <a:bodyPr anchor="t"/>
+          <a:bodyPr/>
           <a:lstStyle/>
           <a:p>
             <a:pPr/>
@@ -4400,16 +909,12 @@
           </p:nvPr>
         </p:nvSpPr>
         <p:spPr>
-          <a:xfrm>
-            <a:off x="6311798" y="9245600"/>
-            <a:ext cx="368504" cy="381000"/>
-          </a:xfrm>
           <a:prstGeom prst="rect">
             <a:avLst/>
           </a:prstGeom>
         </p:spPr>
         <p:txBody>
-          <a:bodyPr anchor="t"/>
+          <a:bodyPr/>
           <a:lstStyle/>
           <a:p>
             <a:pPr/>
@@ -4453,8 +958,8 @@
         </p:nvSpPr>
         <p:spPr>
           <a:xfrm>
-            <a:off x="1600200" y="635000"/>
-            <a:ext cx="9779000" cy="5918200"/>
+            <a:off x="1622088" y="289099"/>
+            <a:ext cx="9753603" cy="6505789"/>
           </a:xfrm>
           <a:prstGeom prst="rect">
             <a:avLst/>
@@ -4508,8 +1013,8 @@
         </p:nvSpPr>
         <p:spPr>
           <a:xfrm>
-            <a:off x="1270000" y="8191500"/>
-            <a:ext cx="10464800" cy="1219200"/>
+            <a:off x="1270000" y="8153400"/>
+            <a:ext cx="10464800" cy="1130300"/>
           </a:xfrm>
           <a:prstGeom prst="rect">
             <a:avLst/>
@@ -4524,7 +1029,7 @@
               </a:spcBef>
               <a:buSzTx/>
               <a:buNone/>
-              <a:defRPr sz="3200"/>
+              <a:defRPr sz="3700"/>
             </a:lvl1pPr>
             <a:lvl2pPr marL="0" indent="0" algn="ctr">
               <a:spcBef>
@@ -4532,7 +1037,7 @@
               </a:spcBef>
               <a:buSzTx/>
               <a:buNone/>
-              <a:defRPr sz="3200"/>
+              <a:defRPr sz="3700"/>
             </a:lvl2pPr>
             <a:lvl3pPr marL="0" indent="0" algn="ctr">
               <a:spcBef>
@@ -4540,7 +1045,7 @@
               </a:spcBef>
               <a:buSzTx/>
               <a:buNone/>
-              <a:defRPr sz="3200"/>
+              <a:defRPr sz="3700"/>
             </a:lvl3pPr>
             <a:lvl4pPr marL="0" indent="0" algn="ctr">
               <a:spcBef>
@@ -4548,7 +1053,7 @@
               </a:spcBef>
               <a:buSzTx/>
               <a:buNone/>
-              <a:defRPr sz="3200"/>
+              <a:defRPr sz="3700"/>
             </a:lvl4pPr>
             <a:lvl5pPr marL="0" indent="0" algn="ctr">
               <a:spcBef>
@@ -4556,7 +1061,7 @@
               </a:spcBef>
               <a:buSzTx/>
               <a:buNone/>
-              <a:defRPr sz="3200"/>
+              <a:defRPr sz="3700"/>
             </a:lvl5pPr>
           </a:lstStyle>
           <a:p>
@@ -4600,16 +1105,12 @@
           </p:nvPr>
         </p:nvSpPr>
         <p:spPr>
-          <a:xfrm>
-            <a:off x="6311798" y="9245600"/>
-            <a:ext cx="368504" cy="381000"/>
-          </a:xfrm>
           <a:prstGeom prst="rect">
             <a:avLst/>
           </a:prstGeom>
         </p:spPr>
         <p:txBody>
-          <a:bodyPr anchor="t"/>
+          <a:bodyPr/>
           <a:lstStyle/>
           <a:p>
             <a:pPr/>
@@ -4680,16 +1181,12 @@
           </p:nvPr>
         </p:nvSpPr>
         <p:spPr>
-          <a:xfrm>
-            <a:off x="6311798" y="9245600"/>
-            <a:ext cx="368504" cy="381000"/>
-          </a:xfrm>
           <a:prstGeom prst="rect">
             <a:avLst/>
           </a:prstGeom>
         </p:spPr>
         <p:txBody>
-          <a:bodyPr anchor="t"/>
+          <a:bodyPr/>
           <a:lstStyle/>
           <a:p>
             <a:pPr/>
@@ -4728,13 +1225,13 @@
           <p:cNvPr id="38" name="Image"/>
           <p:cNvSpPr/>
           <p:nvPr>
-            <p:ph type="pic" sz="half" idx="13"/>
+            <p:ph type="pic" idx="13"/>
           </p:nvPr>
         </p:nvSpPr>
         <p:spPr>
           <a:xfrm>
-            <a:off x="6718300" y="762000"/>
-            <a:ext cx="5334000" cy="8242300"/>
+            <a:off x="2263775" y="613833"/>
+            <a:ext cx="12401550" cy="8267701"/>
           </a:xfrm>
           <a:prstGeom prst="rect">
             <a:avLst/>
@@ -4760,8 +1257,8 @@
         </p:nvSpPr>
         <p:spPr>
           <a:xfrm>
-            <a:off x="952500" y="762000"/>
-            <a:ext cx="5334000" cy="4000500"/>
+            <a:off x="952500" y="635000"/>
+            <a:ext cx="5334000" cy="3987800"/>
           </a:xfrm>
           <a:prstGeom prst="rect">
             <a:avLst/>
@@ -4792,8 +1289,8 @@
         </p:nvSpPr>
         <p:spPr>
           <a:xfrm>
-            <a:off x="952500" y="5003800"/>
-            <a:ext cx="5334000" cy="4000500"/>
+            <a:off x="952500" y="4724400"/>
+            <a:ext cx="5334000" cy="4114800"/>
           </a:xfrm>
           <a:prstGeom prst="rect">
             <a:avLst/>
@@ -4808,7 +1305,7 @@
               </a:spcBef>
               <a:buSzTx/>
               <a:buNone/>
-              <a:defRPr sz="3200"/>
+              <a:defRPr sz="3700"/>
             </a:lvl1pPr>
             <a:lvl2pPr marL="0" indent="0" algn="ctr">
               <a:spcBef>
@@ -4816,7 +1313,7 @@
               </a:spcBef>
               <a:buSzTx/>
               <a:buNone/>
-              <a:defRPr sz="3200"/>
+              <a:defRPr sz="3700"/>
             </a:lvl2pPr>
             <a:lvl3pPr marL="0" indent="0" algn="ctr">
               <a:spcBef>
@@ -4824,7 +1321,7 @@
               </a:spcBef>
               <a:buSzTx/>
               <a:buNone/>
-              <a:defRPr sz="3200"/>
+              <a:defRPr sz="3700"/>
             </a:lvl3pPr>
             <a:lvl4pPr marL="0" indent="0" algn="ctr">
               <a:spcBef>
@@ -4832,7 +1329,7 @@
               </a:spcBef>
               <a:buSzTx/>
               <a:buNone/>
-              <a:defRPr sz="3200"/>
+              <a:defRPr sz="3700"/>
             </a:lvl4pPr>
             <a:lvl5pPr marL="0" indent="0" algn="ctr">
               <a:spcBef>
@@ -4840,7 +1337,7 @@
               </a:spcBef>
               <a:buSzTx/>
               <a:buNone/>
-              <a:defRPr sz="3200"/>
+              <a:defRPr sz="3700"/>
             </a:lvl5pPr>
           </a:lstStyle>
           <a:p>
@@ -4884,16 +1381,12 @@
           </p:nvPr>
         </p:nvSpPr>
         <p:spPr>
-          <a:xfrm>
-            <a:off x="6311798" y="9245600"/>
-            <a:ext cx="368504" cy="381000"/>
-          </a:xfrm>
           <a:prstGeom prst="rect">
             <a:avLst/>
           </a:prstGeom>
         </p:spPr>
         <p:txBody>
-          <a:bodyPr anchor="t"/>
+          <a:bodyPr/>
           <a:lstStyle/>
           <a:p>
             <a:pPr/>
@@ -5080,16 +1573,12 @@
           </p:nvPr>
         </p:nvSpPr>
         <p:spPr>
-          <a:xfrm>
-            <a:off x="6311798" y="9245600"/>
-            <a:ext cx="368504" cy="381000"/>
-          </a:xfrm>
           <a:prstGeom prst="rect">
             <a:avLst/>
           </a:prstGeom>
         </p:spPr>
         <p:txBody>
-          <a:bodyPr anchor="t"/>
+          <a:bodyPr/>
           <a:lstStyle/>
           <a:p>
             <a:pPr/>
@@ -5128,13 +1617,13 @@
           <p:cNvPr id="65" name="Image"/>
           <p:cNvSpPr/>
           <p:nvPr>
-            <p:ph type="pic" sz="half" idx="13"/>
+            <p:ph type="pic" idx="13"/>
           </p:nvPr>
         </p:nvSpPr>
         <p:spPr>
           <a:xfrm>
-            <a:off x="6718300" y="2590800"/>
-            <a:ext cx="5334000" cy="6286500"/>
+            <a:off x="4086225" y="2586566"/>
+            <a:ext cx="9429750" cy="6286501"/>
           </a:xfrm>
           <a:prstGeom prst="rect">
             <a:avLst/>
@@ -5194,33 +1683,33 @@
         <p:txBody>
           <a:bodyPr/>
           <a:lstStyle>
-            <a:lvl1pPr marL="381000" indent="-381000">
+            <a:lvl1pPr marL="342900" indent="-342900">
               <a:spcBef>
-                <a:spcPts val="3800"/>
+                <a:spcPts val="3200"/>
               </a:spcBef>
               <a:defRPr sz="2800"/>
             </a:lvl1pPr>
-            <a:lvl2pPr marL="762000" indent="-381000">
+            <a:lvl2pPr marL="685800" indent="-342900">
               <a:spcBef>
-                <a:spcPts val="3800"/>
+                <a:spcPts val="3200"/>
               </a:spcBef>
               <a:defRPr sz="2800"/>
             </a:lvl2pPr>
-            <a:lvl3pPr marL="1143000" indent="-381000">
+            <a:lvl3pPr marL="1028700" indent="-342900">
               <a:spcBef>
-                <a:spcPts val="3800"/>
+                <a:spcPts val="3200"/>
               </a:spcBef>
               <a:defRPr sz="2800"/>
             </a:lvl3pPr>
-            <a:lvl4pPr marL="1524000" indent="-381000">
+            <a:lvl4pPr marL="1371600" indent="-342900">
               <a:spcBef>
-                <a:spcPts val="3800"/>
+                <a:spcPts val="3200"/>
               </a:spcBef>
               <a:defRPr sz="2800"/>
             </a:lvl4pPr>
-            <a:lvl5pPr marL="1905000" indent="-381000">
+            <a:lvl5pPr marL="1714500" indent="-342900">
               <a:spcBef>
-                <a:spcPts val="3800"/>
+                <a:spcPts val="3200"/>
               </a:spcBef>
               <a:defRPr sz="2800"/>
             </a:lvl5pPr>
@@ -5267,16 +1756,25 @@
         </p:nvSpPr>
         <p:spPr>
           <a:xfrm>
-            <a:off x="6311798" y="9245600"/>
-            <a:ext cx="368504" cy="381000"/>
+            <a:off x="6328884" y="9296400"/>
+            <a:ext cx="340259" cy="342900"/>
           </a:xfrm>
           <a:prstGeom prst="rect">
             <a:avLst/>
           </a:prstGeom>
         </p:spPr>
         <p:txBody>
-          <a:bodyPr anchor="t"/>
-          <a:lstStyle/>
+          <a:bodyPr/>
+          <a:lstStyle>
+            <a:lvl1pPr>
+              <a:defRPr>
+                <a:latin typeface="Helvetica Light"/>
+                <a:ea typeface="Helvetica Light"/>
+                <a:cs typeface="Helvetica Light"/>
+                <a:sym typeface="Helvetica Light"/>
+              </a:defRPr>
+            </a:lvl1pPr>
+          </a:lstStyle>
           <a:p>
             <a:pPr/>
             <a:fld id="{86CB4B4D-7CA3-9044-876B-883B54F8677D}" type="slidenum"/>
@@ -5370,16 +1868,12 @@
           </p:nvPr>
         </p:nvSpPr>
         <p:spPr>
-          <a:xfrm>
-            <a:off x="6311798" y="9245600"/>
-            <a:ext cx="368504" cy="381000"/>
-          </a:xfrm>
           <a:prstGeom prst="rect">
             <a:avLst/>
           </a:prstGeom>
         </p:spPr>
         <p:txBody>
-          <a:bodyPr anchor="t"/>
+          <a:bodyPr/>
           <a:lstStyle/>
           <a:p>
             <a:pPr/>
@@ -5423,8 +1917,8 @@
         </p:nvSpPr>
         <p:spPr>
           <a:xfrm>
-            <a:off x="6718300" y="5092700"/>
-            <a:ext cx="5334000" cy="3898900"/>
+            <a:off x="6680200" y="5029200"/>
+            <a:ext cx="6054748" cy="4038600"/>
           </a:xfrm>
           <a:prstGeom prst="rect">
             <a:avLst/>
@@ -5450,8 +1944,8 @@
         </p:nvSpPr>
         <p:spPr>
           <a:xfrm>
-            <a:off x="6718300" y="762000"/>
-            <a:ext cx="5334000" cy="3898900"/>
+            <a:off x="6502400" y="889000"/>
+            <a:ext cx="5867400" cy="3911601"/>
           </a:xfrm>
           <a:prstGeom prst="rect">
             <a:avLst/>
@@ -5472,13 +1966,13 @@
           <p:cNvPr id="85" name="Image"/>
           <p:cNvSpPr/>
           <p:nvPr>
-            <p:ph type="pic" sz="half" idx="15"/>
+            <p:ph type="pic" idx="15"/>
           </p:nvPr>
         </p:nvSpPr>
         <p:spPr>
           <a:xfrm>
-            <a:off x="952500" y="762884"/>
-            <a:ext cx="5334000" cy="8229601"/>
+            <a:off x="-2374900" y="889000"/>
+            <a:ext cx="11982450" cy="7988300"/>
           </a:xfrm>
           <a:prstGeom prst="rect">
             <a:avLst/>
@@ -5503,16 +1997,12 @@
           </p:nvPr>
         </p:nvSpPr>
         <p:spPr>
-          <a:xfrm>
-            <a:off x="6311798" y="9245600"/>
-            <a:ext cx="368504" cy="381000"/>
-          </a:xfrm>
           <a:prstGeom prst="rect">
             <a:avLst/>
           </a:prstGeom>
         </p:spPr>
         <p:txBody>
-          <a:bodyPr anchor="t"/>
+          <a:bodyPr/>
           <a:lstStyle/>
           <a:p>
             <a:pPr/>
@@ -5534,13 +2024,9 @@
   <p:cSld>
     <p:bg>
       <p:bgPr>
-        <a:blipFill rotWithShape="1">
-          <a:blip r:embed="rId2"/>
-          <a:srcRect l="0" t="0" r="0" b="0"/>
-          <a:stretch>
-            <a:fillRect/>
-          </a:stretch>
-        </a:blipFill>
+        <a:solidFill>
+          <a:srgbClr val="FFFFFF"/>
+        </a:solidFill>
       </p:bgPr>
     </p:bg>
     <p:spTree>
@@ -5567,8 +2053,8 @@
         </p:nvSpPr>
         <p:spPr>
           <a:xfrm>
-            <a:off x="952500" y="406400"/>
-            <a:ext cx="11099800" cy="2120900"/>
+            <a:off x="952500" y="254000"/>
+            <a:ext cx="11099800" cy="2159000"/>
           </a:xfrm>
           <a:prstGeom prst="rect">
             <a:avLst/>
@@ -5667,8 +2153,8 @@
         </p:nvSpPr>
         <p:spPr>
           <a:xfrm>
-            <a:off x="6311798" y="9245599"/>
-            <a:ext cx="368504" cy="381001"/>
+            <a:off x="6328884" y="9296400"/>
+            <a:ext cx="340259" cy="324306"/>
           </a:xfrm>
           <a:prstGeom prst="rect">
             <a:avLst/>
@@ -5678,12 +2164,17 @@
           </a:ln>
         </p:spPr>
         <p:txBody>
-          <a:bodyPr wrap="none" lIns="50800" tIns="50800" rIns="50800" bIns="50800" anchor="b">
+          <a:bodyPr wrap="none" lIns="50800" tIns="50800" rIns="50800" bIns="50800">
             <a:spAutoFit/>
           </a:bodyPr>
           <a:lstStyle>
             <a:lvl1pPr>
-              <a:defRPr sz="1800"/>
+              <a:defRPr b="0" sz="1600">
+                <a:latin typeface="Helvetica Neue Light"/>
+                <a:ea typeface="Helvetica Neue Light"/>
+                <a:cs typeface="Helvetica Neue Light"/>
+                <a:sym typeface="Helvetica Neue Light"/>
+              </a:defRPr>
             </a:lvl1pPr>
           </a:lstStyle>
           <a:p>
@@ -5694,20 +2185,20 @@
       </p:sp>
     </p:spTree>
   </p:cSld>
-  <p:clrMap bg1="dk1" tx1="lt1" bg2="dk2" tx2="lt2" accent1="accent1" accent2="accent2" accent3="accent3" accent4="accent4" accent5="accent5" accent6="accent6" hlink="hlink" folHlink="folHlink"/>
+  <p:clrMap bg1="lt1" tx1="dk1" bg2="lt2" tx2="dk2" accent1="accent1" accent2="accent2" accent3="accent3" accent4="accent4" accent5="accent5" accent6="accent6" hlink="hlink" folHlink="folHlink"/>
   <p:sldLayoutIdLst>
-    <p:sldLayoutId id="2147483649" r:id="rId3"/>
-    <p:sldLayoutId id="2147483650" r:id="rId4"/>
-    <p:sldLayoutId id="2147483651" r:id="rId5"/>
-    <p:sldLayoutId id="2147483652" r:id="rId6"/>
-    <p:sldLayoutId id="2147483653" r:id="rId7"/>
-    <p:sldLayoutId id="2147483654" r:id="rId8"/>
-    <p:sldLayoutId id="2147483655" r:id="rId9"/>
-    <p:sldLayoutId id="2147483656" r:id="rId10"/>
-    <p:sldLayoutId id="2147483657" r:id="rId11"/>
-    <p:sldLayoutId id="2147483658" r:id="rId12"/>
-    <p:sldLayoutId id="2147483659" r:id="rId13"/>
-    <p:sldLayoutId id="2147483660" r:id="rId14"/>
+    <p:sldLayoutId id="2147483649" r:id="rId2"/>
+    <p:sldLayoutId id="2147483650" r:id="rId3"/>
+    <p:sldLayoutId id="2147483651" r:id="rId4"/>
+    <p:sldLayoutId id="2147483652" r:id="rId5"/>
+    <p:sldLayoutId id="2147483653" r:id="rId6"/>
+    <p:sldLayoutId id="2147483654" r:id="rId7"/>
+    <p:sldLayoutId id="2147483655" r:id="rId8"/>
+    <p:sldLayoutId id="2147483656" r:id="rId9"/>
+    <p:sldLayoutId id="2147483657" r:id="rId10"/>
+    <p:sldLayoutId id="2147483658" r:id="rId11"/>
+    <p:sldLayoutId id="2147483659" r:id="rId12"/>
+    <p:sldLayoutId id="2147483660" r:id="rId13"/>
   </p:sldLayoutIdLst>
   <p:transition xmlns:p14="http://schemas.microsoft.com/office/powerpoint/2010/main" spd="med" advClick="1"/>
   <p:txStyles>
@@ -5728,17 +2219,14 @@
         <a:buNone/>
         <a:tabLst/>
         <a:defRPr b="0" baseline="0" cap="none" i="0" spc="0" strike="noStrike" sz="8000" u="none">
-          <a:ln>
-            <a:noFill/>
-          </a:ln>
           <a:solidFill>
-            <a:srgbClr val="FFFFFF"/>
+            <a:srgbClr val="000000"/>
           </a:solidFill>
           <a:uFillTx/>
           <a:latin typeface="+mn-lt"/>
           <a:ea typeface="+mn-ea"/>
           <a:cs typeface="+mn-cs"/>
-          <a:sym typeface="Helvetica Light"/>
+          <a:sym typeface="Helvetica Neue Medium"/>
         </a:defRPr>
       </a:lvl1pPr>
       <a:lvl2pPr marL="0" marR="0" indent="0" algn="ctr" defTabSz="584200" rtl="0" latinLnBrk="0">
@@ -5757,17 +2245,14 @@
         <a:buNone/>
         <a:tabLst/>
         <a:defRPr b="0" baseline="0" cap="none" i="0" spc="0" strike="noStrike" sz="8000" u="none">
-          <a:ln>
-            <a:noFill/>
-          </a:ln>
           <a:solidFill>
-            <a:srgbClr val="FFFFFF"/>
+            <a:srgbClr val="000000"/>
           </a:solidFill>
           <a:uFillTx/>
           <a:latin typeface="+mn-lt"/>
           <a:ea typeface="+mn-ea"/>
           <a:cs typeface="+mn-cs"/>
-          <a:sym typeface="Helvetica Light"/>
+          <a:sym typeface="Helvetica Neue Medium"/>
         </a:defRPr>
       </a:lvl2pPr>
       <a:lvl3pPr marL="0" marR="0" indent="0" algn="ctr" defTabSz="584200" rtl="0" latinLnBrk="0">
@@ -5786,17 +2271,14 @@
         <a:buNone/>
         <a:tabLst/>
         <a:defRPr b="0" baseline="0" cap="none" i="0" spc="0" strike="noStrike" sz="8000" u="none">
-          <a:ln>
-            <a:noFill/>
-          </a:ln>
           <a:solidFill>
-            <a:srgbClr val="FFFFFF"/>
+            <a:srgbClr val="000000"/>
           </a:solidFill>
           <a:uFillTx/>
           <a:latin typeface="+mn-lt"/>
           <a:ea typeface="+mn-ea"/>
           <a:cs typeface="+mn-cs"/>
-          <a:sym typeface="Helvetica Light"/>
+          <a:sym typeface="Helvetica Neue Medium"/>
         </a:defRPr>
       </a:lvl3pPr>
       <a:lvl4pPr marL="0" marR="0" indent="0" algn="ctr" defTabSz="584200" rtl="0" latinLnBrk="0">
@@ -5815,17 +2297,14 @@
         <a:buNone/>
         <a:tabLst/>
         <a:defRPr b="0" baseline="0" cap="none" i="0" spc="0" strike="noStrike" sz="8000" u="none">
-          <a:ln>
-            <a:noFill/>
-          </a:ln>
           <a:solidFill>
-            <a:srgbClr val="FFFFFF"/>
+            <a:srgbClr val="000000"/>
           </a:solidFill>
           <a:uFillTx/>
           <a:latin typeface="+mn-lt"/>
           <a:ea typeface="+mn-ea"/>
           <a:cs typeface="+mn-cs"/>
-          <a:sym typeface="Helvetica Light"/>
+          <a:sym typeface="Helvetica Neue Medium"/>
         </a:defRPr>
       </a:lvl4pPr>
       <a:lvl5pPr marL="0" marR="0" indent="0" algn="ctr" defTabSz="584200" rtl="0" latinLnBrk="0">
@@ -5844,17 +2323,14 @@
         <a:buNone/>
         <a:tabLst/>
         <a:defRPr b="0" baseline="0" cap="none" i="0" spc="0" strike="noStrike" sz="8000" u="none">
-          <a:ln>
-            <a:noFill/>
-          </a:ln>
           <a:solidFill>
-            <a:srgbClr val="FFFFFF"/>
+            <a:srgbClr val="000000"/>
           </a:solidFill>
           <a:uFillTx/>
           <a:latin typeface="+mn-lt"/>
           <a:ea typeface="+mn-ea"/>
           <a:cs typeface="+mn-cs"/>
-          <a:sym typeface="Helvetica Light"/>
+          <a:sym typeface="Helvetica Neue Medium"/>
         </a:defRPr>
       </a:lvl5pPr>
       <a:lvl6pPr marL="0" marR="0" indent="0" algn="ctr" defTabSz="584200" rtl="0" latinLnBrk="0">
@@ -5873,17 +2349,14 @@
         <a:buNone/>
         <a:tabLst/>
         <a:defRPr b="0" baseline="0" cap="none" i="0" spc="0" strike="noStrike" sz="8000" u="none">
-          <a:ln>
-            <a:noFill/>
-          </a:ln>
           <a:solidFill>
-            <a:srgbClr val="FFFFFF"/>
+            <a:srgbClr val="000000"/>
           </a:solidFill>
           <a:uFillTx/>
           <a:latin typeface="+mn-lt"/>
           <a:ea typeface="+mn-ea"/>
           <a:cs typeface="+mn-cs"/>
-          <a:sym typeface="Helvetica Light"/>
+          <a:sym typeface="Helvetica Neue Medium"/>
         </a:defRPr>
       </a:lvl6pPr>
       <a:lvl7pPr marL="0" marR="0" indent="0" algn="ctr" defTabSz="584200" rtl="0" latinLnBrk="0">
@@ -5902,17 +2375,14 @@
         <a:buNone/>
         <a:tabLst/>
         <a:defRPr b="0" baseline="0" cap="none" i="0" spc="0" strike="noStrike" sz="8000" u="none">
-          <a:ln>
-            <a:noFill/>
-          </a:ln>
           <a:solidFill>
-            <a:srgbClr val="FFFFFF"/>
+            <a:srgbClr val="000000"/>
           </a:solidFill>
           <a:uFillTx/>
           <a:latin typeface="+mn-lt"/>
           <a:ea typeface="+mn-ea"/>
           <a:cs typeface="+mn-cs"/>
-          <a:sym typeface="Helvetica Light"/>
+          <a:sym typeface="Helvetica Neue Medium"/>
         </a:defRPr>
       </a:lvl7pPr>
       <a:lvl8pPr marL="0" marR="0" indent="0" algn="ctr" defTabSz="584200" rtl="0" latinLnBrk="0">
@@ -5931,17 +2401,14 @@
         <a:buNone/>
         <a:tabLst/>
         <a:defRPr b="0" baseline="0" cap="none" i="0" spc="0" strike="noStrike" sz="8000" u="none">
-          <a:ln>
-            <a:noFill/>
-          </a:ln>
           <a:solidFill>
-            <a:srgbClr val="FFFFFF"/>
+            <a:srgbClr val="000000"/>
           </a:solidFill>
           <a:uFillTx/>
           <a:latin typeface="+mn-lt"/>
           <a:ea typeface="+mn-ea"/>
           <a:cs typeface="+mn-cs"/>
-          <a:sym typeface="Helvetica Light"/>
+          <a:sym typeface="Helvetica Neue Medium"/>
         </a:defRPr>
       </a:lvl8pPr>
       <a:lvl9pPr marL="0" marR="0" indent="0" algn="ctr" defTabSz="584200" rtl="0" latinLnBrk="0">
@@ -5960,22 +2427,19 @@
         <a:buNone/>
         <a:tabLst/>
         <a:defRPr b="0" baseline="0" cap="none" i="0" spc="0" strike="noStrike" sz="8000" u="none">
-          <a:ln>
-            <a:noFill/>
-          </a:ln>
           <a:solidFill>
-            <a:srgbClr val="FFFFFF"/>
+            <a:srgbClr val="000000"/>
           </a:solidFill>
           <a:uFillTx/>
           <a:latin typeface="+mn-lt"/>
           <a:ea typeface="+mn-ea"/>
           <a:cs typeface="+mn-cs"/>
-          <a:sym typeface="Helvetica Light"/>
+          <a:sym typeface="Helvetica Neue Medium"/>
         </a:defRPr>
       </a:lvl9pPr>
     </p:titleStyle>
     <p:bodyStyle>
-      <a:lvl1pPr marL="457200" marR="0" indent="-457200" algn="l" defTabSz="584200" rtl="0" latinLnBrk="0">
+      <a:lvl1pPr marL="444500" marR="0" indent="-444500" algn="l" defTabSz="584200" rtl="0" latinLnBrk="0">
         <a:lnSpc>
           <a:spcPct val="100000"/>
         </a:lnSpc>
@@ -5986,25 +2450,22 @@
           <a:spcPts val="0"/>
         </a:spcAft>
         <a:buClrTx/>
-        <a:buSzPct val="75000"/>
+        <a:buSzPct val="145000"/>
         <a:buFontTx/>
         <a:buChar char="•"/>
         <a:tabLst/>
-        <a:defRPr b="0" baseline="0" cap="none" i="0" spc="0" strike="noStrike" sz="3800" u="none">
-          <a:ln>
-            <a:noFill/>
-          </a:ln>
+        <a:defRPr b="0" baseline="0" cap="none" i="0" spc="0" strike="noStrike" sz="3200" u="none">
           <a:solidFill>
-            <a:srgbClr val="FFFFFF"/>
+            <a:srgbClr val="000000"/>
           </a:solidFill>
           <a:uFillTx/>
-          <a:latin typeface="+mn-lt"/>
-          <a:ea typeface="+mn-ea"/>
-          <a:cs typeface="+mn-cs"/>
-          <a:sym typeface="Helvetica Light"/>
+          <a:latin typeface="Helvetica Neue"/>
+          <a:ea typeface="Helvetica Neue"/>
+          <a:cs typeface="Helvetica Neue"/>
+          <a:sym typeface="Helvetica Neue"/>
         </a:defRPr>
       </a:lvl1pPr>
-      <a:lvl2pPr marL="914400" marR="0" indent="-457200" algn="l" defTabSz="584200" rtl="0" latinLnBrk="0">
+      <a:lvl2pPr marL="889000" marR="0" indent="-444500" algn="l" defTabSz="584200" rtl="0" latinLnBrk="0">
         <a:lnSpc>
           <a:spcPct val="100000"/>
         </a:lnSpc>
@@ -6015,25 +2476,22 @@
           <a:spcPts val="0"/>
         </a:spcAft>
         <a:buClrTx/>
-        <a:buSzPct val="75000"/>
+        <a:buSzPct val="145000"/>
         <a:buFontTx/>
         <a:buChar char="•"/>
         <a:tabLst/>
-        <a:defRPr b="0" baseline="0" cap="none" i="0" spc="0" strike="noStrike" sz="3800" u="none">
-          <a:ln>
-            <a:noFill/>
-          </a:ln>
+        <a:defRPr b="0" baseline="0" cap="none" i="0" spc="0" strike="noStrike" sz="3200" u="none">
           <a:solidFill>
-            <a:srgbClr val="FFFFFF"/>
+            <a:srgbClr val="000000"/>
           </a:solidFill>
           <a:uFillTx/>
-          <a:latin typeface="+mn-lt"/>
-          <a:ea typeface="+mn-ea"/>
-          <a:cs typeface="+mn-cs"/>
-          <a:sym typeface="Helvetica Light"/>
+          <a:latin typeface="Helvetica Neue"/>
+          <a:ea typeface="Helvetica Neue"/>
+          <a:cs typeface="Helvetica Neue"/>
+          <a:sym typeface="Helvetica Neue"/>
         </a:defRPr>
       </a:lvl2pPr>
-      <a:lvl3pPr marL="1371600" marR="0" indent="-457200" algn="l" defTabSz="584200" rtl="0" latinLnBrk="0">
+      <a:lvl3pPr marL="1333500" marR="0" indent="-444500" algn="l" defTabSz="584200" rtl="0" latinLnBrk="0">
         <a:lnSpc>
           <a:spcPct val="100000"/>
         </a:lnSpc>
@@ -6044,25 +2502,22 @@
           <a:spcPts val="0"/>
         </a:spcAft>
         <a:buClrTx/>
-        <a:buSzPct val="75000"/>
+        <a:buSzPct val="145000"/>
         <a:buFontTx/>
         <a:buChar char="•"/>
         <a:tabLst/>
-        <a:defRPr b="0" baseline="0" cap="none" i="0" spc="0" strike="noStrike" sz="3800" u="none">
-          <a:ln>
-            <a:noFill/>
-          </a:ln>
+        <a:defRPr b="0" baseline="0" cap="none" i="0" spc="0" strike="noStrike" sz="3200" u="none">
           <a:solidFill>
-            <a:srgbClr val="FFFFFF"/>
+            <a:srgbClr val="000000"/>
           </a:solidFill>
           <a:uFillTx/>
-          <a:latin typeface="+mn-lt"/>
-          <a:ea typeface="+mn-ea"/>
-          <a:cs typeface="+mn-cs"/>
-          <a:sym typeface="Helvetica Light"/>
+          <a:latin typeface="Helvetica Neue"/>
+          <a:ea typeface="Helvetica Neue"/>
+          <a:cs typeface="Helvetica Neue"/>
+          <a:sym typeface="Helvetica Neue"/>
         </a:defRPr>
       </a:lvl3pPr>
-      <a:lvl4pPr marL="1828800" marR="0" indent="-457200" algn="l" defTabSz="584200" rtl="0" latinLnBrk="0">
+      <a:lvl4pPr marL="1778000" marR="0" indent="-444500" algn="l" defTabSz="584200" rtl="0" latinLnBrk="0">
         <a:lnSpc>
           <a:spcPct val="100000"/>
         </a:lnSpc>
@@ -6073,25 +2528,22 @@
           <a:spcPts val="0"/>
         </a:spcAft>
         <a:buClrTx/>
-        <a:buSzPct val="75000"/>
+        <a:buSzPct val="145000"/>
         <a:buFontTx/>
         <a:buChar char="•"/>
         <a:tabLst/>
-        <a:defRPr b="0" baseline="0" cap="none" i="0" spc="0" strike="noStrike" sz="3800" u="none">
-          <a:ln>
-            <a:noFill/>
-          </a:ln>
+        <a:defRPr b="0" baseline="0" cap="none" i="0" spc="0" strike="noStrike" sz="3200" u="none">
           <a:solidFill>
-            <a:srgbClr val="FFFFFF"/>
+            <a:srgbClr val="000000"/>
           </a:solidFill>
           <a:uFillTx/>
-          <a:latin typeface="+mn-lt"/>
-          <a:ea typeface="+mn-ea"/>
-          <a:cs typeface="+mn-cs"/>
-          <a:sym typeface="Helvetica Light"/>
+          <a:latin typeface="Helvetica Neue"/>
+          <a:ea typeface="Helvetica Neue"/>
+          <a:cs typeface="Helvetica Neue"/>
+          <a:sym typeface="Helvetica Neue"/>
         </a:defRPr>
       </a:lvl4pPr>
-      <a:lvl5pPr marL="2286000" marR="0" indent="-457200" algn="l" defTabSz="584200" rtl="0" latinLnBrk="0">
+      <a:lvl5pPr marL="2222500" marR="0" indent="-444500" algn="l" defTabSz="584200" rtl="0" latinLnBrk="0">
         <a:lnSpc>
           <a:spcPct val="100000"/>
         </a:lnSpc>
@@ -6102,25 +2554,22 @@
           <a:spcPts val="0"/>
         </a:spcAft>
         <a:buClrTx/>
-        <a:buSzPct val="75000"/>
+        <a:buSzPct val="145000"/>
         <a:buFontTx/>
         <a:buChar char="•"/>
         <a:tabLst/>
-        <a:defRPr b="0" baseline="0" cap="none" i="0" spc="0" strike="noStrike" sz="3800" u="none">
-          <a:ln>
-            <a:noFill/>
-          </a:ln>
+        <a:defRPr b="0" baseline="0" cap="none" i="0" spc="0" strike="noStrike" sz="3200" u="none">
           <a:solidFill>
-            <a:srgbClr val="FFFFFF"/>
+            <a:srgbClr val="000000"/>
           </a:solidFill>
           <a:uFillTx/>
-          <a:latin typeface="+mn-lt"/>
-          <a:ea typeface="+mn-ea"/>
-          <a:cs typeface="+mn-cs"/>
-          <a:sym typeface="Helvetica Light"/>
+          <a:latin typeface="Helvetica Neue"/>
+          <a:ea typeface="Helvetica Neue"/>
+          <a:cs typeface="Helvetica Neue"/>
+          <a:sym typeface="Helvetica Neue"/>
         </a:defRPr>
       </a:lvl5pPr>
-      <a:lvl6pPr marL="2743200" marR="0" indent="-457200" algn="l" defTabSz="584200" rtl="0" latinLnBrk="0">
+      <a:lvl6pPr marL="2667000" marR="0" indent="-444500" algn="l" defTabSz="584200" rtl="0" latinLnBrk="0">
         <a:lnSpc>
           <a:spcPct val="100000"/>
         </a:lnSpc>
@@ -6131,25 +2580,22 @@
           <a:spcPts val="0"/>
         </a:spcAft>
         <a:buClrTx/>
-        <a:buSzPct val="75000"/>
+        <a:buSzPct val="145000"/>
         <a:buFontTx/>
         <a:buChar char="•"/>
         <a:tabLst/>
-        <a:defRPr b="0" baseline="0" cap="none" i="0" spc="0" strike="noStrike" sz="3800" u="none">
-          <a:ln>
-            <a:noFill/>
-          </a:ln>
+        <a:defRPr b="0" baseline="0" cap="none" i="0" spc="0" strike="noStrike" sz="3200" u="none">
           <a:solidFill>
-            <a:srgbClr val="FFFFFF"/>
+            <a:srgbClr val="000000"/>
           </a:solidFill>
           <a:uFillTx/>
-          <a:latin typeface="+mn-lt"/>
-          <a:ea typeface="+mn-ea"/>
-          <a:cs typeface="+mn-cs"/>
-          <a:sym typeface="Helvetica Light"/>
+          <a:latin typeface="Helvetica Neue"/>
+          <a:ea typeface="Helvetica Neue"/>
+          <a:cs typeface="Helvetica Neue"/>
+          <a:sym typeface="Helvetica Neue"/>
         </a:defRPr>
       </a:lvl6pPr>
-      <a:lvl7pPr marL="3200400" marR="0" indent="-457200" algn="l" defTabSz="584200" rtl="0" latinLnBrk="0">
+      <a:lvl7pPr marL="3111500" marR="0" indent="-444500" algn="l" defTabSz="584200" rtl="0" latinLnBrk="0">
         <a:lnSpc>
           <a:spcPct val="100000"/>
         </a:lnSpc>
@@ -6160,25 +2606,22 @@
           <a:spcPts val="0"/>
         </a:spcAft>
         <a:buClrTx/>
-        <a:buSzPct val="75000"/>
+        <a:buSzPct val="145000"/>
         <a:buFontTx/>
         <a:buChar char="•"/>
         <a:tabLst/>
-        <a:defRPr b="0" baseline="0" cap="none" i="0" spc="0" strike="noStrike" sz="3800" u="none">
-          <a:ln>
-            <a:noFill/>
-          </a:ln>
+        <a:defRPr b="0" baseline="0" cap="none" i="0" spc="0" strike="noStrike" sz="3200" u="none">
           <a:solidFill>
-            <a:srgbClr val="FFFFFF"/>
+            <a:srgbClr val="000000"/>
           </a:solidFill>
           <a:uFillTx/>
-          <a:latin typeface="+mn-lt"/>
-          <a:ea typeface="+mn-ea"/>
-          <a:cs typeface="+mn-cs"/>
-          <a:sym typeface="Helvetica Light"/>
+          <a:latin typeface="Helvetica Neue"/>
+          <a:ea typeface="Helvetica Neue"/>
+          <a:cs typeface="Helvetica Neue"/>
+          <a:sym typeface="Helvetica Neue"/>
         </a:defRPr>
       </a:lvl7pPr>
-      <a:lvl8pPr marL="3657600" marR="0" indent="-457200" algn="l" defTabSz="584200" rtl="0" latinLnBrk="0">
+      <a:lvl8pPr marL="3556000" marR="0" indent="-444500" algn="l" defTabSz="584200" rtl="0" latinLnBrk="0">
         <a:lnSpc>
           <a:spcPct val="100000"/>
         </a:lnSpc>
@@ -6189,25 +2632,22 @@
           <a:spcPts val="0"/>
         </a:spcAft>
         <a:buClrTx/>
-        <a:buSzPct val="75000"/>
+        <a:buSzPct val="145000"/>
         <a:buFontTx/>
         <a:buChar char="•"/>
         <a:tabLst/>
-        <a:defRPr b="0" baseline="0" cap="none" i="0" spc="0" strike="noStrike" sz="3800" u="none">
-          <a:ln>
-            <a:noFill/>
-          </a:ln>
+        <a:defRPr b="0" baseline="0" cap="none" i="0" spc="0" strike="noStrike" sz="3200" u="none">
           <a:solidFill>
-            <a:srgbClr val="FFFFFF"/>
+            <a:srgbClr val="000000"/>
           </a:solidFill>
           <a:uFillTx/>
-          <a:latin typeface="+mn-lt"/>
-          <a:ea typeface="+mn-ea"/>
-          <a:cs typeface="+mn-cs"/>
-          <a:sym typeface="Helvetica Light"/>
+          <a:latin typeface="Helvetica Neue"/>
+          <a:ea typeface="Helvetica Neue"/>
+          <a:cs typeface="Helvetica Neue"/>
+          <a:sym typeface="Helvetica Neue"/>
         </a:defRPr>
       </a:lvl8pPr>
-      <a:lvl9pPr marL="4114800" marR="0" indent="-457200" algn="l" defTabSz="584200" rtl="0" latinLnBrk="0">
+      <a:lvl9pPr marL="4000500" marR="0" indent="-444500" algn="l" defTabSz="584200" rtl="0" latinLnBrk="0">
         <a:lnSpc>
           <a:spcPct val="100000"/>
         </a:lnSpc>
@@ -6218,22 +2658,19 @@
           <a:spcPts val="0"/>
         </a:spcAft>
         <a:buClrTx/>
-        <a:buSzPct val="75000"/>
+        <a:buSzPct val="145000"/>
         <a:buFontTx/>
         <a:buChar char="•"/>
         <a:tabLst/>
-        <a:defRPr b="0" baseline="0" cap="none" i="0" spc="0" strike="noStrike" sz="3800" u="none">
-          <a:ln>
-            <a:noFill/>
-          </a:ln>
+        <a:defRPr b="0" baseline="0" cap="none" i="0" spc="0" strike="noStrike" sz="3200" u="none">
           <a:solidFill>
-            <a:srgbClr val="FFFFFF"/>
+            <a:srgbClr val="000000"/>
           </a:solidFill>
           <a:uFillTx/>
-          <a:latin typeface="+mn-lt"/>
-          <a:ea typeface="+mn-ea"/>
-          <a:cs typeface="+mn-cs"/>
-          <a:sym typeface="Helvetica Light"/>
+          <a:latin typeface="Helvetica Neue"/>
+          <a:ea typeface="Helvetica Neue"/>
+          <a:cs typeface="Helvetica Neue"/>
+          <a:sym typeface="Helvetica Neue"/>
         </a:defRPr>
       </a:lvl9pPr>
     </p:bodyStyle>
@@ -6253,10 +2690,7 @@
         <a:buFontTx/>
         <a:buNone/>
         <a:tabLst/>
-        <a:defRPr b="0" baseline="0" cap="none" i="0" spc="0" strike="noStrike" sz="1800" u="none">
-          <a:ln>
-            <a:noFill/>
-          </a:ln>
+        <a:defRPr b="0" baseline="0" cap="none" i="0" spc="0" strike="noStrike" sz="1600" u="none">
           <a:solidFill>
             <a:schemeClr val="tx1"/>
           </a:solidFill>
@@ -6264,7 +2698,7 @@
           <a:latin typeface="+mn-lt"/>
           <a:ea typeface="+mn-ea"/>
           <a:cs typeface="+mn-cs"/>
-          <a:sym typeface="Helvetica Light"/>
+          <a:sym typeface="Helvetica Neue Light"/>
         </a:defRPr>
       </a:lvl1pPr>
       <a:lvl2pPr marL="0" marR="0" indent="228600" algn="ctr" defTabSz="584200" latinLnBrk="0">
@@ -6282,10 +2716,7 @@
         <a:buFontTx/>
         <a:buNone/>
         <a:tabLst/>
-        <a:defRPr b="0" baseline="0" cap="none" i="0" spc="0" strike="noStrike" sz="1800" u="none">
-          <a:ln>
-            <a:noFill/>
-          </a:ln>
+        <a:defRPr b="0" baseline="0" cap="none" i="0" spc="0" strike="noStrike" sz="1600" u="none">
           <a:solidFill>
             <a:schemeClr val="tx1"/>
           </a:solidFill>
@@ -6293,7 +2724,7 @@
           <a:latin typeface="+mn-lt"/>
           <a:ea typeface="+mn-ea"/>
           <a:cs typeface="+mn-cs"/>
-          <a:sym typeface="Helvetica Light"/>
+          <a:sym typeface="Helvetica Neue Light"/>
         </a:defRPr>
       </a:lvl2pPr>
       <a:lvl3pPr marL="0" marR="0" indent="457200" algn="ctr" defTabSz="584200" latinLnBrk="0">
@@ -6311,10 +2742,7 @@
         <a:buFontTx/>
         <a:buNone/>
         <a:tabLst/>
-        <a:defRPr b="0" baseline="0" cap="none" i="0" spc="0" strike="noStrike" sz="1800" u="none">
-          <a:ln>
-            <a:noFill/>
-          </a:ln>
+        <a:defRPr b="0" baseline="0" cap="none" i="0" spc="0" strike="noStrike" sz="1600" u="none">
           <a:solidFill>
             <a:schemeClr val="tx1"/>
           </a:solidFill>
@@ -6322,7 +2750,7 @@
           <a:latin typeface="+mn-lt"/>
           <a:ea typeface="+mn-ea"/>
           <a:cs typeface="+mn-cs"/>
-          <a:sym typeface="Helvetica Light"/>
+          <a:sym typeface="Helvetica Neue Light"/>
         </a:defRPr>
       </a:lvl3pPr>
       <a:lvl4pPr marL="0" marR="0" indent="685800" algn="ctr" defTabSz="584200" latinLnBrk="0">
@@ -6340,10 +2768,7 @@
         <a:buFontTx/>
         <a:buNone/>
         <a:tabLst/>
-        <a:defRPr b="0" baseline="0" cap="none" i="0" spc="0" strike="noStrike" sz="1800" u="none">
-          <a:ln>
-            <a:noFill/>
-          </a:ln>
+        <a:defRPr b="0" baseline="0" cap="none" i="0" spc="0" strike="noStrike" sz="1600" u="none">
           <a:solidFill>
             <a:schemeClr val="tx1"/>
           </a:solidFill>
@@ -6351,7 +2776,7 @@
           <a:latin typeface="+mn-lt"/>
           <a:ea typeface="+mn-ea"/>
           <a:cs typeface="+mn-cs"/>
-          <a:sym typeface="Helvetica Light"/>
+          <a:sym typeface="Helvetica Neue Light"/>
         </a:defRPr>
       </a:lvl4pPr>
       <a:lvl5pPr marL="0" marR="0" indent="914400" algn="ctr" defTabSz="584200" latinLnBrk="0">
@@ -6369,10 +2794,7 @@
         <a:buFontTx/>
         <a:buNone/>
         <a:tabLst/>
-        <a:defRPr b="0" baseline="0" cap="none" i="0" spc="0" strike="noStrike" sz="1800" u="none">
-          <a:ln>
-            <a:noFill/>
-          </a:ln>
+        <a:defRPr b="0" baseline="0" cap="none" i="0" spc="0" strike="noStrike" sz="1600" u="none">
           <a:solidFill>
             <a:schemeClr val="tx1"/>
           </a:solidFill>
@@ -6380,7 +2802,7 @@
           <a:latin typeface="+mn-lt"/>
           <a:ea typeface="+mn-ea"/>
           <a:cs typeface="+mn-cs"/>
-          <a:sym typeface="Helvetica Light"/>
+          <a:sym typeface="Helvetica Neue Light"/>
         </a:defRPr>
       </a:lvl5pPr>
       <a:lvl6pPr marL="0" marR="0" indent="1143000" algn="ctr" defTabSz="584200" latinLnBrk="0">
@@ -6398,10 +2820,7 @@
         <a:buFontTx/>
         <a:buNone/>
         <a:tabLst/>
-        <a:defRPr b="0" baseline="0" cap="none" i="0" spc="0" strike="noStrike" sz="1800" u="none">
-          <a:ln>
-            <a:noFill/>
-          </a:ln>
+        <a:defRPr b="0" baseline="0" cap="none" i="0" spc="0" strike="noStrike" sz="1600" u="none">
           <a:solidFill>
             <a:schemeClr val="tx1"/>
           </a:solidFill>
@@ -6409,7 +2828,7 @@
           <a:latin typeface="+mn-lt"/>
           <a:ea typeface="+mn-ea"/>
           <a:cs typeface="+mn-cs"/>
-          <a:sym typeface="Helvetica Light"/>
+          <a:sym typeface="Helvetica Neue Light"/>
         </a:defRPr>
       </a:lvl6pPr>
       <a:lvl7pPr marL="0" marR="0" indent="1371600" algn="ctr" defTabSz="584200" latinLnBrk="0">
@@ -6427,10 +2846,7 @@
         <a:buFontTx/>
         <a:buNone/>
         <a:tabLst/>
-        <a:defRPr b="0" baseline="0" cap="none" i="0" spc="0" strike="noStrike" sz="1800" u="none">
-          <a:ln>
-            <a:noFill/>
-          </a:ln>
+        <a:defRPr b="0" baseline="0" cap="none" i="0" spc="0" strike="noStrike" sz="1600" u="none">
           <a:solidFill>
             <a:schemeClr val="tx1"/>
           </a:solidFill>
@@ -6438,7 +2854,7 @@
           <a:latin typeface="+mn-lt"/>
           <a:ea typeface="+mn-ea"/>
           <a:cs typeface="+mn-cs"/>
-          <a:sym typeface="Helvetica Light"/>
+          <a:sym typeface="Helvetica Neue Light"/>
         </a:defRPr>
       </a:lvl7pPr>
       <a:lvl8pPr marL="0" marR="0" indent="1600200" algn="ctr" defTabSz="584200" latinLnBrk="0">
@@ -6456,10 +2872,7 @@
         <a:buFontTx/>
         <a:buNone/>
         <a:tabLst/>
-        <a:defRPr b="0" baseline="0" cap="none" i="0" spc="0" strike="noStrike" sz="1800" u="none">
-          <a:ln>
-            <a:noFill/>
-          </a:ln>
+        <a:defRPr b="0" baseline="0" cap="none" i="0" spc="0" strike="noStrike" sz="1600" u="none">
           <a:solidFill>
             <a:schemeClr val="tx1"/>
           </a:solidFill>
@@ -6467,7 +2880,7 @@
           <a:latin typeface="+mn-lt"/>
           <a:ea typeface="+mn-ea"/>
           <a:cs typeface="+mn-cs"/>
-          <a:sym typeface="Helvetica Light"/>
+          <a:sym typeface="Helvetica Neue Light"/>
         </a:defRPr>
       </a:lvl8pPr>
       <a:lvl9pPr marL="0" marR="0" indent="1828800" algn="ctr" defTabSz="584200" latinLnBrk="0">
@@ -6485,10 +2898,7 @@
         <a:buFontTx/>
         <a:buNone/>
         <a:tabLst/>
-        <a:defRPr b="0" baseline="0" cap="none" i="0" spc="0" strike="noStrike" sz="1800" u="none">
-          <a:ln>
-            <a:noFill/>
-          </a:ln>
+        <a:defRPr b="0" baseline="0" cap="none" i="0" spc="0" strike="noStrike" sz="1600" u="none">
           <a:solidFill>
             <a:schemeClr val="tx1"/>
           </a:solidFill>
@@ -6496,7 +2906,7 @@
           <a:latin typeface="+mn-lt"/>
           <a:ea typeface="+mn-ea"/>
           <a:cs typeface="+mn-cs"/>
-          <a:sym typeface="Helvetica Light"/>
+          <a:sym typeface="Helvetica Neue Light"/>
         </a:defRPr>
       </a:lvl9pPr>
     </p:otherStyle>
@@ -6507,6 +2917,15 @@
 <file path=ppt/slides/slide1.xml><?xml version="1.0" encoding="utf-8"?>
 <p:sld xmlns:a="http://schemas.openxmlformats.org/drawingml/2006/main" xmlns:r="http://schemas.openxmlformats.org/officeDocument/2006/relationships" xmlns:p="http://schemas.openxmlformats.org/presentationml/2006/main" xmlns:m="http://schemas.openxmlformats.org/officeDocument/2006/math" xmlns:a14="http://schemas.microsoft.com/office/drawing/2010/main" showMasterSp="1" showMasterPhAnim="1">
   <p:cSld>
+    <p:bg>
+      <p:bgPr>
+        <a:blipFill rotWithShape="1">
+          <a:blip r:embed="rId2"/>
+          <a:srcRect l="0" t="0" r="0" b="0"/>
+          <a:tile tx="0" ty="0" sx="100000" sy="100000" flip="none" algn="tl"/>
+        </a:blipFill>
+      </p:bgPr>
+    </p:bg>
     <p:spTree>
       <p:nvGrpSpPr>
         <p:cNvPr id="1" name=""/>
@@ -6523,24 +2942,96 @@
       </p:grpSpPr>
       <p:sp>
         <p:nvSpPr>
-          <p:cNvPr id="119" name="Mean-Based Aggregator"/>
+          <p:cNvPr id="119" name="GraphSAGE"/>
           <p:cNvSpPr txBox="1"/>
           <p:nvPr>
-            <p:ph type="title"/>
+            <p:ph type="ctrTitle"/>
           </p:nvPr>
         </p:nvSpPr>
         <p:spPr>
           <a:prstGeom prst="rect">
             <a:avLst/>
           </a:prstGeom>
+          <a:solidFill>
+            <a:srgbClr val="FFFFFF"/>
+          </a:solidFill>
+          <a:ln w="50800">
+            <a:solidFill>
+              <a:srgbClr val="000000"/>
+            </a:solidFill>
+          </a:ln>
+          <a:effectLst>
+            <a:outerShdw sx="100000" sy="100000" kx="0" ky="0" algn="b" rotWithShape="0" blurRad="63500" dist="25400" dir="5400000">
+              <a:srgbClr val="000000">
+                <a:alpha val="50000"/>
+              </a:srgbClr>
+            </a:outerShdw>
+          </a:effectLst>
         </p:spPr>
         <p:txBody>
-          <a:bodyPr/>
-          <a:lstStyle/>
+          <a:bodyPr anchor="ctr"/>
+          <a:lstStyle>
+            <a:lvl1pPr>
+              <a:defRPr>
+                <a:latin typeface="Georgia"/>
+                <a:ea typeface="Georgia"/>
+                <a:cs typeface="Georgia"/>
+                <a:sym typeface="Georgia"/>
+              </a:defRPr>
+            </a:lvl1pPr>
+          </a:lstStyle>
           <a:p>
             <a:pPr/>
             <a:r>
-              <a:t>Mean-Based Aggregator</a:t>
+              <a:t>GraphSAGE</a:t>
+            </a:r>
+          </a:p>
+        </p:txBody>
+      </p:sp>
+      <p:sp>
+        <p:nvSpPr>
+          <p:cNvPr id="120" name="Results and Trends"/>
+          <p:cNvSpPr txBox="1"/>
+          <p:nvPr>
+            <p:ph type="subTitle" sz="quarter" idx="1"/>
+          </p:nvPr>
+        </p:nvSpPr>
+        <p:spPr>
+          <a:prstGeom prst="rect">
+            <a:avLst/>
+          </a:prstGeom>
+          <a:solidFill>
+            <a:srgbClr val="FFFFFF"/>
+          </a:solidFill>
+          <a:ln w="50800">
+            <a:solidFill>
+              <a:srgbClr val="000000"/>
+            </a:solidFill>
+          </a:ln>
+          <a:effectLst>
+            <a:outerShdw sx="100000" sy="100000" kx="0" ky="0" algn="b" rotWithShape="0" blurRad="63500" dist="25400" dir="5400000">
+              <a:srgbClr val="000000">
+                <a:alpha val="50000"/>
+              </a:srgbClr>
+            </a:outerShdw>
+          </a:effectLst>
+        </p:spPr>
+        <p:txBody>
+          <a:bodyPr anchor="ctr"/>
+          <a:lstStyle>
+            <a:lvl1pPr>
+              <a:defRPr>
+                <a:latin typeface="Georgia"/>
+                <a:ea typeface="Georgia"/>
+                <a:cs typeface="Georgia"/>
+                <a:sym typeface="Georgia"/>
+              </a:defRPr>
+            </a:lvl1pPr>
+          </a:lstStyle>
+          <a:p>
+            <a:pPr/>
+            <a:r>
+              <a:t>Results and Trends</a:t>
             </a:r>
           </a:p>
         </p:txBody>
@@ -6557,6 +3048,15 @@
 <file path=ppt/slides/slide2.xml><?xml version="1.0" encoding="utf-8"?>
 <p:sld xmlns:a="http://schemas.openxmlformats.org/drawingml/2006/main" xmlns:r="http://schemas.openxmlformats.org/officeDocument/2006/relationships" xmlns:p="http://schemas.openxmlformats.org/presentationml/2006/main" xmlns:m="http://schemas.openxmlformats.org/officeDocument/2006/math" xmlns:a14="http://schemas.microsoft.com/office/drawing/2010/main" showMasterSp="1" showMasterPhAnim="1">
   <p:cSld>
+    <p:bg>
+      <p:bgPr>
+        <a:blipFill rotWithShape="1">
+          <a:blip r:embed="rId2"/>
+          <a:srcRect l="0" t="0" r="0" b="0"/>
+          <a:tile tx="0" ty="0" sx="100000" sy="100000" flip="none" algn="tl"/>
+        </a:blipFill>
+      </p:bgPr>
+    </p:bg>
     <p:spTree>
       <p:nvGrpSpPr>
         <p:cNvPr id="1" name=""/>
@@ -6573,7 +3073,7 @@
       </p:grpSpPr>
       <p:sp>
         <p:nvSpPr>
-          <p:cNvPr id="121" name="Precision and Recall for each Dataset at 10% node and 2% attribute Pollution"/>
+          <p:cNvPr id="122" name="Pollution Rates"/>
           <p:cNvSpPr txBox="1"/>
           <p:nvPr>
             <p:ph type="title"/>
@@ -6583,30 +3083,45 @@
           <a:prstGeom prst="rect">
             <a:avLst/>
           </a:prstGeom>
+          <a:solidFill>
+            <a:srgbClr val="FFFFFF"/>
+          </a:solidFill>
+          <a:ln w="50800">
+            <a:solidFill>
+              <a:srgbClr val="000000"/>
+            </a:solidFill>
+          </a:ln>
+          <a:effectLst>
+            <a:outerShdw sx="100000" sy="100000" kx="0" ky="0" algn="b" rotWithShape="0" blurRad="63500" dist="25400" dir="5400000">
+              <a:srgbClr val="000000">
+                <a:alpha val="50000"/>
+              </a:srgbClr>
+            </a:outerShdw>
+          </a:effectLst>
         </p:spPr>
         <p:txBody>
           <a:bodyPr/>
           <a:lstStyle>
-            <a:lvl1pPr defTabSz="457200">
-              <a:defRPr sz="3200">
-                <a:latin typeface="Calibri"/>
-                <a:ea typeface="Calibri"/>
-                <a:cs typeface="Calibri"/>
-                <a:sym typeface="Calibri"/>
+            <a:lvl1pPr>
+              <a:defRPr>
+                <a:latin typeface="Georgia"/>
+                <a:ea typeface="Georgia"/>
+                <a:cs typeface="Georgia"/>
+                <a:sym typeface="Georgia"/>
               </a:defRPr>
             </a:lvl1pPr>
           </a:lstStyle>
           <a:p>
             <a:pPr/>
             <a:r>
-              <a:t>Precision and Recall for each Dataset at 10% node and 2% attribute Pollution</a:t>
+              <a:t>Pollution Rates</a:t>
             </a:r>
           </a:p>
         </p:txBody>
       </p:sp>
       <p:sp>
         <p:nvSpPr>
-          <p:cNvPr id="122" name="Body"/>
+          <p:cNvPr id="123" name="Used a Wide Range to capture trends…"/>
           <p:cNvSpPr txBox="1"/>
           <p:nvPr>
             <p:ph type="body" idx="1"/>
@@ -6616,31 +3131,250 @@
           <a:prstGeom prst="rect">
             <a:avLst/>
           </a:prstGeom>
+          <a:solidFill>
+            <a:srgbClr val="FFFFFF"/>
+          </a:solidFill>
+          <a:ln w="50800">
+            <a:solidFill>
+              <a:srgbClr val="000000"/>
+            </a:solidFill>
+          </a:ln>
+          <a:effectLst>
+            <a:outerShdw sx="100000" sy="100000" kx="0" ky="0" algn="b" rotWithShape="0" blurRad="63500" dist="25400" dir="5400000">
+              <a:srgbClr val="000000">
+                <a:alpha val="50000"/>
+              </a:srgbClr>
+            </a:outerShdw>
+          </a:effectLst>
         </p:spPr>
         <p:txBody>
           <a:bodyPr/>
           <a:lstStyle/>
           <a:p>
-            <a:pPr/>
+            <a:pPr marL="248920" indent="-248920" defTabSz="327152">
+              <a:spcBef>
+                <a:spcPts val="2300"/>
+              </a:spcBef>
+              <a:defRPr sz="1792">
+                <a:latin typeface="Georgia"/>
+                <a:ea typeface="Georgia"/>
+                <a:cs typeface="Georgia"/>
+                <a:sym typeface="Georgia"/>
+              </a:defRPr>
+            </a:pPr>
+            <a:r>
+              <a:t>Used a Wide Range to capture trends</a:t>
+            </a:r>
+          </a:p>
+          <a:p>
+            <a:pPr marL="248920" indent="-248920" defTabSz="327152">
+              <a:spcBef>
+                <a:spcPts val="2300"/>
+              </a:spcBef>
+              <a:defRPr sz="1792">
+                <a:latin typeface="Georgia"/>
+                <a:ea typeface="Georgia"/>
+                <a:cs typeface="Georgia"/>
+                <a:sym typeface="Georgia"/>
+              </a:defRPr>
+            </a:pPr>
+            <a:r>
+              <a:t>Real-life error rate largely dependent on context</a:t>
+            </a:r>
+          </a:p>
+          <a:p>
+            <a:pPr marL="248920" indent="-248920" defTabSz="327152">
+              <a:spcBef>
+                <a:spcPts val="1300"/>
+              </a:spcBef>
+              <a:defRPr sz="1792">
+                <a:latin typeface="Georgia"/>
+                <a:ea typeface="Georgia"/>
+                <a:cs typeface="Georgia"/>
+                <a:sym typeface="Georgia"/>
+              </a:defRPr>
+            </a:pPr>
+            <a:r>
+              <a:t>Sources:</a:t>
+            </a:r>
+          </a:p>
+          <a:p>
+            <a:pPr lvl="1" marL="497840" indent="-248920" defTabSz="327152">
+              <a:spcBef>
+                <a:spcPts val="1300"/>
+              </a:spcBef>
+              <a:defRPr sz="1568">
+                <a:latin typeface="Georgia"/>
+                <a:ea typeface="Georgia"/>
+                <a:cs typeface="Georgia"/>
+                <a:sym typeface="Georgia"/>
+              </a:defRPr>
+            </a:pPr>
+            <a:r>
+              <a:t>“Basic Error Rates”</a:t>
+            </a:r>
+          </a:p>
+          <a:p>
+            <a:pPr lvl="2" marL="746759" indent="-248920" defTabSz="327152">
+              <a:spcBef>
+                <a:spcPts val="1300"/>
+              </a:spcBef>
+              <a:defRPr sz="1344">
+                <a:solidFill>
+                  <a:schemeClr val="accent1">
+                    <a:lumOff val="-13575"/>
+                  </a:schemeClr>
+                </a:solidFill>
+                <a:latin typeface="Georgia"/>
+                <a:ea typeface="Georgia"/>
+                <a:cs typeface="Georgia"/>
+                <a:sym typeface="Georgia"/>
+              </a:defRPr>
+            </a:pPr>
+            <a:r>
+              <a:rPr u="sng">
+                <a:hlinkClick r:id="rId3" invalidUrl="" action="" tgtFrame="" tooltip="" history="1" highlightClick="0" endSnd="0"/>
+              </a:rPr>
+              <a:t>http://panko.shidler.hawaii.edu/HumanErr/Basic.htm</a:t>
+            </a:r>
+          </a:p>
+          <a:p>
+            <a:pPr lvl="1" marL="497840" indent="-248920" defTabSz="327152">
+              <a:spcBef>
+                <a:spcPts val="1300"/>
+              </a:spcBef>
+              <a:defRPr sz="1568">
+                <a:latin typeface="Georgia"/>
+                <a:ea typeface="Georgia"/>
+                <a:cs typeface="Georgia"/>
+                <a:sym typeface="Georgia"/>
+              </a:defRPr>
+            </a:pPr>
+            <a:r>
+              <a:t>“The State of Data Quality”</a:t>
+            </a:r>
+            <a:endParaRPr>
+              <a:solidFill>
+                <a:schemeClr val="accent1">
+                  <a:lumOff val="-13575"/>
+                </a:schemeClr>
+              </a:solidFill>
+            </a:endParaRPr>
+          </a:p>
+          <a:p>
+            <a:pPr lvl="2" marL="746759" indent="-248920" defTabSz="327152">
+              <a:spcBef>
+                <a:spcPts val="1300"/>
+              </a:spcBef>
+              <a:defRPr sz="1344">
+                <a:solidFill>
+                  <a:schemeClr val="accent1">
+                    <a:lumOff val="-13575"/>
+                  </a:schemeClr>
+                </a:solidFill>
+                <a:latin typeface="Georgia"/>
+                <a:ea typeface="Georgia"/>
+                <a:cs typeface="Georgia"/>
+                <a:sym typeface="Georgia"/>
+              </a:defRPr>
+            </a:pPr>
+            <a:r>
+              <a:rPr u="sng">
+                <a:hlinkClick r:id="rId4" invalidUrl="" action="" tgtFrame="" tooltip="" history="1" highlightClick="0" endSnd="0"/>
+              </a:rPr>
+              <a:t>https://www.experian.com/assets/decision-analytics/white-papers/the%20state%20of%20data%20quality.pdf</a:t>
+            </a:r>
+          </a:p>
+          <a:p>
+            <a:pPr lvl="1" marL="497840" indent="-248920" defTabSz="327152">
+              <a:spcBef>
+                <a:spcPts val="1300"/>
+              </a:spcBef>
+              <a:defRPr sz="1568">
+                <a:latin typeface="Georgia"/>
+                <a:ea typeface="Georgia"/>
+                <a:cs typeface="Georgia"/>
+                <a:sym typeface="Georgia"/>
+              </a:defRPr>
+            </a:pPr>
+            <a:r>
+              <a:t>"Error rates in a clinical data repository: lessons from the transition to electronic data transfer—a descriptive study"</a:t>
+            </a:r>
+          </a:p>
+          <a:p>
+            <a:pPr lvl="2" marL="746759" indent="-248920" defTabSz="327152">
+              <a:spcBef>
+                <a:spcPts val="1300"/>
+              </a:spcBef>
+              <a:defRPr sz="1344">
+                <a:solidFill>
+                  <a:schemeClr val="accent1">
+                    <a:lumOff val="-13575"/>
+                  </a:schemeClr>
+                </a:solidFill>
+                <a:latin typeface="Georgia"/>
+                <a:ea typeface="Georgia"/>
+                <a:cs typeface="Georgia"/>
+                <a:sym typeface="Georgia"/>
+              </a:defRPr>
+            </a:pPr>
+            <a:r>
+              <a:rPr u="sng">
+                <a:hlinkClick r:id="rId5" invalidUrl="" action="" tgtFrame="" tooltip="" history="1" highlightClick="0" endSnd="0"/>
+              </a:rPr>
+              <a:t>https://bmjopen.bmj.com/content/3/5/e002406</a:t>
+            </a:r>
+          </a:p>
+          <a:p>
+            <a:pPr marL="248919" indent="-248919" defTabSz="327152">
+              <a:spcBef>
+                <a:spcPts val="2300"/>
+              </a:spcBef>
+              <a:defRPr sz="1792">
+                <a:latin typeface="Georgia"/>
+                <a:ea typeface="Georgia"/>
+                <a:cs typeface="Georgia"/>
+                <a:sym typeface="Georgia"/>
+              </a:defRPr>
+            </a:pPr>
+            <a:r>
+              <a:t>The error rate for individual fields appears to run between 0.5-6.0%, with text fields on the higher end.</a:t>
+            </a:r>
+          </a:p>
+          <a:p>
+            <a:pPr marL="248919" indent="-248919" defTabSz="327152">
+              <a:spcBef>
+                <a:spcPts val="2300"/>
+              </a:spcBef>
+              <a:defRPr sz="1792">
+                <a:latin typeface="Georgia"/>
+                <a:ea typeface="Georgia"/>
+                <a:cs typeface="Georgia"/>
+                <a:sym typeface="Georgia"/>
+              </a:defRPr>
+            </a:pPr>
+            <a:r>
+              <a:t>However, according to “The State of Data Quality,” companies believe approximately 25% of their data to be inaccurate, 60% of which is attributed to human error, the rest of which is attributed to technological issues.</a:t>
+            </a:r>
+          </a:p>
+          <a:p>
+            <a:pPr marL="248920" indent="-248920" defTabSz="327152">
+              <a:spcBef>
+                <a:spcPts val="1300"/>
+              </a:spcBef>
+              <a:defRPr sz="1792">
+                <a:latin typeface="Georgia"/>
+                <a:ea typeface="Georgia"/>
+                <a:cs typeface="Georgia"/>
+                <a:sym typeface="Georgia"/>
+              </a:defRPr>
+            </a:pPr>
+            <a:r>
+              <a:t>“Error rates in a clinical data repository” records an “outright accuracy” of 76% in manually entered fields.</a:t>
+            </a:r>
           </a:p>
         </p:txBody>
       </p:sp>
-      <p:graphicFrame>
-        <p:nvGraphicFramePr>
-          <p:cNvPr id="123" name="Chart 1"/>
-          <p:cNvGraphicFramePr/>
-          <p:nvPr/>
-        </p:nvGraphicFramePr>
-        <p:xfrm>
-          <a:off x="964670" y="2501698"/>
-          <a:ext cx="11087862" cy="6357230"/>
-        </p:xfrm>
-        <a:graphic xmlns:a="http://schemas.openxmlformats.org/drawingml/2006/main">
-          <a:graphicData uri="http://schemas.openxmlformats.org/drawingml/2006/chart">
-            <c:chart xmlns:c="http://schemas.openxmlformats.org/drawingml/2006/chart" r:id="rId2"/>
-          </a:graphicData>
-        </a:graphic>
-      </p:graphicFrame>
     </p:spTree>
   </p:cSld>
   <p:clrMapOvr>
@@ -6653,6 +3387,15 @@
 <file path=ppt/slides/slide3.xml><?xml version="1.0" encoding="utf-8"?>
 <p:sld xmlns:a="http://schemas.openxmlformats.org/drawingml/2006/main" xmlns:r="http://schemas.openxmlformats.org/officeDocument/2006/relationships" xmlns:p="http://schemas.openxmlformats.org/presentationml/2006/main" xmlns:m="http://schemas.openxmlformats.org/officeDocument/2006/math" xmlns:a14="http://schemas.microsoft.com/office/drawing/2010/main" showMasterSp="1" showMasterPhAnim="1">
   <p:cSld>
+    <p:bg>
+      <p:bgPr>
+        <a:blipFill rotWithShape="1">
+          <a:blip r:embed="rId2"/>
+          <a:srcRect l="0" t="0" r="0" b="0"/>
+          <a:tile tx="0" ty="0" sx="100000" sy="100000" flip="none" algn="tl"/>
+        </a:blipFill>
+      </p:bgPr>
+    </p:bg>
     <p:spTree>
       <p:nvGrpSpPr>
         <p:cNvPr id="1" name=""/>
@@ -6669,7 +3412,7 @@
       </p:grpSpPr>
       <p:sp>
         <p:nvSpPr>
-          <p:cNvPr id="125" name="Correlation between Attribute Pollution Rate and Precision"/>
+          <p:cNvPr id="125" name="Results"/>
           <p:cNvSpPr txBox="1"/>
           <p:nvPr>
             <p:ph type="title"/>
@@ -6679,64 +3422,42 @@
           <a:prstGeom prst="rect">
             <a:avLst/>
           </a:prstGeom>
+          <a:solidFill>
+            <a:srgbClr val="FFFFFF"/>
+          </a:solidFill>
+          <a:ln w="50800">
+            <a:solidFill>
+              <a:srgbClr val="000000"/>
+            </a:solidFill>
+          </a:ln>
+          <a:effectLst>
+            <a:outerShdw sx="100000" sy="100000" kx="0" ky="0" algn="b" rotWithShape="0" blurRad="63500" dist="25400" dir="5400000">
+              <a:srgbClr val="000000">
+                <a:alpha val="50000"/>
+              </a:srgbClr>
+            </a:outerShdw>
+          </a:effectLst>
         </p:spPr>
         <p:txBody>
           <a:bodyPr/>
           <a:lstStyle>
-            <a:lvl1pPr defTabSz="457200">
-              <a:defRPr sz="3200">
-                <a:latin typeface="Calibri"/>
-                <a:ea typeface="Calibri"/>
-                <a:cs typeface="Calibri"/>
-                <a:sym typeface="Calibri"/>
+            <a:lvl1pPr>
+              <a:defRPr>
+                <a:latin typeface="Georgia"/>
+                <a:ea typeface="Georgia"/>
+                <a:cs typeface="Georgia"/>
+                <a:sym typeface="Georgia"/>
               </a:defRPr>
             </a:lvl1pPr>
           </a:lstStyle>
           <a:p>
             <a:pPr/>
             <a:r>
-              <a:t>Correlation between Attribute Pollution Rate and Precision</a:t>
+              <a:t>Results</a:t>
             </a:r>
           </a:p>
         </p:txBody>
       </p:sp>
-      <p:sp>
-        <p:nvSpPr>
-          <p:cNvPr id="126" name="Body"/>
-          <p:cNvSpPr txBox="1"/>
-          <p:nvPr>
-            <p:ph type="body" idx="1"/>
-          </p:nvPr>
-        </p:nvSpPr>
-        <p:spPr>
-          <a:prstGeom prst="rect">
-            <a:avLst/>
-          </a:prstGeom>
-        </p:spPr>
-        <p:txBody>
-          <a:bodyPr/>
-          <a:lstStyle/>
-          <a:p>
-            <a:pPr/>
-          </a:p>
-        </p:txBody>
-      </p:sp>
-      <p:graphicFrame>
-        <p:nvGraphicFramePr>
-          <p:cNvPr id="127" name="Chart 2"/>
-          <p:cNvGraphicFramePr/>
-          <p:nvPr/>
-        </p:nvGraphicFramePr>
-        <p:xfrm>
-          <a:off x="945223" y="2478133"/>
-          <a:ext cx="11101984" cy="6388832"/>
-        </p:xfrm>
-        <a:graphic xmlns:a="http://schemas.openxmlformats.org/drawingml/2006/main">
-          <a:graphicData uri="http://schemas.openxmlformats.org/drawingml/2006/chart">
-            <c:chart xmlns:c="http://schemas.openxmlformats.org/drawingml/2006/chart" r:id="rId2"/>
-          </a:graphicData>
-        </a:graphic>
-      </p:graphicFrame>
     </p:spTree>
   </p:cSld>
   <p:clrMapOvr>
@@ -6749,6 +3470,385 @@
 <file path=ppt/slides/slide4.xml><?xml version="1.0" encoding="utf-8"?>
 <p:sld xmlns:a="http://schemas.openxmlformats.org/drawingml/2006/main" xmlns:r="http://schemas.openxmlformats.org/officeDocument/2006/relationships" xmlns:p="http://schemas.openxmlformats.org/presentationml/2006/main" xmlns:m="http://schemas.openxmlformats.org/officeDocument/2006/math" xmlns:a14="http://schemas.microsoft.com/office/drawing/2010/main" showMasterSp="1" showMasterPhAnim="1">
   <p:cSld>
+    <p:bg>
+      <p:bgPr>
+        <a:blipFill rotWithShape="1">
+          <a:blip r:embed="rId2"/>
+          <a:srcRect l="0" t="0" r="0" b="0"/>
+          <a:tile tx="0" ty="0" sx="100000" sy="100000" flip="none" algn="tl"/>
+        </a:blipFill>
+      </p:bgPr>
+    </p:bg>
+    <p:spTree>
+      <p:nvGrpSpPr>
+        <p:cNvPr id="1" name=""/>
+        <p:cNvGrpSpPr/>
+        <p:nvPr/>
+      </p:nvGrpSpPr>
+      <p:grpSpPr>
+        <a:xfrm>
+          <a:off x="0" y="0"/>
+          <a:ext cx="0" cy="0"/>
+          <a:chOff x="0" y="0"/>
+          <a:chExt cx="0" cy="0"/>
+        </a:xfrm>
+      </p:grpSpPr>
+      <p:pic>
+        <p:nvPicPr>
+          <p:cNvPr id="127" name="Image" descr="Image"/>
+          <p:cNvPicPr>
+            <a:picLocks noChangeAspect="1"/>
+          </p:cNvPicPr>
+          <p:nvPr/>
+        </p:nvPicPr>
+        <p:blipFill>
+          <a:blip r:embed="rId3">
+            <a:extLst/>
+          </a:blip>
+          <a:stretch>
+            <a:fillRect/>
+          </a:stretch>
+        </p:blipFill>
+        <p:spPr>
+          <a:xfrm>
+            <a:off x="552450" y="1276350"/>
+            <a:ext cx="11899900" cy="7277100"/>
+          </a:xfrm>
+          <a:prstGeom prst="rect">
+            <a:avLst/>
+          </a:prstGeom>
+          <a:ln w="50800">
+            <a:solidFill>
+              <a:srgbClr val="000000"/>
+            </a:solidFill>
+            <a:miter lim="400000"/>
+          </a:ln>
+          <a:effectLst>
+            <a:outerShdw sx="100000" sy="100000" kx="0" ky="0" algn="b" rotWithShape="0" blurRad="63500" dist="25400" dir="5400000">
+              <a:srgbClr val="000000">
+                <a:alpha val="50000"/>
+              </a:srgbClr>
+            </a:outerShdw>
+          </a:effectLst>
+        </p:spPr>
+      </p:pic>
+    </p:spTree>
+  </p:cSld>
+  <p:clrMapOvr>
+    <a:masterClrMapping/>
+  </p:clrMapOvr>
+  <p:transition xmlns:p14="http://schemas.microsoft.com/office/powerpoint/2010/main" spd="med" advClick="1"/>
+</p:sld>
+</file>
+
+<file path=ppt/slides/slide5.xml><?xml version="1.0" encoding="utf-8"?>
+<p:sld xmlns:a="http://schemas.openxmlformats.org/drawingml/2006/main" xmlns:r="http://schemas.openxmlformats.org/officeDocument/2006/relationships" xmlns:p="http://schemas.openxmlformats.org/presentationml/2006/main" xmlns:m="http://schemas.openxmlformats.org/officeDocument/2006/math" xmlns:a14="http://schemas.microsoft.com/office/drawing/2010/main" showMasterSp="1" showMasterPhAnim="1">
+  <p:cSld>
+    <p:bg>
+      <p:bgPr>
+        <a:blipFill rotWithShape="1">
+          <a:blip r:embed="rId2"/>
+          <a:srcRect l="0" t="0" r="0" b="0"/>
+          <a:tile tx="0" ty="0" sx="100000" sy="100000" flip="none" algn="tl"/>
+        </a:blipFill>
+      </p:bgPr>
+    </p:bg>
+    <p:spTree>
+      <p:nvGrpSpPr>
+        <p:cNvPr id="1" name=""/>
+        <p:cNvGrpSpPr/>
+        <p:nvPr/>
+      </p:nvGrpSpPr>
+      <p:grpSpPr>
+        <a:xfrm>
+          <a:off x="0" y="0"/>
+          <a:ext cx="0" cy="0"/>
+          <a:chOff x="0" y="0"/>
+          <a:chExt cx="0" cy="0"/>
+        </a:xfrm>
+      </p:grpSpPr>
+      <p:pic>
+        <p:nvPicPr>
+          <p:cNvPr id="129" name="Image" descr="Image"/>
+          <p:cNvPicPr>
+            <a:picLocks noChangeAspect="1"/>
+          </p:cNvPicPr>
+          <p:nvPr/>
+        </p:nvPicPr>
+        <p:blipFill>
+          <a:blip r:embed="rId3">
+            <a:extLst/>
+          </a:blip>
+          <a:stretch>
+            <a:fillRect/>
+          </a:stretch>
+        </p:blipFill>
+        <p:spPr>
+          <a:xfrm>
+            <a:off x="1016000" y="1257300"/>
+            <a:ext cx="10972800" cy="7315200"/>
+          </a:xfrm>
+          <a:prstGeom prst="rect">
+            <a:avLst/>
+          </a:prstGeom>
+          <a:ln w="50800">
+            <a:solidFill>
+              <a:srgbClr val="000000"/>
+            </a:solidFill>
+            <a:miter lim="400000"/>
+          </a:ln>
+          <a:effectLst>
+            <a:outerShdw sx="100000" sy="100000" kx="0" ky="0" algn="b" rotWithShape="0" blurRad="63500" dist="25400" dir="5400000">
+              <a:srgbClr val="000000">
+                <a:alpha val="50000"/>
+              </a:srgbClr>
+            </a:outerShdw>
+          </a:effectLst>
+        </p:spPr>
+      </p:pic>
+    </p:spTree>
+  </p:cSld>
+  <p:clrMapOvr>
+    <a:masterClrMapping/>
+  </p:clrMapOvr>
+  <p:transition xmlns:p14="http://schemas.microsoft.com/office/powerpoint/2010/main" spd="med" advClick="1"/>
+</p:sld>
+</file>
+
+<file path=ppt/slides/slide6.xml><?xml version="1.0" encoding="utf-8"?>
+<p:sld xmlns:a="http://schemas.openxmlformats.org/drawingml/2006/main" xmlns:r="http://schemas.openxmlformats.org/officeDocument/2006/relationships" xmlns:p="http://schemas.openxmlformats.org/presentationml/2006/main" xmlns:m="http://schemas.openxmlformats.org/officeDocument/2006/math" xmlns:a14="http://schemas.microsoft.com/office/drawing/2010/main" showMasterSp="1" showMasterPhAnim="1">
+  <p:cSld>
+    <p:bg>
+      <p:bgPr>
+        <a:blipFill rotWithShape="1">
+          <a:blip r:embed="rId2"/>
+          <a:srcRect l="0" t="0" r="0" b="0"/>
+          <a:tile tx="0" ty="0" sx="100000" sy="100000" flip="none" algn="tl"/>
+        </a:blipFill>
+      </p:bgPr>
+    </p:bg>
+    <p:spTree>
+      <p:nvGrpSpPr>
+        <p:cNvPr id="1" name=""/>
+        <p:cNvGrpSpPr/>
+        <p:nvPr/>
+      </p:nvGrpSpPr>
+      <p:grpSpPr>
+        <a:xfrm>
+          <a:off x="0" y="0"/>
+          <a:ext cx="0" cy="0"/>
+          <a:chOff x="0" y="0"/>
+          <a:chExt cx="0" cy="0"/>
+        </a:xfrm>
+      </p:grpSpPr>
+      <p:pic>
+        <p:nvPicPr>
+          <p:cNvPr id="131" name="Image" descr="Image"/>
+          <p:cNvPicPr>
+            <a:picLocks noChangeAspect="1"/>
+          </p:cNvPicPr>
+          <p:nvPr/>
+        </p:nvPicPr>
+        <p:blipFill>
+          <a:blip r:embed="rId3">
+            <a:extLst/>
+          </a:blip>
+          <a:stretch>
+            <a:fillRect/>
+          </a:stretch>
+        </p:blipFill>
+        <p:spPr>
+          <a:xfrm>
+            <a:off x="1016000" y="1257300"/>
+            <a:ext cx="10972800" cy="7315200"/>
+          </a:xfrm>
+          <a:prstGeom prst="rect">
+            <a:avLst/>
+          </a:prstGeom>
+          <a:ln w="50800">
+            <a:solidFill>
+              <a:srgbClr val="000000"/>
+            </a:solidFill>
+            <a:miter lim="400000"/>
+          </a:ln>
+          <a:effectLst>
+            <a:outerShdw sx="100000" sy="100000" kx="0" ky="0" algn="b" rotWithShape="0" blurRad="63500" dist="25400" dir="5400000">
+              <a:srgbClr val="000000">
+                <a:alpha val="50000"/>
+              </a:srgbClr>
+            </a:outerShdw>
+          </a:effectLst>
+        </p:spPr>
+      </p:pic>
+    </p:spTree>
+  </p:cSld>
+  <p:clrMapOvr>
+    <a:masterClrMapping/>
+  </p:clrMapOvr>
+  <p:transition xmlns:p14="http://schemas.microsoft.com/office/powerpoint/2010/main" spd="med" advClick="1"/>
+</p:sld>
+</file>
+
+<file path=ppt/slides/slide7.xml><?xml version="1.0" encoding="utf-8"?>
+<p:sld xmlns:a="http://schemas.openxmlformats.org/drawingml/2006/main" xmlns:r="http://schemas.openxmlformats.org/officeDocument/2006/relationships" xmlns:p="http://schemas.openxmlformats.org/presentationml/2006/main" xmlns:m="http://schemas.openxmlformats.org/officeDocument/2006/math" xmlns:a14="http://schemas.microsoft.com/office/drawing/2010/main" showMasterSp="1" showMasterPhAnim="1">
+  <p:cSld>
+    <p:bg>
+      <p:bgPr>
+        <a:blipFill rotWithShape="1">
+          <a:blip r:embed="rId2"/>
+          <a:srcRect l="0" t="0" r="0" b="0"/>
+          <a:tile tx="0" ty="0" sx="100000" sy="100000" flip="none" algn="tl"/>
+        </a:blipFill>
+      </p:bgPr>
+    </p:bg>
+    <p:spTree>
+      <p:nvGrpSpPr>
+        <p:cNvPr id="1" name=""/>
+        <p:cNvGrpSpPr/>
+        <p:nvPr/>
+      </p:nvGrpSpPr>
+      <p:grpSpPr>
+        <a:xfrm>
+          <a:off x="0" y="0"/>
+          <a:ext cx="0" cy="0"/>
+          <a:chOff x="0" y="0"/>
+          <a:chExt cx="0" cy="0"/>
+        </a:xfrm>
+      </p:grpSpPr>
+      <p:pic>
+        <p:nvPicPr>
+          <p:cNvPr id="133" name="Image" descr="Image"/>
+          <p:cNvPicPr>
+            <a:picLocks noChangeAspect="1"/>
+          </p:cNvPicPr>
+          <p:nvPr/>
+        </p:nvPicPr>
+        <p:blipFill>
+          <a:blip r:embed="rId3">
+            <a:extLst/>
+          </a:blip>
+          <a:stretch>
+            <a:fillRect/>
+          </a:stretch>
+        </p:blipFill>
+        <p:spPr>
+          <a:xfrm>
+            <a:off x="1022350" y="1270000"/>
+            <a:ext cx="10960100" cy="7289800"/>
+          </a:xfrm>
+          <a:prstGeom prst="rect">
+            <a:avLst/>
+          </a:prstGeom>
+          <a:ln w="50800">
+            <a:solidFill>
+              <a:srgbClr val="000000"/>
+            </a:solidFill>
+            <a:miter lim="400000"/>
+          </a:ln>
+          <a:effectLst>
+            <a:outerShdw sx="100000" sy="100000" kx="0" ky="0" algn="b" rotWithShape="0" blurRad="63500" dist="25400" dir="5400000">
+              <a:srgbClr val="000000">
+                <a:alpha val="50000"/>
+              </a:srgbClr>
+            </a:outerShdw>
+          </a:effectLst>
+        </p:spPr>
+      </p:pic>
+    </p:spTree>
+  </p:cSld>
+  <p:clrMapOvr>
+    <a:masterClrMapping/>
+  </p:clrMapOvr>
+  <p:transition xmlns:p14="http://schemas.microsoft.com/office/powerpoint/2010/main" spd="med" advClick="1"/>
+</p:sld>
+</file>
+
+<file path=ppt/slides/slide8.xml><?xml version="1.0" encoding="utf-8"?>
+<p:sld xmlns:a="http://schemas.openxmlformats.org/drawingml/2006/main" xmlns:r="http://schemas.openxmlformats.org/officeDocument/2006/relationships" xmlns:p="http://schemas.openxmlformats.org/presentationml/2006/main" xmlns:m="http://schemas.openxmlformats.org/officeDocument/2006/math" xmlns:a14="http://schemas.microsoft.com/office/drawing/2010/main" showMasterSp="1" showMasterPhAnim="1">
+  <p:cSld>
+    <p:bg>
+      <p:bgPr>
+        <a:blipFill rotWithShape="1">
+          <a:blip r:embed="rId2"/>
+          <a:srcRect l="0" t="0" r="0" b="0"/>
+          <a:tile tx="0" ty="0" sx="100000" sy="100000" flip="none" algn="tl"/>
+        </a:blipFill>
+      </p:bgPr>
+    </p:bg>
+    <p:spTree>
+      <p:nvGrpSpPr>
+        <p:cNvPr id="1" name=""/>
+        <p:cNvGrpSpPr/>
+        <p:nvPr/>
+      </p:nvGrpSpPr>
+      <p:grpSpPr>
+        <a:xfrm>
+          <a:off x="0" y="0"/>
+          <a:ext cx="0" cy="0"/>
+          <a:chOff x="0" y="0"/>
+          <a:chExt cx="0" cy="0"/>
+        </a:xfrm>
+      </p:grpSpPr>
+      <p:pic>
+        <p:nvPicPr>
+          <p:cNvPr id="135" name="Image" descr="Image"/>
+          <p:cNvPicPr>
+            <a:picLocks noChangeAspect="1"/>
+          </p:cNvPicPr>
+          <p:nvPr/>
+        </p:nvPicPr>
+        <p:blipFill>
+          <a:blip r:embed="rId3">
+            <a:extLst/>
+          </a:blip>
+          <a:stretch>
+            <a:fillRect/>
+          </a:stretch>
+        </p:blipFill>
+        <p:spPr>
+          <a:xfrm>
+            <a:off x="1016000" y="1270000"/>
+            <a:ext cx="10972800" cy="7289800"/>
+          </a:xfrm>
+          <a:prstGeom prst="rect">
+            <a:avLst/>
+          </a:prstGeom>
+          <a:ln w="50800">
+            <a:solidFill>
+              <a:srgbClr val="000000"/>
+            </a:solidFill>
+            <a:miter lim="400000"/>
+          </a:ln>
+          <a:effectLst>
+            <a:outerShdw sx="100000" sy="100000" kx="0" ky="0" algn="b" rotWithShape="0" blurRad="63500" dist="25400" dir="5400000">
+              <a:srgbClr val="000000">
+                <a:alpha val="50000"/>
+              </a:srgbClr>
+            </a:outerShdw>
+          </a:effectLst>
+        </p:spPr>
+      </p:pic>
+    </p:spTree>
+  </p:cSld>
+  <p:clrMapOvr>
+    <a:masterClrMapping/>
+  </p:clrMapOvr>
+  <p:transition xmlns:p14="http://schemas.microsoft.com/office/powerpoint/2010/main" spd="med" advClick="1"/>
+</p:sld>
+</file>
+
+<file path=ppt/slides/slide9.xml><?xml version="1.0" encoding="utf-8"?>
+<p:sld xmlns:a="http://schemas.openxmlformats.org/drawingml/2006/main" xmlns:r="http://schemas.openxmlformats.org/officeDocument/2006/relationships" xmlns:p="http://schemas.openxmlformats.org/presentationml/2006/main" xmlns:m="http://schemas.openxmlformats.org/officeDocument/2006/math" xmlns:a14="http://schemas.microsoft.com/office/drawing/2010/main" showMasterSp="1" showMasterPhAnim="1">
+  <p:cSld>
+    <p:bg>
+      <p:bgPr>
+        <a:blipFill rotWithShape="1">
+          <a:blip r:embed="rId2"/>
+          <a:srcRect l="0" t="0" r="0" b="0"/>
+          <a:tile tx="0" ty="0" sx="100000" sy="100000" flip="none" algn="tl"/>
+        </a:blipFill>
+      </p:bgPr>
+    </p:bg>
     <p:spTree>
       <p:nvGrpSpPr>
         <p:cNvPr id="1" name=""/>
@@ -6765,7 +3865,7 @@
       </p:grpSpPr>
       <p:sp>
         <p:nvSpPr>
-          <p:cNvPr id="129" name="Correlation between Attribute Pollution Rate and Recall"/>
+          <p:cNvPr id="137" name="A Note on the Datasets"/>
           <p:cNvSpPr txBox="1"/>
           <p:nvPr>
             <p:ph type="title"/>
@@ -6775,30 +3875,45 @@
           <a:prstGeom prst="rect">
             <a:avLst/>
           </a:prstGeom>
+          <a:solidFill>
+            <a:srgbClr val="FFFFFF"/>
+          </a:solidFill>
+          <a:ln w="50800">
+            <a:solidFill>
+              <a:srgbClr val="000000"/>
+            </a:solidFill>
+          </a:ln>
+          <a:effectLst>
+            <a:outerShdw sx="100000" sy="100000" kx="0" ky="0" algn="b" rotWithShape="0" blurRad="63500" dist="25400" dir="5400000">
+              <a:srgbClr val="000000">
+                <a:alpha val="50000"/>
+              </a:srgbClr>
+            </a:outerShdw>
+          </a:effectLst>
         </p:spPr>
         <p:txBody>
           <a:bodyPr/>
           <a:lstStyle>
-            <a:lvl1pPr defTabSz="457200">
-              <a:defRPr sz="3200">
-                <a:latin typeface="Calibri"/>
-                <a:ea typeface="Calibri"/>
-                <a:cs typeface="Calibri"/>
-                <a:sym typeface="Calibri"/>
+            <a:lvl1pPr>
+              <a:defRPr>
+                <a:latin typeface="Georgia"/>
+                <a:ea typeface="Georgia"/>
+                <a:cs typeface="Georgia"/>
+                <a:sym typeface="Georgia"/>
               </a:defRPr>
             </a:lvl1pPr>
           </a:lstStyle>
           <a:p>
             <a:pPr/>
             <a:r>
-              <a:t>Correlation between Attribute Pollution Rate and Recall</a:t>
+              <a:t>A Note on the Datasets</a:t>
             </a:r>
           </a:p>
         </p:txBody>
       </p:sp>
       <p:sp>
         <p:nvSpPr>
-          <p:cNvPr id="130" name="Body"/>
+          <p:cNvPr id="138" name="Toy-PPI…"/>
           <p:cNvSpPr txBox="1"/>
           <p:nvPr>
             <p:ph type="body" idx="1"/>
@@ -6808,223 +3923,219 @@
           <a:prstGeom prst="rect">
             <a:avLst/>
           </a:prstGeom>
+          <a:solidFill>
+            <a:srgbClr val="FFFFFF"/>
+          </a:solidFill>
+          <a:ln w="50800">
+            <a:solidFill>
+              <a:srgbClr val="000000"/>
+            </a:solidFill>
+          </a:ln>
+          <a:effectLst>
+            <a:outerShdw sx="100000" sy="100000" kx="0" ky="0" algn="b" rotWithShape="0" blurRad="63500" dist="25400" dir="5400000">
+              <a:srgbClr val="000000">
+                <a:alpha val="50000"/>
+              </a:srgbClr>
+            </a:outerShdw>
+          </a:effectLst>
         </p:spPr>
         <p:txBody>
           <a:bodyPr/>
           <a:lstStyle/>
           <a:p>
-            <a:pPr/>
+            <a:pPr marL="248920" indent="-248920" defTabSz="327152">
+              <a:spcBef>
+                <a:spcPts val="2300"/>
+              </a:spcBef>
+              <a:defRPr sz="1792">
+                <a:latin typeface="Georgia"/>
+                <a:ea typeface="Georgia"/>
+                <a:cs typeface="Georgia"/>
+                <a:sym typeface="Georgia"/>
+              </a:defRPr>
+            </a:pPr>
+            <a:r>
+              <a:t>Toy-PPI</a:t>
+            </a:r>
+          </a:p>
+          <a:p>
+            <a:pPr lvl="1" marL="497840" indent="-248920" defTabSz="327152">
+              <a:spcBef>
+                <a:spcPts val="2300"/>
+              </a:spcBef>
+              <a:defRPr sz="1568">
+                <a:latin typeface="Georgia"/>
+                <a:ea typeface="Georgia"/>
+                <a:cs typeface="Georgia"/>
+                <a:sym typeface="Georgia"/>
+              </a:defRPr>
+            </a:pPr>
+            <a:r>
+              <a:t>Protein-Protein Interactions</a:t>
+            </a:r>
+          </a:p>
+          <a:p>
+            <a:pPr lvl="1" marL="497840" indent="-248920" defTabSz="327152">
+              <a:spcBef>
+                <a:spcPts val="2300"/>
+              </a:spcBef>
+              <a:defRPr sz="1568">
+                <a:latin typeface="Georgia"/>
+                <a:ea typeface="Georgia"/>
+                <a:cs typeface="Georgia"/>
+                <a:sym typeface="Georgia"/>
+              </a:defRPr>
+            </a:pPr>
+            <a:r>
+              <a:t>Each node is a protein</a:t>
+            </a:r>
+          </a:p>
+          <a:p>
+            <a:pPr lvl="1" marL="497840" indent="-248920" defTabSz="327152">
+              <a:spcBef>
+                <a:spcPts val="2300"/>
+              </a:spcBef>
+              <a:defRPr sz="1568">
+                <a:latin typeface="Georgia"/>
+                <a:ea typeface="Georgia"/>
+                <a:cs typeface="Georgia"/>
+                <a:sym typeface="Georgia"/>
+              </a:defRPr>
+            </a:pPr>
+            <a:r>
+              <a:t>Features are positional gene sets, motif gene sets and immunological signatures.</a:t>
+            </a:r>
+          </a:p>
+          <a:p>
+            <a:pPr marL="248920" indent="-248920" defTabSz="327152">
+              <a:spcBef>
+                <a:spcPts val="2300"/>
+              </a:spcBef>
+              <a:defRPr sz="1792">
+                <a:latin typeface="Georgia"/>
+                <a:ea typeface="Georgia"/>
+                <a:cs typeface="Georgia"/>
+                <a:sym typeface="Georgia"/>
+              </a:defRPr>
+            </a:pPr>
+            <a:r>
+              <a:t>Reddit</a:t>
+            </a:r>
+          </a:p>
+          <a:p>
+            <a:pPr lvl="1" marL="497840" indent="-248920" defTabSz="327152">
+              <a:spcBef>
+                <a:spcPts val="2300"/>
+              </a:spcBef>
+              <a:defRPr sz="1792">
+                <a:latin typeface="Georgia"/>
+                <a:ea typeface="Georgia"/>
+                <a:cs typeface="Georgia"/>
+                <a:sym typeface="Georgia"/>
+              </a:defRPr>
+            </a:pPr>
+            <a:r>
+              <a:t>Each node is a post</a:t>
+            </a:r>
+          </a:p>
+          <a:p>
+            <a:pPr lvl="1" marL="497840" indent="-248920" defTabSz="327152">
+              <a:spcBef>
+                <a:spcPts val="2300"/>
+              </a:spcBef>
+              <a:defRPr sz="1792">
+                <a:latin typeface="Georgia"/>
+                <a:ea typeface="Georgia"/>
+                <a:cs typeface="Georgia"/>
+                <a:sym typeface="Georgia"/>
+              </a:defRPr>
+            </a:pPr>
+            <a:r>
+              <a:t>Features:</a:t>
+            </a:r>
+          </a:p>
+          <a:p>
+            <a:pPr lvl="2" marL="746759" indent="-248920" defTabSz="327152">
+              <a:spcBef>
+                <a:spcPts val="2300"/>
+              </a:spcBef>
+              <a:defRPr sz="1568">
+                <a:latin typeface="Georgia"/>
+                <a:ea typeface="Georgia"/>
+                <a:cs typeface="Georgia"/>
+                <a:sym typeface="Georgia"/>
+              </a:defRPr>
+            </a:pPr>
+            <a:r>
+              <a:t>Title</a:t>
+            </a:r>
+          </a:p>
+          <a:p>
+            <a:pPr lvl="2" marL="746759" indent="-248920" defTabSz="327152">
+              <a:spcBef>
+                <a:spcPts val="2300"/>
+              </a:spcBef>
+              <a:defRPr sz="1568">
+                <a:latin typeface="Georgia"/>
+                <a:ea typeface="Georgia"/>
+                <a:cs typeface="Georgia"/>
+                <a:sym typeface="Georgia"/>
+              </a:defRPr>
+            </a:pPr>
+            <a:r>
+              <a:t>Comments averaged together</a:t>
+            </a:r>
+          </a:p>
+          <a:p>
+            <a:pPr lvl="2" marL="746759" indent="-248920" defTabSz="327152">
+              <a:spcBef>
+                <a:spcPts val="2300"/>
+              </a:spcBef>
+              <a:defRPr sz="1568">
+                <a:latin typeface="Georgia"/>
+                <a:ea typeface="Georgia"/>
+                <a:cs typeface="Georgia"/>
+                <a:sym typeface="Georgia"/>
+              </a:defRPr>
+            </a:pPr>
+            <a:r>
+              <a:t>Number of comments</a:t>
+            </a:r>
+          </a:p>
+          <a:p>
+            <a:pPr lvl="2" marL="746759" indent="-248920" defTabSz="327152">
+              <a:spcBef>
+                <a:spcPts val="2300"/>
+              </a:spcBef>
+              <a:defRPr sz="1568">
+                <a:latin typeface="Georgia"/>
+                <a:ea typeface="Georgia"/>
+                <a:cs typeface="Georgia"/>
+                <a:sym typeface="Georgia"/>
+              </a:defRPr>
+            </a:pPr>
+            <a:r>
+              <a:t>Score (upvotes)</a:t>
+            </a:r>
+          </a:p>
+          <a:p>
+            <a:pPr lvl="2" marL="746759" indent="-248920" defTabSz="327152">
+              <a:spcBef>
+                <a:spcPts val="2300"/>
+              </a:spcBef>
+              <a:defRPr sz="1568">
+                <a:latin typeface="Georgia"/>
+                <a:ea typeface="Georgia"/>
+                <a:cs typeface="Georgia"/>
+                <a:sym typeface="Georgia"/>
+              </a:defRPr>
+            </a:pPr>
+            <a:r>
+              <a:t>Concatenated together, text embedded with GloVe: Global Vectors for Word Representation</a:t>
+            </a:r>
           </a:p>
         </p:txBody>
       </p:sp>
-      <p:graphicFrame>
-        <p:nvGraphicFramePr>
-          <p:cNvPr id="131" name="Chart 4"/>
-          <p:cNvGraphicFramePr/>
-          <p:nvPr/>
-        </p:nvGraphicFramePr>
-        <p:xfrm>
-          <a:off x="958717" y="2499713"/>
-          <a:ext cx="11085614" cy="6361994"/>
-        </p:xfrm>
-        <a:graphic xmlns:a="http://schemas.openxmlformats.org/drawingml/2006/main">
-          <a:graphicData uri="http://schemas.openxmlformats.org/drawingml/2006/chart">
-            <c:chart xmlns:c="http://schemas.openxmlformats.org/drawingml/2006/chart" r:id="rId2"/>
-          </a:graphicData>
-        </a:graphic>
-      </p:graphicFrame>
-    </p:spTree>
-  </p:cSld>
-  <p:clrMapOvr>
-    <a:masterClrMapping/>
-  </p:clrMapOvr>
-  <p:transition xmlns:p14="http://schemas.microsoft.com/office/powerpoint/2010/main" spd="med" advClick="1"/>
-</p:sld>
-</file>
-
-<file path=ppt/slides/slide5.xml><?xml version="1.0" encoding="utf-8"?>
-<p:sld xmlns:a="http://schemas.openxmlformats.org/drawingml/2006/main" xmlns:r="http://schemas.openxmlformats.org/officeDocument/2006/relationships" xmlns:p="http://schemas.openxmlformats.org/presentationml/2006/main" xmlns:m="http://schemas.openxmlformats.org/officeDocument/2006/math" xmlns:a14="http://schemas.microsoft.com/office/drawing/2010/main" showMasterSp="1" showMasterPhAnim="1">
-  <p:cSld>
-    <p:spTree>
-      <p:nvGrpSpPr>
-        <p:cNvPr id="1" name=""/>
-        <p:cNvGrpSpPr/>
-        <p:nvPr/>
-      </p:nvGrpSpPr>
-      <p:grpSpPr>
-        <a:xfrm>
-          <a:off x="0" y="0"/>
-          <a:ext cx="0" cy="0"/>
-          <a:chOff x="0" y="0"/>
-          <a:chExt cx="0" cy="0"/>
-        </a:xfrm>
-      </p:grpSpPr>
-      <p:sp>
-        <p:nvSpPr>
-          <p:cNvPr id="133" name="Correlation between Node Pollution Rate and Precision"/>
-          <p:cNvSpPr txBox="1"/>
-          <p:nvPr>
-            <p:ph type="title"/>
-          </p:nvPr>
-        </p:nvSpPr>
-        <p:spPr>
-          <a:prstGeom prst="rect">
-            <a:avLst/>
-          </a:prstGeom>
-        </p:spPr>
-        <p:txBody>
-          <a:bodyPr/>
-          <a:lstStyle>
-            <a:lvl1pPr defTabSz="457200">
-              <a:defRPr sz="3200">
-                <a:latin typeface="Calibri"/>
-                <a:ea typeface="Calibri"/>
-                <a:cs typeface="Calibri"/>
-                <a:sym typeface="Calibri"/>
-              </a:defRPr>
-            </a:lvl1pPr>
-          </a:lstStyle>
-          <a:p>
-            <a:pPr/>
-            <a:r>
-              <a:t>Correlation between Node Pollution Rate and Precision</a:t>
-            </a:r>
-          </a:p>
-        </p:txBody>
-      </p:sp>
-      <p:sp>
-        <p:nvSpPr>
-          <p:cNvPr id="134" name="Body"/>
-          <p:cNvSpPr txBox="1"/>
-          <p:nvPr>
-            <p:ph type="body" idx="1"/>
-          </p:nvPr>
-        </p:nvSpPr>
-        <p:spPr>
-          <a:prstGeom prst="rect">
-            <a:avLst/>
-          </a:prstGeom>
-        </p:spPr>
-        <p:txBody>
-          <a:bodyPr/>
-          <a:lstStyle/>
-          <a:p>
-            <a:pPr/>
-          </a:p>
-        </p:txBody>
-      </p:sp>
-      <p:graphicFrame>
-        <p:nvGraphicFramePr>
-          <p:cNvPr id="135" name="Chart 3"/>
-          <p:cNvGraphicFramePr/>
-          <p:nvPr/>
-        </p:nvGraphicFramePr>
-        <p:xfrm>
-          <a:off x="970078" y="2481507"/>
-          <a:ext cx="11077838" cy="6389576"/>
-        </p:xfrm>
-        <a:graphic xmlns:a="http://schemas.openxmlformats.org/drawingml/2006/main">
-          <a:graphicData uri="http://schemas.openxmlformats.org/drawingml/2006/chart">
-            <c:chart xmlns:c="http://schemas.openxmlformats.org/drawingml/2006/chart" r:id="rId2"/>
-          </a:graphicData>
-        </a:graphic>
-      </p:graphicFrame>
-    </p:spTree>
-  </p:cSld>
-  <p:clrMapOvr>
-    <a:masterClrMapping/>
-  </p:clrMapOvr>
-  <p:transition xmlns:p14="http://schemas.microsoft.com/office/powerpoint/2010/main" spd="med" advClick="1"/>
-</p:sld>
-</file>
-
-<file path=ppt/slides/slide6.xml><?xml version="1.0" encoding="utf-8"?>
-<p:sld xmlns:a="http://schemas.openxmlformats.org/drawingml/2006/main" xmlns:r="http://schemas.openxmlformats.org/officeDocument/2006/relationships" xmlns:p="http://schemas.openxmlformats.org/presentationml/2006/main" xmlns:m="http://schemas.openxmlformats.org/officeDocument/2006/math" xmlns:a14="http://schemas.microsoft.com/office/drawing/2010/main" showMasterSp="1" showMasterPhAnim="1">
-  <p:cSld>
-    <p:spTree>
-      <p:nvGrpSpPr>
-        <p:cNvPr id="1" name=""/>
-        <p:cNvGrpSpPr/>
-        <p:nvPr/>
-      </p:nvGrpSpPr>
-      <p:grpSpPr>
-        <a:xfrm>
-          <a:off x="0" y="0"/>
-          <a:ext cx="0" cy="0"/>
-          <a:chOff x="0" y="0"/>
-          <a:chExt cx="0" cy="0"/>
-        </a:xfrm>
-      </p:grpSpPr>
-      <p:sp>
-        <p:nvSpPr>
-          <p:cNvPr id="137" name="Correlation between Node Pollution Rate and Recall"/>
-          <p:cNvSpPr txBox="1"/>
-          <p:nvPr>
-            <p:ph type="title"/>
-          </p:nvPr>
-        </p:nvSpPr>
-        <p:spPr>
-          <a:prstGeom prst="rect">
-            <a:avLst/>
-          </a:prstGeom>
-        </p:spPr>
-        <p:txBody>
-          <a:bodyPr/>
-          <a:lstStyle>
-            <a:lvl1pPr defTabSz="457200">
-              <a:defRPr sz="3200">
-                <a:latin typeface="Calibri"/>
-                <a:ea typeface="Calibri"/>
-                <a:cs typeface="Calibri"/>
-                <a:sym typeface="Calibri"/>
-              </a:defRPr>
-            </a:lvl1pPr>
-          </a:lstStyle>
-          <a:p>
-            <a:pPr/>
-            <a:r>
-              <a:t>Correlation between Node Pollution Rate and Recall</a:t>
-            </a:r>
-          </a:p>
-        </p:txBody>
-      </p:sp>
-      <p:sp>
-        <p:nvSpPr>
-          <p:cNvPr id="138" name="Body"/>
-          <p:cNvSpPr txBox="1"/>
-          <p:nvPr>
-            <p:ph type="body" idx="1"/>
-          </p:nvPr>
-        </p:nvSpPr>
-        <p:spPr>
-          <a:prstGeom prst="rect">
-            <a:avLst/>
-          </a:prstGeom>
-        </p:spPr>
-        <p:txBody>
-          <a:bodyPr/>
-          <a:lstStyle/>
-          <a:p>
-            <a:pPr/>
-          </a:p>
-        </p:txBody>
-      </p:sp>
-      <p:graphicFrame>
-        <p:nvGraphicFramePr>
-          <p:cNvPr id="139" name="Chart 5"/>
-          <p:cNvGraphicFramePr/>
-          <p:nvPr/>
-        </p:nvGraphicFramePr>
-        <p:xfrm>
-          <a:off x="953806" y="2486170"/>
-          <a:ext cx="11097091" cy="6389774"/>
-        </p:xfrm>
-        <a:graphic xmlns:a="http://schemas.openxmlformats.org/drawingml/2006/main">
-          <a:graphicData uri="http://schemas.openxmlformats.org/drawingml/2006/chart">
-            <c:chart xmlns:c="http://schemas.openxmlformats.org/drawingml/2006/chart" r:id="rId2"/>
-          </a:graphicData>
-        </a:graphic>
-      </p:graphicFrame>
     </p:spTree>
   </p:cSld>
   <p:clrMapOvr>
@@ -7035,38 +4146,38 @@
 </file>
 
 <file path=ppt/theme/theme1.xml><?xml version="1.0" encoding="utf-8"?>
-<a:theme xmlns:a="http://schemas.openxmlformats.org/drawingml/2006/main" xmlns:r="http://schemas.openxmlformats.org/officeDocument/2006/relationships" name="Gradient">
+<a:theme xmlns:a="http://schemas.openxmlformats.org/drawingml/2006/main" xmlns:r="http://schemas.openxmlformats.org/officeDocument/2006/relationships" name="White">
   <a:themeElements>
-    <a:clrScheme name="Gradient">
+    <a:clrScheme name="White">
       <a:dk1>
-        <a:srgbClr val="FF0000"/>
+        <a:srgbClr val="000000"/>
       </a:dk1>
       <a:lt1>
         <a:srgbClr val="FFFFFF"/>
       </a:lt1>
       <a:dk2>
-        <a:srgbClr val="53585F"/>
+        <a:srgbClr val="5E5E5E"/>
       </a:dk2>
       <a:lt2>
-        <a:srgbClr val="DCDEE0"/>
+        <a:srgbClr val="D6D5D5"/>
       </a:lt2>
       <a:accent1>
-        <a:srgbClr val="0065C1"/>
+        <a:srgbClr val="00A2FF"/>
       </a:accent1>
       <a:accent2>
-        <a:srgbClr val="189B1A"/>
+        <a:srgbClr val="16E7CF"/>
       </a:accent2>
       <a:accent3>
-        <a:srgbClr val="008C91"/>
+        <a:srgbClr val="61D836"/>
       </a:accent3>
       <a:accent4>
-        <a:srgbClr val="5747C1"/>
+        <a:srgbClr val="FAE232"/>
       </a:accent4>
       <a:accent5>
-        <a:srgbClr val="971817"/>
+        <a:srgbClr val="FF644E"/>
       </a:accent5>
       <a:accent6>
-        <a:srgbClr val="BC8027"/>
+        <a:srgbClr val="EF5FA7"/>
       </a:accent6>
       <a:hlink>
         <a:srgbClr val="0000FF"/>
@@ -7075,19 +4186,19 @@
         <a:srgbClr val="FF00FF"/>
       </a:folHlink>
     </a:clrScheme>
-    <a:fontScheme name="Gradient">
+    <a:fontScheme name="White">
       <a:majorFont>
-        <a:latin typeface="Helvetica Light"/>
-        <a:ea typeface="Helvetica Light"/>
-        <a:cs typeface="Helvetica Light"/>
+        <a:latin typeface="Helvetica Neue Medium"/>
+        <a:ea typeface="Helvetica Neue Medium"/>
+        <a:cs typeface="Helvetica Neue Medium"/>
       </a:majorFont>
       <a:minorFont>
-        <a:latin typeface="Helvetica Light"/>
-        <a:ea typeface="Helvetica Light"/>
-        <a:cs typeface="Helvetica Light"/>
+        <a:latin typeface="Helvetica Neue Medium"/>
+        <a:ea typeface="Helvetica Neue Medium"/>
+        <a:cs typeface="Helvetica Neue Medium"/>
       </a:minorFont>
     </a:fontScheme>
-    <a:fmtScheme name="Gradient">
+    <a:fmtScheme name="White">
       <a:fillStyleLst>
         <a:solidFill>
           <a:schemeClr val="phClr"/>
@@ -7160,31 +4271,13 @@
       </a:lnStyleLst>
       <a:effectStyleLst>
         <a:effectStyle>
-          <a:effectLst>
-            <a:outerShdw sx="100000" sy="100000" kx="0" ky="0" algn="b" rotWithShape="0" blurRad="76200" dist="0" dir="18900000">
-              <a:srgbClr val="000000">
-                <a:alpha val="80000"/>
-              </a:srgbClr>
-            </a:outerShdw>
-          </a:effectLst>
+          <a:effectLst/>
         </a:effectStyle>
         <a:effectStyle>
-          <a:effectLst>
-            <a:outerShdw sx="100000" sy="100000" kx="0" ky="0" algn="b" rotWithShape="0" blurRad="76200" dist="0" dir="18900000">
-              <a:srgbClr val="000000">
-                <a:alpha val="80000"/>
-              </a:srgbClr>
-            </a:outerShdw>
-          </a:effectLst>
+          <a:effectLst/>
         </a:effectStyle>
         <a:effectStyle>
-          <a:effectLst>
-            <a:outerShdw sx="100000" sy="100000" kx="0" ky="0" algn="b" rotWithShape="0" blurRad="76200" dist="0" dir="18900000">
-              <a:srgbClr val="000000">
-                <a:alpha val="80000"/>
-              </a:srgbClr>
-            </a:outerShdw>
-          </a:effectLst>
+          <a:effectLst/>
         </a:effectStyle>
       </a:effectStyleLst>
       <a:bgFillStyleLst>
@@ -7242,32 +4335,14 @@
   <a:objectDefaults>
     <a:spDef>
       <a:spPr>
-        <a:gradFill flip="none" rotWithShape="1">
-          <a:gsLst>
-            <a:gs pos="0">
-              <a:schemeClr val="accent1"/>
-            </a:gs>
-            <a:gs pos="100000">
-              <a:schemeClr val="accent1">
-                <a:hueOff val="321133"/>
-                <a:satOff val="-12043"/>
-                <a:lumOff val="-7113"/>
-              </a:schemeClr>
-            </a:gs>
-          </a:gsLst>
-          <a:lin ang="5400000" scaled="0"/>
-        </a:gradFill>
+        <a:solidFill>
+          <a:schemeClr val="accent1"/>
+        </a:solidFill>
         <a:ln w="12700" cap="flat">
           <a:noFill/>
           <a:miter lim="400000"/>
         </a:ln>
-        <a:effectLst>
-          <a:outerShdw sx="100000" sy="100000" kx="0" ky="0" algn="b" rotWithShape="0" blurRad="76200" dist="0" dir="18900000">
-            <a:srgbClr val="000000">
-              <a:alpha val="80000"/>
-            </a:srgbClr>
-          </a:outerShdw>
-        </a:effectLst>
+        <a:effectLst/>
         <a:sp3d/>
       </a:spPr>
       <a:bodyPr rot="0" spcFirstLastPara="1" vertOverflow="overflow" horzOverflow="overflow" vert="horz" wrap="square" lIns="50800" tIns="50800" rIns="50800" bIns="50800" numCol="1" spcCol="38100" rtlCol="0" anchor="ctr" upright="0">
@@ -7289,25 +4364,19 @@
           <a:buFontTx/>
           <a:buNone/>
           <a:tabLst/>
-          <a:defRPr b="0" baseline="0" cap="none" i="0" spc="0" strike="noStrike" sz="2400" u="none" kumimoji="0" normalizeH="0">
+          <a:defRPr b="0" baseline="0" cap="none" i="0" spc="0" strike="noStrike" sz="2200" u="none" kumimoji="0" normalizeH="0">
             <a:ln>
               <a:noFill/>
             </a:ln>
             <a:solidFill>
               <a:srgbClr val="FFFFFF"/>
             </a:solidFill>
-            <a:effectLst>
-              <a:outerShdw sx="100000" sy="100000" kx="0" ky="0" algn="b" rotWithShape="0" blurRad="25400" dist="23998" dir="2700000">
-                <a:srgbClr val="000000">
-                  <a:alpha val="31034"/>
-                </a:srgbClr>
-              </a:outerShdw>
-            </a:effectLst>
+            <a:effectLst/>
             <a:uFillTx/>
             <a:latin typeface="+mn-lt"/>
             <a:ea typeface="+mn-ea"/>
             <a:cs typeface="+mn-cs"/>
-            <a:sym typeface="Helvetica Light"/>
+            <a:sym typeface="Helvetica Neue Medium"/>
           </a:defRPr>
         </a:defPPr>
         <a:lvl1pPr marL="0" marR="0" indent="0" algn="l" defTabSz="914400" rtl="0" fontAlgn="auto" latinLnBrk="1" hangingPunct="0">
@@ -7557,7 +4626,7 @@
         <a:noFill/>
         <a:ln w="25400" cap="flat">
           <a:solidFill>
-            <a:srgbClr val="FFFFFF"/>
+            <a:srgbClr val="000000"/>
           </a:solidFill>
           <a:prstDash val="solid"/>
           <a:miter lim="400000"/>
@@ -7866,19 +4935,19 @@
           <a:buFontTx/>
           <a:buNone/>
           <a:tabLst/>
-          <a:defRPr b="0" baseline="0" cap="none" i="0" spc="0" strike="noStrike" sz="3800" u="none" kumimoji="0" normalizeH="0">
+          <a:defRPr b="1" baseline="0" cap="none" i="0" spc="0" strike="noStrike" sz="2400" u="none" kumimoji="0" normalizeH="0">
             <a:ln>
               <a:noFill/>
             </a:ln>
             <a:solidFill>
-              <a:srgbClr val="FFFFFF"/>
+              <a:srgbClr val="000000"/>
             </a:solidFill>
             <a:effectLst/>
             <a:uFillTx/>
-            <a:latin typeface="+mn-lt"/>
-            <a:ea typeface="+mn-ea"/>
-            <a:cs typeface="+mn-cs"/>
-            <a:sym typeface="Helvetica Light"/>
+            <a:latin typeface="Helvetica Neue"/>
+            <a:ea typeface="Helvetica Neue"/>
+            <a:cs typeface="Helvetica Neue"/>
+            <a:sym typeface="Helvetica Neue"/>
           </a:defRPr>
         </a:defPPr>
         <a:lvl1pPr marL="0" marR="0" indent="0" algn="l" defTabSz="914400" rtl="0" fontAlgn="auto" latinLnBrk="1" hangingPunct="0">
@@ -8128,9 +5197,9 @@
 </file>
 
 <file path=ppt/theme/theme2.xml><?xml version="1.0" encoding="utf-8"?>
-<a:theme xmlns:a="http://schemas.openxmlformats.org/drawingml/2006/main" xmlns:r="http://schemas.openxmlformats.org/officeDocument/2006/relationships" name="Gradient">
+<a:theme xmlns:a="http://schemas.openxmlformats.org/drawingml/2006/main" xmlns:r="http://schemas.openxmlformats.org/officeDocument/2006/relationships" name="White">
   <a:themeElements>
-    <a:clrScheme name="Gradient">
+    <a:clrScheme name="White">
       <a:dk1>
         <a:srgbClr val="000000"/>
       </a:dk1>
@@ -8138,28 +5207,28 @@
         <a:srgbClr val="FFFFFF"/>
       </a:lt1>
       <a:dk2>
-        <a:srgbClr val="53585F"/>
+        <a:srgbClr val="5E5E5E"/>
       </a:dk2>
       <a:lt2>
-        <a:srgbClr val="DCDEE0"/>
+        <a:srgbClr val="D6D5D5"/>
       </a:lt2>
       <a:accent1>
-        <a:srgbClr val="0065C1"/>
+        <a:srgbClr val="00A2FF"/>
       </a:accent1>
       <a:accent2>
-        <a:srgbClr val="189B1A"/>
+        <a:srgbClr val="16E7CF"/>
       </a:accent2>
       <a:accent3>
-        <a:srgbClr val="008C91"/>
+        <a:srgbClr val="61D836"/>
       </a:accent3>
       <a:accent4>
-        <a:srgbClr val="5747C1"/>
+        <a:srgbClr val="FAE232"/>
       </a:accent4>
       <a:accent5>
-        <a:srgbClr val="971817"/>
+        <a:srgbClr val="FF644E"/>
       </a:accent5>
       <a:accent6>
-        <a:srgbClr val="BC8027"/>
+        <a:srgbClr val="EF5FA7"/>
       </a:accent6>
       <a:hlink>
         <a:srgbClr val="0000FF"/>
@@ -8168,19 +5237,19 @@
         <a:srgbClr val="FF00FF"/>
       </a:folHlink>
     </a:clrScheme>
-    <a:fontScheme name="Gradient">
+    <a:fontScheme name="White">
       <a:majorFont>
-        <a:latin typeface="Helvetica Light"/>
-        <a:ea typeface="Helvetica Light"/>
-        <a:cs typeface="Helvetica Light"/>
+        <a:latin typeface="Helvetica Neue Medium"/>
+        <a:ea typeface="Helvetica Neue Medium"/>
+        <a:cs typeface="Helvetica Neue Medium"/>
       </a:majorFont>
       <a:minorFont>
-        <a:latin typeface="Helvetica Light"/>
-        <a:ea typeface="Helvetica Light"/>
-        <a:cs typeface="Helvetica Light"/>
+        <a:latin typeface="Helvetica Neue Medium"/>
+        <a:ea typeface="Helvetica Neue Medium"/>
+        <a:cs typeface="Helvetica Neue Medium"/>
       </a:minorFont>
     </a:fontScheme>
-    <a:fmtScheme name="Gradient">
+    <a:fmtScheme name="White">
       <a:fillStyleLst>
         <a:solidFill>
           <a:schemeClr val="phClr"/>
@@ -8253,31 +5322,13 @@
       </a:lnStyleLst>
       <a:effectStyleLst>
         <a:effectStyle>
-          <a:effectLst>
-            <a:outerShdw sx="100000" sy="100000" kx="0" ky="0" algn="b" rotWithShape="0" blurRad="76200" dist="0" dir="18900000">
-              <a:srgbClr val="000000">
-                <a:alpha val="80000"/>
-              </a:srgbClr>
-            </a:outerShdw>
-          </a:effectLst>
+          <a:effectLst/>
         </a:effectStyle>
         <a:effectStyle>
-          <a:effectLst>
-            <a:outerShdw sx="100000" sy="100000" kx="0" ky="0" algn="b" rotWithShape="0" blurRad="76200" dist="0" dir="18900000">
-              <a:srgbClr val="000000">
-                <a:alpha val="80000"/>
-              </a:srgbClr>
-            </a:outerShdw>
-          </a:effectLst>
+          <a:effectLst/>
         </a:effectStyle>
         <a:effectStyle>
-          <a:effectLst>
-            <a:outerShdw sx="100000" sy="100000" kx="0" ky="0" algn="b" rotWithShape="0" blurRad="76200" dist="0" dir="18900000">
-              <a:srgbClr val="000000">
-                <a:alpha val="80000"/>
-              </a:srgbClr>
-            </a:outerShdw>
-          </a:effectLst>
+          <a:effectLst/>
         </a:effectStyle>
       </a:effectStyleLst>
       <a:bgFillStyleLst>
@@ -8335,32 +5386,14 @@
   <a:objectDefaults>
     <a:spDef>
       <a:spPr>
-        <a:gradFill flip="none" rotWithShape="1">
-          <a:gsLst>
-            <a:gs pos="0">
-              <a:schemeClr val="accent1"/>
-            </a:gs>
-            <a:gs pos="100000">
-              <a:schemeClr val="accent1">
-                <a:hueOff val="321133"/>
-                <a:satOff val="-12043"/>
-                <a:lumOff val="-7113"/>
-              </a:schemeClr>
-            </a:gs>
-          </a:gsLst>
-          <a:lin ang="5400000" scaled="0"/>
-        </a:gradFill>
+        <a:solidFill>
+          <a:schemeClr val="accent1"/>
+        </a:solidFill>
         <a:ln w="12700" cap="flat">
           <a:noFill/>
           <a:miter lim="400000"/>
         </a:ln>
-        <a:effectLst>
-          <a:outerShdw sx="100000" sy="100000" kx="0" ky="0" algn="b" rotWithShape="0" blurRad="76200" dist="0" dir="18900000">
-            <a:srgbClr val="000000">
-              <a:alpha val="80000"/>
-            </a:srgbClr>
-          </a:outerShdw>
-        </a:effectLst>
+        <a:effectLst/>
         <a:sp3d/>
       </a:spPr>
       <a:bodyPr rot="0" spcFirstLastPara="1" vertOverflow="overflow" horzOverflow="overflow" vert="horz" wrap="square" lIns="50800" tIns="50800" rIns="50800" bIns="50800" numCol="1" spcCol="38100" rtlCol="0" anchor="ctr" upright="0">
@@ -8382,25 +5415,19 @@
           <a:buFontTx/>
           <a:buNone/>
           <a:tabLst/>
-          <a:defRPr b="0" baseline="0" cap="none" i="0" spc="0" strike="noStrike" sz="2400" u="none" kumimoji="0" normalizeH="0">
+          <a:defRPr b="0" baseline="0" cap="none" i="0" spc="0" strike="noStrike" sz="2200" u="none" kumimoji="0" normalizeH="0">
             <a:ln>
               <a:noFill/>
             </a:ln>
             <a:solidFill>
               <a:srgbClr val="FFFFFF"/>
             </a:solidFill>
-            <a:effectLst>
-              <a:outerShdw sx="100000" sy="100000" kx="0" ky="0" algn="b" rotWithShape="0" blurRad="25400" dist="23998" dir="2700000">
-                <a:srgbClr val="000000">
-                  <a:alpha val="31034"/>
-                </a:srgbClr>
-              </a:outerShdw>
-            </a:effectLst>
+            <a:effectLst/>
             <a:uFillTx/>
             <a:latin typeface="+mn-lt"/>
             <a:ea typeface="+mn-ea"/>
             <a:cs typeface="+mn-cs"/>
-            <a:sym typeface="Helvetica Light"/>
+            <a:sym typeface="Helvetica Neue Medium"/>
           </a:defRPr>
         </a:defPPr>
         <a:lvl1pPr marL="0" marR="0" indent="0" algn="l" defTabSz="914400" rtl="0" fontAlgn="auto" latinLnBrk="1" hangingPunct="0">
@@ -8650,7 +5677,7 @@
         <a:noFill/>
         <a:ln w="25400" cap="flat">
           <a:solidFill>
-            <a:srgbClr val="FFFFFF"/>
+            <a:srgbClr val="000000"/>
           </a:solidFill>
           <a:prstDash val="solid"/>
           <a:miter lim="400000"/>
@@ -8959,19 +5986,19 @@
           <a:buFontTx/>
           <a:buNone/>
           <a:tabLst/>
-          <a:defRPr b="0" baseline="0" cap="none" i="0" spc="0" strike="noStrike" sz="3800" u="none" kumimoji="0" normalizeH="0">
+          <a:defRPr b="1" baseline="0" cap="none" i="0" spc="0" strike="noStrike" sz="2400" u="none" kumimoji="0" normalizeH="0">
             <a:ln>
               <a:noFill/>
             </a:ln>
             <a:solidFill>
-              <a:srgbClr val="FFFFFF"/>
+              <a:srgbClr val="000000"/>
             </a:solidFill>
             <a:effectLst/>
             <a:uFillTx/>
-            <a:latin typeface="+mn-lt"/>
-            <a:ea typeface="+mn-ea"/>
-            <a:cs typeface="+mn-cs"/>
-            <a:sym typeface="Helvetica Light"/>
+            <a:latin typeface="Helvetica Neue"/>
+            <a:ea typeface="Helvetica Neue"/>
+            <a:cs typeface="Helvetica Neue"/>
+            <a:sym typeface="Helvetica Neue"/>
           </a:defRPr>
         </a:defPPr>
         <a:lvl1pPr marL="0" marR="0" indent="0" algn="l" defTabSz="914400" rtl="0" fontAlgn="auto" latinLnBrk="1" hangingPunct="0">
